--- a/TeamAngio - Tablut.pptx
+++ b/TeamAngio - Tablut.pptx
@@ -110,6 +110,11 @@
       </a:defRPr>
     </a:lvl9pPr>
   </p:defaultTextStyle>
+  <p:extLst>
+    <p:ext uri="{EFAFB233-063F-42B5-8137-9DF3F51BA10A}">
+      <p15:sldGuideLst xmlns:p15="http://schemas.microsoft.com/office/powerpoint/2012/main"/>
+    </p:ext>
+  </p:extLst>
 </p:presentation>
 </file>
 
@@ -260,7 +265,7 @@
           <a:p>
             <a:fld id="{16B818DB-7D6C-466C-92AB-191A2ADABED1}" type="datetimeFigureOut">
               <a:rPr lang="it-IT" smtClean="0"/>
-              <a:t>22/05/2021</a:t>
+              <a:t>23/05/2021</a:t>
             </a:fld>
             <a:endParaRPr lang="it-IT"/>
           </a:p>
@@ -458,7 +463,7 @@
           <a:p>
             <a:fld id="{16B818DB-7D6C-466C-92AB-191A2ADABED1}" type="datetimeFigureOut">
               <a:rPr lang="it-IT" smtClean="0"/>
-              <a:t>22/05/2021</a:t>
+              <a:t>23/05/2021</a:t>
             </a:fld>
             <a:endParaRPr lang="it-IT"/>
           </a:p>
@@ -666,7 +671,7 @@
           <a:p>
             <a:fld id="{16B818DB-7D6C-466C-92AB-191A2ADABED1}" type="datetimeFigureOut">
               <a:rPr lang="it-IT" smtClean="0"/>
-              <a:t>22/05/2021</a:t>
+              <a:t>23/05/2021</a:t>
             </a:fld>
             <a:endParaRPr lang="it-IT"/>
           </a:p>
@@ -864,7 +869,7 @@
           <a:p>
             <a:fld id="{16B818DB-7D6C-466C-92AB-191A2ADABED1}" type="datetimeFigureOut">
               <a:rPr lang="it-IT" smtClean="0"/>
-              <a:t>22/05/2021</a:t>
+              <a:t>23/05/2021</a:t>
             </a:fld>
             <a:endParaRPr lang="it-IT"/>
           </a:p>
@@ -1139,7 +1144,7 @@
           <a:p>
             <a:fld id="{16B818DB-7D6C-466C-92AB-191A2ADABED1}" type="datetimeFigureOut">
               <a:rPr lang="it-IT" smtClean="0"/>
-              <a:t>22/05/2021</a:t>
+              <a:t>23/05/2021</a:t>
             </a:fld>
             <a:endParaRPr lang="it-IT"/>
           </a:p>
@@ -1404,7 +1409,7 @@
           <a:p>
             <a:fld id="{16B818DB-7D6C-466C-92AB-191A2ADABED1}" type="datetimeFigureOut">
               <a:rPr lang="it-IT" smtClean="0"/>
-              <a:t>22/05/2021</a:t>
+              <a:t>23/05/2021</a:t>
             </a:fld>
             <a:endParaRPr lang="it-IT"/>
           </a:p>
@@ -1816,7 +1821,7 @@
           <a:p>
             <a:fld id="{16B818DB-7D6C-466C-92AB-191A2ADABED1}" type="datetimeFigureOut">
               <a:rPr lang="it-IT" smtClean="0"/>
-              <a:t>22/05/2021</a:t>
+              <a:t>23/05/2021</a:t>
             </a:fld>
             <a:endParaRPr lang="it-IT"/>
           </a:p>
@@ -1957,7 +1962,7 @@
           <a:p>
             <a:fld id="{16B818DB-7D6C-466C-92AB-191A2ADABED1}" type="datetimeFigureOut">
               <a:rPr lang="it-IT" smtClean="0"/>
-              <a:t>22/05/2021</a:t>
+              <a:t>23/05/2021</a:t>
             </a:fld>
             <a:endParaRPr lang="it-IT"/>
           </a:p>
@@ -2070,7 +2075,7 @@
           <a:p>
             <a:fld id="{16B818DB-7D6C-466C-92AB-191A2ADABED1}" type="datetimeFigureOut">
               <a:rPr lang="it-IT" smtClean="0"/>
-              <a:t>22/05/2021</a:t>
+              <a:t>23/05/2021</a:t>
             </a:fld>
             <a:endParaRPr lang="it-IT"/>
           </a:p>
@@ -2381,7 +2386,7 @@
           <a:p>
             <a:fld id="{16B818DB-7D6C-466C-92AB-191A2ADABED1}" type="datetimeFigureOut">
               <a:rPr lang="it-IT" smtClean="0"/>
-              <a:t>22/05/2021</a:t>
+              <a:t>23/05/2021</a:t>
             </a:fld>
             <a:endParaRPr lang="it-IT"/>
           </a:p>
@@ -2669,7 +2674,7 @@
           <a:p>
             <a:fld id="{16B818DB-7D6C-466C-92AB-191A2ADABED1}" type="datetimeFigureOut">
               <a:rPr lang="it-IT" smtClean="0"/>
-              <a:t>22/05/2021</a:t>
+              <a:t>23/05/2021</a:t>
             </a:fld>
             <a:endParaRPr lang="it-IT"/>
           </a:p>
@@ -2910,7 +2915,7 @@
           <a:p>
             <a:fld id="{16B818DB-7D6C-466C-92AB-191A2ADABED1}" type="datetimeFigureOut">
               <a:rPr lang="it-IT" smtClean="0"/>
-              <a:t>22/05/2021</a:t>
+              <a:t>23/05/2021</a:t>
             </a:fld>
             <a:endParaRPr lang="it-IT"/>
           </a:p>
@@ -3343,24 +3348,29 @@
             <p:ph type="ctrTitle"/>
           </p:nvPr>
         </p:nvSpPr>
-        <p:spPr/>
+        <p:spPr>
+          <a:xfrm>
+            <a:off x="2674165" y="694801"/>
+            <a:ext cx="9144000" cy="2387600"/>
+          </a:xfrm>
+        </p:spPr>
         <p:txBody>
           <a:bodyPr/>
           <a:lstStyle/>
           <a:p>
-            <a:r>
-              <a:rPr lang="it-IT" dirty="0" err="1"/>
+            <a:pPr algn="r"/>
+            <a:r>
+              <a:rPr lang="it-IT" b="1" dirty="0" err="1"/>
               <a:t>TeamAngio</a:t>
             </a:r>
-            <a:r>
-              <a:rPr lang="it-IT" dirty="0"/>
-              <a:t> - </a:t>
-            </a:r>
-            <a:r>
-              <a:rPr lang="it-IT" dirty="0" err="1"/>
+            <a:br>
+              <a:rPr lang="it-IT" dirty="0"/>
+            </a:br>
+            <a:r>
+              <a:rPr lang="it-IT" sz="4800" b="1" dirty="0" err="1"/>
               <a:t>Tablut</a:t>
             </a:r>
-            <a:endParaRPr lang="it-IT" dirty="0"/>
+            <a:endParaRPr lang="it-IT" b="1" dirty="0"/>
           </a:p>
         </p:txBody>
       </p:sp>
@@ -3380,31 +3390,40 @@
             <p:ph type="subTitle" idx="1"/>
           </p:nvPr>
         </p:nvSpPr>
-        <p:spPr/>
+        <p:spPr>
+          <a:xfrm>
+            <a:off x="2674165" y="3909767"/>
+            <a:ext cx="9144000" cy="1655762"/>
+          </a:xfrm>
+        </p:spPr>
         <p:txBody>
           <a:bodyPr>
             <a:normAutofit lnSpcReduction="10000"/>
           </a:bodyPr>
           <a:lstStyle/>
           <a:p>
+            <a:pPr algn="r"/>
             <a:r>
               <a:rPr lang="it-IT" dirty="0"/>
               <a:t>Jasmin De Cecco</a:t>
             </a:r>
           </a:p>
           <a:p>
+            <a:pPr algn="r"/>
             <a:r>
               <a:rPr lang="it-IT" dirty="0"/>
               <a:t>Matteo Di Lorenzi</a:t>
             </a:r>
           </a:p>
           <a:p>
+            <a:pPr algn="r"/>
             <a:r>
               <a:rPr lang="it-IT" dirty="0"/>
               <a:t>Lorenzo Magnanelli</a:t>
             </a:r>
           </a:p>
           <a:p>
+            <a:pPr algn="r"/>
             <a:r>
               <a:rPr lang="it-IT" dirty="0"/>
               <a:t>Mattia Mazzoli THE LEGEND</a:t>
@@ -3412,6 +3431,42 @@
           </a:p>
         </p:txBody>
       </p:sp>
+      <p:pic>
+        <p:nvPicPr>
+          <p:cNvPr id="5" name="Immagine 4">
+            <a:extLst>
+              <a:ext uri="{FF2B5EF4-FFF2-40B4-BE49-F238E27FC236}">
+                <a16:creationId xmlns:a16="http://schemas.microsoft.com/office/drawing/2014/main" id="{D922E482-25E8-4C9B-A176-924A8A5F6AB5}"/>
+              </a:ext>
+            </a:extLst>
+          </p:cNvPr>
+          <p:cNvPicPr>
+            <a:picLocks noChangeAspect="1"/>
+          </p:cNvPicPr>
+          <p:nvPr/>
+        </p:nvPicPr>
+        <p:blipFill>
+          <a:blip r:embed="rId2">
+            <a:extLst>
+              <a:ext uri="{28A0092B-C50C-407E-A947-70E740481C1C}">
+                <a14:useLocalDpi xmlns:a14="http://schemas.microsoft.com/office/drawing/2010/main" val="0"/>
+              </a:ext>
+            </a:extLst>
+          </a:blip>
+          <a:stretch>
+            <a:fillRect/>
+          </a:stretch>
+        </p:blipFill>
+        <p:spPr>
+          <a:xfrm>
+            <a:off x="-666546" y="462912"/>
+            <a:ext cx="8458759" cy="5495544"/>
+          </a:xfrm>
+          <a:prstGeom prst="rect">
+            <a:avLst/>
+          </a:prstGeom>
+        </p:spPr>
+      </p:pic>
     </p:spTree>
     <p:extLst>
       <p:ext uri="{BB962C8B-B14F-4D97-AF65-F5344CB8AC3E}">
@@ -3444,6 +3499,60 @@
       </p:grpSpPr>
       <p:sp>
         <p:nvSpPr>
+          <p:cNvPr id="6" name="Rettangolo 5">
+            <a:extLst>
+              <a:ext uri="{FF2B5EF4-FFF2-40B4-BE49-F238E27FC236}">
+                <a16:creationId xmlns:a16="http://schemas.microsoft.com/office/drawing/2014/main" id="{93BD5FF7-987B-432E-8F49-82A736A2B7B4}"/>
+              </a:ext>
+            </a:extLst>
+          </p:cNvPr>
+          <p:cNvSpPr/>
+          <p:nvPr/>
+        </p:nvSpPr>
+        <p:spPr>
+          <a:xfrm>
+            <a:off x="-292608" y="1130396"/>
+            <a:ext cx="4946904" cy="122332"/>
+          </a:xfrm>
+          <a:prstGeom prst="rect">
+            <a:avLst/>
+          </a:prstGeom>
+          <a:solidFill>
+            <a:srgbClr val="C00000"/>
+          </a:solidFill>
+          <a:ln>
+            <a:solidFill>
+              <a:srgbClr val="C00000"/>
+            </a:solidFill>
+          </a:ln>
+        </p:spPr>
+        <p:style>
+          <a:lnRef idx="2">
+            <a:schemeClr val="accent1">
+              <a:shade val="50000"/>
+            </a:schemeClr>
+          </a:lnRef>
+          <a:fillRef idx="1">
+            <a:schemeClr val="accent1"/>
+          </a:fillRef>
+          <a:effectRef idx="0">
+            <a:schemeClr val="accent1"/>
+          </a:effectRef>
+          <a:fontRef idx="minor">
+            <a:schemeClr val="lt1"/>
+          </a:fontRef>
+        </p:style>
+        <p:txBody>
+          <a:bodyPr rtlCol="0" anchor="ctr"/>
+          <a:lstStyle/>
+          <a:p>
+            <a:pPr algn="ctr"/>
+            <a:endParaRPr lang="it-IT"/>
+          </a:p>
+        </p:txBody>
+      </p:sp>
+      <p:sp>
+        <p:nvSpPr>
           <p:cNvPr id="2" name="Titolo 1">
             <a:extLst>
               <a:ext uri="{FF2B5EF4-FFF2-40B4-BE49-F238E27FC236}">
@@ -3464,14 +3573,14 @@
           <a:lstStyle/>
           <a:p>
             <a:r>
-              <a:rPr lang="it-IT" dirty="0"/>
+              <a:rPr lang="it-IT" b="1" dirty="0"/>
               <a:t>Brief </a:t>
             </a:r>
             <a:r>
-              <a:rPr lang="it-IT" dirty="0" err="1"/>
+              <a:rPr lang="it-IT" b="1" dirty="0" err="1"/>
               <a:t>Description</a:t>
             </a:r>
-            <a:endParaRPr lang="it-IT" dirty="0"/>
+            <a:endParaRPr lang="it-IT" b="1" dirty="0"/>
           </a:p>
         </p:txBody>
       </p:sp>
@@ -3636,6 +3745,60 @@
       </p:grpSpPr>
       <p:sp>
         <p:nvSpPr>
+          <p:cNvPr id="6" name="Rettangolo 5">
+            <a:extLst>
+              <a:ext uri="{FF2B5EF4-FFF2-40B4-BE49-F238E27FC236}">
+                <a16:creationId xmlns:a16="http://schemas.microsoft.com/office/drawing/2014/main" id="{037875EA-788E-4DC9-978C-A7A2C7E58AF9}"/>
+              </a:ext>
+            </a:extLst>
+          </p:cNvPr>
+          <p:cNvSpPr/>
+          <p:nvPr/>
+        </p:nvSpPr>
+        <p:spPr>
+          <a:xfrm>
+            <a:off x="-292608" y="1133856"/>
+            <a:ext cx="3639312" cy="122400"/>
+          </a:xfrm>
+          <a:prstGeom prst="rect">
+            <a:avLst/>
+          </a:prstGeom>
+          <a:solidFill>
+            <a:srgbClr val="C00000"/>
+          </a:solidFill>
+          <a:ln>
+            <a:solidFill>
+              <a:srgbClr val="C00000"/>
+            </a:solidFill>
+          </a:ln>
+        </p:spPr>
+        <p:style>
+          <a:lnRef idx="2">
+            <a:schemeClr val="accent1">
+              <a:shade val="50000"/>
+            </a:schemeClr>
+          </a:lnRef>
+          <a:fillRef idx="1">
+            <a:schemeClr val="accent1"/>
+          </a:fillRef>
+          <a:effectRef idx="0">
+            <a:schemeClr val="accent1"/>
+          </a:effectRef>
+          <a:fontRef idx="minor">
+            <a:schemeClr val="lt1"/>
+          </a:fontRef>
+        </p:style>
+        <p:txBody>
+          <a:bodyPr rtlCol="0" anchor="ctr"/>
+          <a:lstStyle/>
+          <a:p>
+            <a:pPr algn="ctr"/>
+            <a:endParaRPr lang="it-IT"/>
+          </a:p>
+        </p:txBody>
+      </p:sp>
+      <p:sp>
+        <p:nvSpPr>
           <p:cNvPr id="2" name="Titolo 1">
             <a:extLst>
               <a:ext uri="{FF2B5EF4-FFF2-40B4-BE49-F238E27FC236}">
@@ -3656,10 +3819,10 @@
           <a:lstStyle/>
           <a:p>
             <a:r>
-              <a:rPr lang="it-IT" dirty="0" err="1"/>
+              <a:rPr lang="it-IT" b="1" dirty="0" err="1"/>
               <a:t>Languages</a:t>
             </a:r>
-            <a:endParaRPr lang="it-IT" dirty="0"/>
+            <a:endParaRPr lang="it-IT" b="1" dirty="0"/>
           </a:p>
         </p:txBody>
       </p:sp>
@@ -3684,8 +3847,11 @@
           <a:bodyPr/>
           <a:lstStyle/>
           <a:p>
-            <a:r>
-              <a:rPr lang="it-IT" dirty="0"/>
+            <a:pPr marL="0" indent="0">
+              <a:buNone/>
+            </a:pPr>
+            <a:r>
+              <a:rPr lang="it-IT" b="1" dirty="0"/>
               <a:t>Python</a:t>
             </a:r>
           </a:p>
@@ -3782,8 +3948,11 @@
           <a:bodyPr/>
           <a:lstStyle/>
           <a:p>
-            <a:r>
-              <a:rPr lang="it-IT" dirty="0"/>
+            <a:pPr marL="0" indent="0">
+              <a:buNone/>
+            </a:pPr>
+            <a:r>
+              <a:rPr lang="it-IT" b="1" dirty="0"/>
               <a:t>C</a:t>
             </a:r>
           </a:p>
@@ -3869,6 +4038,60 @@
       </p:grpSpPr>
       <p:sp>
         <p:nvSpPr>
+          <p:cNvPr id="8" name="Rettangolo 7">
+            <a:extLst>
+              <a:ext uri="{FF2B5EF4-FFF2-40B4-BE49-F238E27FC236}">
+                <a16:creationId xmlns:a16="http://schemas.microsoft.com/office/drawing/2014/main" id="{6E0C8AF2-AFF5-46FA-A745-8BAE016DDF5C}"/>
+              </a:ext>
+            </a:extLst>
+          </p:cNvPr>
+          <p:cNvSpPr/>
+          <p:nvPr/>
+        </p:nvSpPr>
+        <p:spPr>
+          <a:xfrm>
+            <a:off x="-292608" y="1130396"/>
+            <a:ext cx="3419856" cy="122400"/>
+          </a:xfrm>
+          <a:prstGeom prst="rect">
+            <a:avLst/>
+          </a:prstGeom>
+          <a:solidFill>
+            <a:srgbClr val="C00000"/>
+          </a:solidFill>
+          <a:ln>
+            <a:solidFill>
+              <a:srgbClr val="C00000"/>
+            </a:solidFill>
+          </a:ln>
+        </p:spPr>
+        <p:style>
+          <a:lnRef idx="2">
+            <a:schemeClr val="accent1">
+              <a:shade val="50000"/>
+            </a:schemeClr>
+          </a:lnRef>
+          <a:fillRef idx="1">
+            <a:schemeClr val="accent1"/>
+          </a:fillRef>
+          <a:effectRef idx="0">
+            <a:schemeClr val="accent1"/>
+          </a:effectRef>
+          <a:fontRef idx="minor">
+            <a:schemeClr val="lt1"/>
+          </a:fontRef>
+        </p:style>
+        <p:txBody>
+          <a:bodyPr rtlCol="0" anchor="ctr"/>
+          <a:lstStyle/>
+          <a:p>
+            <a:pPr algn="ctr"/>
+            <a:endParaRPr lang="it-IT"/>
+          </a:p>
+        </p:txBody>
+      </p:sp>
+      <p:sp>
+        <p:nvSpPr>
           <p:cNvPr id="2" name="Titolo 1">
             <a:extLst>
               <a:ext uri="{FF2B5EF4-FFF2-40B4-BE49-F238E27FC236}">
@@ -3889,10 +4112,10 @@
           <a:lstStyle/>
           <a:p>
             <a:r>
-              <a:rPr lang="it-IT" dirty="0" err="1"/>
+              <a:rPr lang="it-IT" b="1" dirty="0" err="1"/>
               <a:t>Bitboards</a:t>
             </a:r>
-            <a:endParaRPr lang="it-IT" dirty="0"/>
+            <a:endParaRPr lang="it-IT" b="1" dirty="0"/>
           </a:p>
         </p:txBody>
       </p:sp>
@@ -4101,6 +4324,5360 @@
               <a:rPr lang="it-IT" dirty="0"/>
               <a:t>.</a:t>
             </a:r>
+          </a:p>
+        </p:txBody>
+      </p:sp>
+      <p:sp>
+        <p:nvSpPr>
+          <p:cNvPr id="6" name="CasellaDiTesto 5">
+            <a:extLst>
+              <a:ext uri="{FF2B5EF4-FFF2-40B4-BE49-F238E27FC236}">
+                <a16:creationId xmlns:a16="http://schemas.microsoft.com/office/drawing/2014/main" id="{A668D79F-CB10-4AA6-BA33-845C80C14CFA}"/>
+              </a:ext>
+            </a:extLst>
+          </p:cNvPr>
+          <p:cNvSpPr txBox="1"/>
+          <p:nvPr/>
+        </p:nvSpPr>
+        <p:spPr>
+          <a:xfrm>
+            <a:off x="1560576" y="5109684"/>
+            <a:ext cx="3688080" cy="861774"/>
+          </a:xfrm>
+          <a:prstGeom prst="rect">
+            <a:avLst/>
+          </a:prstGeom>
+          <a:noFill/>
+        </p:spPr>
+        <p:txBody>
+          <a:bodyPr wrap="square">
+            <a:spAutoFit/>
+          </a:bodyPr>
+          <a:lstStyle/>
+          <a:p>
+            <a:r>
+              <a:rPr lang="it-IT" sz="1600" dirty="0"/>
+              <a:t>01000011 01101000 01100101 01110011 </a:t>
+            </a:r>
+          </a:p>
+          <a:p>
+            <a:r>
+              <a:rPr lang="it-IT" sz="1600" dirty="0"/>
+              <a:t>01100001 01101110 01101001 01010010 </a:t>
+            </a:r>
+          </a:p>
+          <a:p>
+            <a:r>
+              <a:rPr lang="it-IT" sz="1600" dirty="0"/>
+              <a:t>01101001 01100111 01101000 01110100 </a:t>
+            </a:r>
+          </a:p>
+        </p:txBody>
+      </p:sp>
+      <p:graphicFrame>
+        <p:nvGraphicFramePr>
+          <p:cNvPr id="4" name="Tabella 3">
+            <a:extLst>
+              <a:ext uri="{FF2B5EF4-FFF2-40B4-BE49-F238E27FC236}">
+                <a16:creationId xmlns:a16="http://schemas.microsoft.com/office/drawing/2014/main" id="{77D9FBB0-C0BF-4884-A4B7-CBA8A9C45CD2}"/>
+              </a:ext>
+            </a:extLst>
+          </p:cNvPr>
+          <p:cNvGraphicFramePr>
+            <a:graphicFrameLocks noGrp="1"/>
+          </p:cNvGraphicFramePr>
+          <p:nvPr>
+            <p:extLst>
+              <p:ext uri="{D42A27DB-BD31-4B8C-83A1-F6EECF244321}">
+                <p14:modId xmlns:p14="http://schemas.microsoft.com/office/powerpoint/2010/main" val="3876737626"/>
+              </p:ext>
+            </p:extLst>
+          </p:nvPr>
+        </p:nvGraphicFramePr>
+        <p:xfrm>
+          <a:off x="6769610" y="4588268"/>
+          <a:ext cx="2319525" cy="1904607"/>
+        </p:xfrm>
+        <a:graphic>
+          <a:graphicData uri="http://schemas.openxmlformats.org/drawingml/2006/table">
+            <a:tbl>
+              <a:tblPr firstRow="1" firstCol="1" bandRow="1"/>
+              <a:tblGrid>
+                <a:gridCol w="257725">
+                  <a:extLst>
+                    <a:ext uri="{9D8B030D-6E8A-4147-A177-3AD203B41FA5}">
+                      <a16:colId xmlns:a16="http://schemas.microsoft.com/office/drawing/2014/main" val="1950331743"/>
+                    </a:ext>
+                  </a:extLst>
+                </a:gridCol>
+                <a:gridCol w="257725">
+                  <a:extLst>
+                    <a:ext uri="{9D8B030D-6E8A-4147-A177-3AD203B41FA5}">
+                      <a16:colId xmlns:a16="http://schemas.microsoft.com/office/drawing/2014/main" val="397171772"/>
+                    </a:ext>
+                  </a:extLst>
+                </a:gridCol>
+                <a:gridCol w="257725">
+                  <a:extLst>
+                    <a:ext uri="{9D8B030D-6E8A-4147-A177-3AD203B41FA5}">
+                      <a16:colId xmlns:a16="http://schemas.microsoft.com/office/drawing/2014/main" val="948685214"/>
+                    </a:ext>
+                  </a:extLst>
+                </a:gridCol>
+                <a:gridCol w="257725">
+                  <a:extLst>
+                    <a:ext uri="{9D8B030D-6E8A-4147-A177-3AD203B41FA5}">
+                      <a16:colId xmlns:a16="http://schemas.microsoft.com/office/drawing/2014/main" val="4146799960"/>
+                    </a:ext>
+                  </a:extLst>
+                </a:gridCol>
+                <a:gridCol w="257725">
+                  <a:extLst>
+                    <a:ext uri="{9D8B030D-6E8A-4147-A177-3AD203B41FA5}">
+                      <a16:colId xmlns:a16="http://schemas.microsoft.com/office/drawing/2014/main" val="1869136080"/>
+                    </a:ext>
+                  </a:extLst>
+                </a:gridCol>
+                <a:gridCol w="257725">
+                  <a:extLst>
+                    <a:ext uri="{9D8B030D-6E8A-4147-A177-3AD203B41FA5}">
+                      <a16:colId xmlns:a16="http://schemas.microsoft.com/office/drawing/2014/main" val="2312968222"/>
+                    </a:ext>
+                  </a:extLst>
+                </a:gridCol>
+                <a:gridCol w="257725">
+                  <a:extLst>
+                    <a:ext uri="{9D8B030D-6E8A-4147-A177-3AD203B41FA5}">
+                      <a16:colId xmlns:a16="http://schemas.microsoft.com/office/drawing/2014/main" val="1334488425"/>
+                    </a:ext>
+                  </a:extLst>
+                </a:gridCol>
+                <a:gridCol w="257725">
+                  <a:extLst>
+                    <a:ext uri="{9D8B030D-6E8A-4147-A177-3AD203B41FA5}">
+                      <a16:colId xmlns:a16="http://schemas.microsoft.com/office/drawing/2014/main" val="3976620459"/>
+                    </a:ext>
+                  </a:extLst>
+                </a:gridCol>
+                <a:gridCol w="257725">
+                  <a:extLst>
+                    <a:ext uri="{9D8B030D-6E8A-4147-A177-3AD203B41FA5}">
+                      <a16:colId xmlns:a16="http://schemas.microsoft.com/office/drawing/2014/main" val="540534216"/>
+                    </a:ext>
+                  </a:extLst>
+                </a:gridCol>
+              </a:tblGrid>
+              <a:tr h="211623">
+                <a:tc>
+                  <a:txBody>
+                    <a:bodyPr/>
+                    <a:lstStyle/>
+                    <a:p>
+                      <a:pPr>
+                        <a:lnSpc>
+                          <a:spcPct val="107000"/>
+                        </a:lnSpc>
+                        <a:spcAft>
+                          <a:spcPts val="800"/>
+                        </a:spcAft>
+                      </a:pPr>
+                      <a:r>
+                        <a:rPr lang="it-IT" sz="1300">
+                          <a:effectLst/>
+                          <a:latin typeface="Calibri" panose="020F0502020204030204" pitchFamily="34" charset="0"/>
+                          <a:ea typeface="Calibri" panose="020F0502020204030204" pitchFamily="34" charset="0"/>
+                          <a:cs typeface="Times New Roman" panose="02020603050405020304" pitchFamily="18" charset="0"/>
+                        </a:rPr>
+                        <a:t>0</a:t>
+                      </a:r>
+                    </a:p>
+                  </a:txBody>
+                  <a:tcPr marL="84649" marR="84649" marT="0" marB="0">
+                    <a:lnL w="12700" cap="flat" cmpd="sng" algn="ctr">
+                      <a:solidFill>
+                        <a:srgbClr val="000000"/>
+                      </a:solidFill>
+                      <a:prstDash val="solid"/>
+                      <a:round/>
+                      <a:headEnd type="none" w="med" len="med"/>
+                      <a:tailEnd type="none" w="med" len="med"/>
+                    </a:lnL>
+                    <a:lnR w="12700" cap="flat" cmpd="sng" algn="ctr">
+                      <a:solidFill>
+                        <a:srgbClr val="000000"/>
+                      </a:solidFill>
+                      <a:prstDash val="solid"/>
+                      <a:round/>
+                      <a:headEnd type="none" w="med" len="med"/>
+                      <a:tailEnd type="none" w="med" len="med"/>
+                    </a:lnR>
+                    <a:lnT w="12700" cap="flat" cmpd="sng" algn="ctr">
+                      <a:solidFill>
+                        <a:srgbClr val="000000"/>
+                      </a:solidFill>
+                      <a:prstDash val="solid"/>
+                      <a:round/>
+                      <a:headEnd type="none" w="med" len="med"/>
+                      <a:tailEnd type="none" w="med" len="med"/>
+                    </a:lnT>
+                    <a:lnB w="12700" cap="flat" cmpd="sng" algn="ctr">
+                      <a:solidFill>
+                        <a:srgbClr val="000000"/>
+                      </a:solidFill>
+                      <a:prstDash val="solid"/>
+                      <a:round/>
+                      <a:headEnd type="none" w="med" len="med"/>
+                      <a:tailEnd type="none" w="med" len="med"/>
+                    </a:lnB>
+                  </a:tcPr>
+                </a:tc>
+                <a:tc>
+                  <a:txBody>
+                    <a:bodyPr/>
+                    <a:lstStyle/>
+                    <a:p>
+                      <a:pPr>
+                        <a:lnSpc>
+                          <a:spcPct val="107000"/>
+                        </a:lnSpc>
+                        <a:spcAft>
+                          <a:spcPts val="800"/>
+                        </a:spcAft>
+                      </a:pPr>
+                      <a:r>
+                        <a:rPr lang="it-IT" sz="1300" dirty="0">
+                          <a:effectLst/>
+                          <a:latin typeface="Calibri" panose="020F0502020204030204" pitchFamily="34" charset="0"/>
+                          <a:ea typeface="Calibri" panose="020F0502020204030204" pitchFamily="34" charset="0"/>
+                          <a:cs typeface="Times New Roman" panose="02020603050405020304" pitchFamily="18" charset="0"/>
+                        </a:rPr>
+                        <a:t>1</a:t>
+                      </a:r>
+                    </a:p>
+                  </a:txBody>
+                  <a:tcPr marL="84649" marR="84649" marT="0" marB="0">
+                    <a:lnL w="12700" cap="flat" cmpd="sng" algn="ctr">
+                      <a:solidFill>
+                        <a:srgbClr val="000000"/>
+                      </a:solidFill>
+                      <a:prstDash val="solid"/>
+                      <a:round/>
+                      <a:headEnd type="none" w="med" len="med"/>
+                      <a:tailEnd type="none" w="med" len="med"/>
+                    </a:lnL>
+                    <a:lnR w="12700" cap="flat" cmpd="sng" algn="ctr">
+                      <a:solidFill>
+                        <a:srgbClr val="000000"/>
+                      </a:solidFill>
+                      <a:prstDash val="solid"/>
+                      <a:round/>
+                      <a:headEnd type="none" w="med" len="med"/>
+                      <a:tailEnd type="none" w="med" len="med"/>
+                    </a:lnR>
+                    <a:lnT w="12700" cap="flat" cmpd="sng" algn="ctr">
+                      <a:solidFill>
+                        <a:srgbClr val="000000"/>
+                      </a:solidFill>
+                      <a:prstDash val="solid"/>
+                      <a:round/>
+                      <a:headEnd type="none" w="med" len="med"/>
+                      <a:tailEnd type="none" w="med" len="med"/>
+                    </a:lnT>
+                    <a:lnB w="12700" cap="flat" cmpd="sng" algn="ctr">
+                      <a:solidFill>
+                        <a:srgbClr val="000000"/>
+                      </a:solidFill>
+                      <a:prstDash val="solid"/>
+                      <a:round/>
+                      <a:headEnd type="none" w="med" len="med"/>
+                      <a:tailEnd type="none" w="med" len="med"/>
+                    </a:lnB>
+                  </a:tcPr>
+                </a:tc>
+                <a:tc>
+                  <a:txBody>
+                    <a:bodyPr/>
+                    <a:lstStyle/>
+                    <a:p>
+                      <a:pPr>
+                        <a:lnSpc>
+                          <a:spcPct val="107000"/>
+                        </a:lnSpc>
+                        <a:spcAft>
+                          <a:spcPts val="800"/>
+                        </a:spcAft>
+                      </a:pPr>
+                      <a:r>
+                        <a:rPr lang="it-IT" sz="1300">
+                          <a:effectLst/>
+                          <a:latin typeface="Calibri" panose="020F0502020204030204" pitchFamily="34" charset="0"/>
+                          <a:ea typeface="Calibri" panose="020F0502020204030204" pitchFamily="34" charset="0"/>
+                          <a:cs typeface="Times New Roman" panose="02020603050405020304" pitchFamily="18" charset="0"/>
+                        </a:rPr>
+                        <a:t>0</a:t>
+                      </a:r>
+                    </a:p>
+                  </a:txBody>
+                  <a:tcPr marL="84649" marR="84649" marT="0" marB="0">
+                    <a:lnL w="12700" cap="flat" cmpd="sng" algn="ctr">
+                      <a:solidFill>
+                        <a:srgbClr val="000000"/>
+                      </a:solidFill>
+                      <a:prstDash val="solid"/>
+                      <a:round/>
+                      <a:headEnd type="none" w="med" len="med"/>
+                      <a:tailEnd type="none" w="med" len="med"/>
+                    </a:lnL>
+                    <a:lnR w="12700" cap="flat" cmpd="sng" algn="ctr">
+                      <a:solidFill>
+                        <a:srgbClr val="000000"/>
+                      </a:solidFill>
+                      <a:prstDash val="solid"/>
+                      <a:round/>
+                      <a:headEnd type="none" w="med" len="med"/>
+                      <a:tailEnd type="none" w="med" len="med"/>
+                    </a:lnR>
+                    <a:lnT w="12700" cap="flat" cmpd="sng" algn="ctr">
+                      <a:solidFill>
+                        <a:srgbClr val="000000"/>
+                      </a:solidFill>
+                      <a:prstDash val="solid"/>
+                      <a:round/>
+                      <a:headEnd type="none" w="med" len="med"/>
+                      <a:tailEnd type="none" w="med" len="med"/>
+                    </a:lnT>
+                    <a:lnB w="12700" cap="flat" cmpd="sng" algn="ctr">
+                      <a:solidFill>
+                        <a:srgbClr val="000000"/>
+                      </a:solidFill>
+                      <a:prstDash val="solid"/>
+                      <a:round/>
+                      <a:headEnd type="none" w="med" len="med"/>
+                      <a:tailEnd type="none" w="med" len="med"/>
+                    </a:lnB>
+                  </a:tcPr>
+                </a:tc>
+                <a:tc>
+                  <a:txBody>
+                    <a:bodyPr/>
+                    <a:lstStyle/>
+                    <a:p>
+                      <a:pPr>
+                        <a:lnSpc>
+                          <a:spcPct val="107000"/>
+                        </a:lnSpc>
+                        <a:spcAft>
+                          <a:spcPts val="800"/>
+                        </a:spcAft>
+                      </a:pPr>
+                      <a:r>
+                        <a:rPr lang="it-IT" sz="1300">
+                          <a:effectLst/>
+                          <a:latin typeface="Calibri" panose="020F0502020204030204" pitchFamily="34" charset="0"/>
+                          <a:ea typeface="Calibri" panose="020F0502020204030204" pitchFamily="34" charset="0"/>
+                          <a:cs typeface="Times New Roman" panose="02020603050405020304" pitchFamily="18" charset="0"/>
+                        </a:rPr>
+                        <a:t>0</a:t>
+                      </a:r>
+                    </a:p>
+                  </a:txBody>
+                  <a:tcPr marL="84649" marR="84649" marT="0" marB="0">
+                    <a:lnL w="12700" cap="flat" cmpd="sng" algn="ctr">
+                      <a:solidFill>
+                        <a:srgbClr val="000000"/>
+                      </a:solidFill>
+                      <a:prstDash val="solid"/>
+                      <a:round/>
+                      <a:headEnd type="none" w="med" len="med"/>
+                      <a:tailEnd type="none" w="med" len="med"/>
+                    </a:lnL>
+                    <a:lnR w="12700" cap="flat" cmpd="sng" algn="ctr">
+                      <a:solidFill>
+                        <a:srgbClr val="000000"/>
+                      </a:solidFill>
+                      <a:prstDash val="solid"/>
+                      <a:round/>
+                      <a:headEnd type="none" w="med" len="med"/>
+                      <a:tailEnd type="none" w="med" len="med"/>
+                    </a:lnR>
+                    <a:lnT w="12700" cap="flat" cmpd="sng" algn="ctr">
+                      <a:solidFill>
+                        <a:srgbClr val="000000"/>
+                      </a:solidFill>
+                      <a:prstDash val="solid"/>
+                      <a:round/>
+                      <a:headEnd type="none" w="med" len="med"/>
+                      <a:tailEnd type="none" w="med" len="med"/>
+                    </a:lnT>
+                    <a:lnB w="12700" cap="flat" cmpd="sng" algn="ctr">
+                      <a:solidFill>
+                        <a:srgbClr val="000000"/>
+                      </a:solidFill>
+                      <a:prstDash val="solid"/>
+                      <a:round/>
+                      <a:headEnd type="none" w="med" len="med"/>
+                      <a:tailEnd type="none" w="med" len="med"/>
+                    </a:lnB>
+                  </a:tcPr>
+                </a:tc>
+                <a:tc>
+                  <a:txBody>
+                    <a:bodyPr/>
+                    <a:lstStyle/>
+                    <a:p>
+                      <a:pPr>
+                        <a:lnSpc>
+                          <a:spcPct val="107000"/>
+                        </a:lnSpc>
+                        <a:spcAft>
+                          <a:spcPts val="800"/>
+                        </a:spcAft>
+                      </a:pPr>
+                      <a:r>
+                        <a:rPr lang="it-IT" sz="1300">
+                          <a:effectLst/>
+                          <a:latin typeface="Calibri" panose="020F0502020204030204" pitchFamily="34" charset="0"/>
+                          <a:ea typeface="Calibri" panose="020F0502020204030204" pitchFamily="34" charset="0"/>
+                          <a:cs typeface="Times New Roman" panose="02020603050405020304" pitchFamily="18" charset="0"/>
+                        </a:rPr>
+                        <a:t>0</a:t>
+                      </a:r>
+                    </a:p>
+                  </a:txBody>
+                  <a:tcPr marL="84649" marR="84649" marT="0" marB="0">
+                    <a:lnL w="12700" cap="flat" cmpd="sng" algn="ctr">
+                      <a:solidFill>
+                        <a:srgbClr val="000000"/>
+                      </a:solidFill>
+                      <a:prstDash val="solid"/>
+                      <a:round/>
+                      <a:headEnd type="none" w="med" len="med"/>
+                      <a:tailEnd type="none" w="med" len="med"/>
+                    </a:lnL>
+                    <a:lnR w="12700" cap="flat" cmpd="sng" algn="ctr">
+                      <a:solidFill>
+                        <a:srgbClr val="000000"/>
+                      </a:solidFill>
+                      <a:prstDash val="solid"/>
+                      <a:round/>
+                      <a:headEnd type="none" w="med" len="med"/>
+                      <a:tailEnd type="none" w="med" len="med"/>
+                    </a:lnR>
+                    <a:lnT w="12700" cap="flat" cmpd="sng" algn="ctr">
+                      <a:solidFill>
+                        <a:srgbClr val="000000"/>
+                      </a:solidFill>
+                      <a:prstDash val="solid"/>
+                      <a:round/>
+                      <a:headEnd type="none" w="med" len="med"/>
+                      <a:tailEnd type="none" w="med" len="med"/>
+                    </a:lnT>
+                    <a:lnB w="12700" cap="flat" cmpd="sng" algn="ctr">
+                      <a:solidFill>
+                        <a:srgbClr val="000000"/>
+                      </a:solidFill>
+                      <a:prstDash val="solid"/>
+                      <a:round/>
+                      <a:headEnd type="none" w="med" len="med"/>
+                      <a:tailEnd type="none" w="med" len="med"/>
+                    </a:lnB>
+                  </a:tcPr>
+                </a:tc>
+                <a:tc>
+                  <a:txBody>
+                    <a:bodyPr/>
+                    <a:lstStyle/>
+                    <a:p>
+                      <a:pPr>
+                        <a:lnSpc>
+                          <a:spcPct val="107000"/>
+                        </a:lnSpc>
+                        <a:spcAft>
+                          <a:spcPts val="800"/>
+                        </a:spcAft>
+                      </a:pPr>
+                      <a:r>
+                        <a:rPr lang="it-IT" sz="1300">
+                          <a:effectLst/>
+                          <a:latin typeface="Calibri" panose="020F0502020204030204" pitchFamily="34" charset="0"/>
+                          <a:ea typeface="Calibri" panose="020F0502020204030204" pitchFamily="34" charset="0"/>
+                          <a:cs typeface="Times New Roman" panose="02020603050405020304" pitchFamily="18" charset="0"/>
+                        </a:rPr>
+                        <a:t>0</a:t>
+                      </a:r>
+                    </a:p>
+                  </a:txBody>
+                  <a:tcPr marL="84649" marR="84649" marT="0" marB="0">
+                    <a:lnL w="12700" cap="flat" cmpd="sng" algn="ctr">
+                      <a:solidFill>
+                        <a:srgbClr val="000000"/>
+                      </a:solidFill>
+                      <a:prstDash val="solid"/>
+                      <a:round/>
+                      <a:headEnd type="none" w="med" len="med"/>
+                      <a:tailEnd type="none" w="med" len="med"/>
+                    </a:lnL>
+                    <a:lnR w="12700" cap="flat" cmpd="sng" algn="ctr">
+                      <a:solidFill>
+                        <a:srgbClr val="000000"/>
+                      </a:solidFill>
+                      <a:prstDash val="solid"/>
+                      <a:round/>
+                      <a:headEnd type="none" w="med" len="med"/>
+                      <a:tailEnd type="none" w="med" len="med"/>
+                    </a:lnR>
+                    <a:lnT w="12700" cap="flat" cmpd="sng" algn="ctr">
+                      <a:solidFill>
+                        <a:srgbClr val="000000"/>
+                      </a:solidFill>
+                      <a:prstDash val="solid"/>
+                      <a:round/>
+                      <a:headEnd type="none" w="med" len="med"/>
+                      <a:tailEnd type="none" w="med" len="med"/>
+                    </a:lnT>
+                    <a:lnB w="12700" cap="flat" cmpd="sng" algn="ctr">
+                      <a:solidFill>
+                        <a:srgbClr val="000000"/>
+                      </a:solidFill>
+                      <a:prstDash val="solid"/>
+                      <a:round/>
+                      <a:headEnd type="none" w="med" len="med"/>
+                      <a:tailEnd type="none" w="med" len="med"/>
+                    </a:lnB>
+                  </a:tcPr>
+                </a:tc>
+                <a:tc>
+                  <a:txBody>
+                    <a:bodyPr/>
+                    <a:lstStyle/>
+                    <a:p>
+                      <a:pPr>
+                        <a:lnSpc>
+                          <a:spcPct val="107000"/>
+                        </a:lnSpc>
+                        <a:spcAft>
+                          <a:spcPts val="800"/>
+                        </a:spcAft>
+                      </a:pPr>
+                      <a:r>
+                        <a:rPr lang="it-IT" sz="1300">
+                          <a:effectLst/>
+                          <a:latin typeface="Calibri" panose="020F0502020204030204" pitchFamily="34" charset="0"/>
+                          <a:ea typeface="Calibri" panose="020F0502020204030204" pitchFamily="34" charset="0"/>
+                          <a:cs typeface="Times New Roman" panose="02020603050405020304" pitchFamily="18" charset="0"/>
+                        </a:rPr>
+                        <a:t>1</a:t>
+                      </a:r>
+                    </a:p>
+                  </a:txBody>
+                  <a:tcPr marL="84649" marR="84649" marT="0" marB="0">
+                    <a:lnL w="12700" cap="flat" cmpd="sng" algn="ctr">
+                      <a:solidFill>
+                        <a:srgbClr val="000000"/>
+                      </a:solidFill>
+                      <a:prstDash val="solid"/>
+                      <a:round/>
+                      <a:headEnd type="none" w="med" len="med"/>
+                      <a:tailEnd type="none" w="med" len="med"/>
+                    </a:lnL>
+                    <a:lnR w="12700" cap="flat" cmpd="sng" algn="ctr">
+                      <a:solidFill>
+                        <a:srgbClr val="000000"/>
+                      </a:solidFill>
+                      <a:prstDash val="solid"/>
+                      <a:round/>
+                      <a:headEnd type="none" w="med" len="med"/>
+                      <a:tailEnd type="none" w="med" len="med"/>
+                    </a:lnR>
+                    <a:lnT w="12700" cap="flat" cmpd="sng" algn="ctr">
+                      <a:solidFill>
+                        <a:srgbClr val="000000"/>
+                      </a:solidFill>
+                      <a:prstDash val="solid"/>
+                      <a:round/>
+                      <a:headEnd type="none" w="med" len="med"/>
+                      <a:tailEnd type="none" w="med" len="med"/>
+                    </a:lnT>
+                    <a:lnB w="12700" cap="flat" cmpd="sng" algn="ctr">
+                      <a:solidFill>
+                        <a:srgbClr val="000000"/>
+                      </a:solidFill>
+                      <a:prstDash val="solid"/>
+                      <a:round/>
+                      <a:headEnd type="none" w="med" len="med"/>
+                      <a:tailEnd type="none" w="med" len="med"/>
+                    </a:lnB>
+                  </a:tcPr>
+                </a:tc>
+                <a:tc>
+                  <a:txBody>
+                    <a:bodyPr/>
+                    <a:lstStyle/>
+                    <a:p>
+                      <a:pPr>
+                        <a:lnSpc>
+                          <a:spcPct val="107000"/>
+                        </a:lnSpc>
+                        <a:spcAft>
+                          <a:spcPts val="800"/>
+                        </a:spcAft>
+                      </a:pPr>
+                      <a:r>
+                        <a:rPr lang="it-IT" sz="1300">
+                          <a:effectLst/>
+                          <a:latin typeface="Calibri" panose="020F0502020204030204" pitchFamily="34" charset="0"/>
+                          <a:ea typeface="Calibri" panose="020F0502020204030204" pitchFamily="34" charset="0"/>
+                          <a:cs typeface="Times New Roman" panose="02020603050405020304" pitchFamily="18" charset="0"/>
+                        </a:rPr>
+                        <a:t>1</a:t>
+                      </a:r>
+                    </a:p>
+                  </a:txBody>
+                  <a:tcPr marL="84649" marR="84649" marT="0" marB="0">
+                    <a:lnL w="12700" cap="flat" cmpd="sng" algn="ctr">
+                      <a:solidFill>
+                        <a:srgbClr val="000000"/>
+                      </a:solidFill>
+                      <a:prstDash val="solid"/>
+                      <a:round/>
+                      <a:headEnd type="none" w="med" len="med"/>
+                      <a:tailEnd type="none" w="med" len="med"/>
+                    </a:lnL>
+                    <a:lnR w="12700" cap="flat" cmpd="sng" algn="ctr">
+                      <a:solidFill>
+                        <a:srgbClr val="000000"/>
+                      </a:solidFill>
+                      <a:prstDash val="solid"/>
+                      <a:round/>
+                      <a:headEnd type="none" w="med" len="med"/>
+                      <a:tailEnd type="none" w="med" len="med"/>
+                    </a:lnR>
+                    <a:lnT w="12700" cap="flat" cmpd="sng" algn="ctr">
+                      <a:solidFill>
+                        <a:srgbClr val="000000"/>
+                      </a:solidFill>
+                      <a:prstDash val="solid"/>
+                      <a:round/>
+                      <a:headEnd type="none" w="med" len="med"/>
+                      <a:tailEnd type="none" w="med" len="med"/>
+                    </a:lnT>
+                    <a:lnB w="12700" cap="flat" cmpd="sng" algn="ctr">
+                      <a:solidFill>
+                        <a:srgbClr val="000000"/>
+                      </a:solidFill>
+                      <a:prstDash val="solid"/>
+                      <a:round/>
+                      <a:headEnd type="none" w="med" len="med"/>
+                      <a:tailEnd type="none" w="med" len="med"/>
+                    </a:lnB>
+                  </a:tcPr>
+                </a:tc>
+                <a:tc>
+                  <a:txBody>
+                    <a:bodyPr/>
+                    <a:lstStyle/>
+                    <a:p>
+                      <a:pPr>
+                        <a:lnSpc>
+                          <a:spcPct val="107000"/>
+                        </a:lnSpc>
+                        <a:spcAft>
+                          <a:spcPts val="800"/>
+                        </a:spcAft>
+                      </a:pPr>
+                      <a:r>
+                        <a:rPr lang="it-IT" sz="1300">
+                          <a:effectLst/>
+                          <a:latin typeface="Calibri" panose="020F0502020204030204" pitchFamily="34" charset="0"/>
+                          <a:ea typeface="Calibri" panose="020F0502020204030204" pitchFamily="34" charset="0"/>
+                          <a:cs typeface="Times New Roman" panose="02020603050405020304" pitchFamily="18" charset="0"/>
+                        </a:rPr>
+                        <a:t>0</a:t>
+                      </a:r>
+                    </a:p>
+                  </a:txBody>
+                  <a:tcPr marL="84649" marR="84649" marT="0" marB="0">
+                    <a:lnL w="12700" cap="flat" cmpd="sng" algn="ctr">
+                      <a:solidFill>
+                        <a:srgbClr val="000000"/>
+                      </a:solidFill>
+                      <a:prstDash val="solid"/>
+                      <a:round/>
+                      <a:headEnd type="none" w="med" len="med"/>
+                      <a:tailEnd type="none" w="med" len="med"/>
+                    </a:lnL>
+                    <a:lnR w="12700" cap="flat" cmpd="sng" algn="ctr">
+                      <a:solidFill>
+                        <a:srgbClr val="000000"/>
+                      </a:solidFill>
+                      <a:prstDash val="solid"/>
+                      <a:round/>
+                      <a:headEnd type="none" w="med" len="med"/>
+                      <a:tailEnd type="none" w="med" len="med"/>
+                    </a:lnR>
+                    <a:lnT w="12700" cap="flat" cmpd="sng" algn="ctr">
+                      <a:solidFill>
+                        <a:srgbClr val="000000"/>
+                      </a:solidFill>
+                      <a:prstDash val="solid"/>
+                      <a:round/>
+                      <a:headEnd type="none" w="med" len="med"/>
+                      <a:tailEnd type="none" w="med" len="med"/>
+                    </a:lnT>
+                    <a:lnB w="12700" cap="flat" cmpd="sng" algn="ctr">
+                      <a:solidFill>
+                        <a:srgbClr val="000000"/>
+                      </a:solidFill>
+                      <a:prstDash val="solid"/>
+                      <a:round/>
+                      <a:headEnd type="none" w="med" len="med"/>
+                      <a:tailEnd type="none" w="med" len="med"/>
+                    </a:lnB>
+                  </a:tcPr>
+                </a:tc>
+                <a:extLst>
+                  <a:ext uri="{0D108BD9-81ED-4DB2-BD59-A6C34878D82A}">
+                    <a16:rowId xmlns:a16="http://schemas.microsoft.com/office/drawing/2014/main" val="856046715"/>
+                  </a:ext>
+                </a:extLst>
+              </a:tr>
+              <a:tr h="211623">
+                <a:tc>
+                  <a:txBody>
+                    <a:bodyPr/>
+                    <a:lstStyle/>
+                    <a:p>
+                      <a:pPr>
+                        <a:lnSpc>
+                          <a:spcPct val="107000"/>
+                        </a:lnSpc>
+                        <a:spcAft>
+                          <a:spcPts val="800"/>
+                        </a:spcAft>
+                      </a:pPr>
+                      <a:r>
+                        <a:rPr lang="it-IT" sz="1300">
+                          <a:effectLst/>
+                          <a:latin typeface="Calibri" panose="020F0502020204030204" pitchFamily="34" charset="0"/>
+                          <a:ea typeface="Calibri" panose="020F0502020204030204" pitchFamily="34" charset="0"/>
+                          <a:cs typeface="Times New Roman" panose="02020603050405020304" pitchFamily="18" charset="0"/>
+                        </a:rPr>
+                        <a:t>1</a:t>
+                      </a:r>
+                    </a:p>
+                  </a:txBody>
+                  <a:tcPr marL="84649" marR="84649" marT="0" marB="0">
+                    <a:lnL w="12700" cap="flat" cmpd="sng" algn="ctr">
+                      <a:solidFill>
+                        <a:srgbClr val="000000"/>
+                      </a:solidFill>
+                      <a:prstDash val="solid"/>
+                      <a:round/>
+                      <a:headEnd type="none" w="med" len="med"/>
+                      <a:tailEnd type="none" w="med" len="med"/>
+                    </a:lnL>
+                    <a:lnR w="12700" cap="flat" cmpd="sng" algn="ctr">
+                      <a:solidFill>
+                        <a:srgbClr val="000000"/>
+                      </a:solidFill>
+                      <a:prstDash val="solid"/>
+                      <a:round/>
+                      <a:headEnd type="none" w="med" len="med"/>
+                      <a:tailEnd type="none" w="med" len="med"/>
+                    </a:lnR>
+                    <a:lnT w="12700" cap="flat" cmpd="sng" algn="ctr">
+                      <a:solidFill>
+                        <a:srgbClr val="000000"/>
+                      </a:solidFill>
+                      <a:prstDash val="solid"/>
+                      <a:round/>
+                      <a:headEnd type="none" w="med" len="med"/>
+                      <a:tailEnd type="none" w="med" len="med"/>
+                    </a:lnT>
+                    <a:lnB w="12700" cap="flat" cmpd="sng" algn="ctr">
+                      <a:solidFill>
+                        <a:srgbClr val="000000"/>
+                      </a:solidFill>
+                      <a:prstDash val="solid"/>
+                      <a:round/>
+                      <a:headEnd type="none" w="med" len="med"/>
+                      <a:tailEnd type="none" w="med" len="med"/>
+                    </a:lnB>
+                  </a:tcPr>
+                </a:tc>
+                <a:tc>
+                  <a:txBody>
+                    <a:bodyPr/>
+                    <a:lstStyle/>
+                    <a:p>
+                      <a:pPr>
+                        <a:lnSpc>
+                          <a:spcPct val="107000"/>
+                        </a:lnSpc>
+                        <a:spcAft>
+                          <a:spcPts val="800"/>
+                        </a:spcAft>
+                      </a:pPr>
+                      <a:r>
+                        <a:rPr lang="it-IT" sz="1300">
+                          <a:effectLst/>
+                          <a:latin typeface="Calibri" panose="020F0502020204030204" pitchFamily="34" charset="0"/>
+                          <a:ea typeface="Calibri" panose="020F0502020204030204" pitchFamily="34" charset="0"/>
+                          <a:cs typeface="Times New Roman" panose="02020603050405020304" pitchFamily="18" charset="0"/>
+                        </a:rPr>
+                        <a:t>1</a:t>
+                      </a:r>
+                    </a:p>
+                  </a:txBody>
+                  <a:tcPr marL="84649" marR="84649" marT="0" marB="0">
+                    <a:lnL w="12700" cap="flat" cmpd="sng" algn="ctr">
+                      <a:solidFill>
+                        <a:srgbClr val="000000"/>
+                      </a:solidFill>
+                      <a:prstDash val="solid"/>
+                      <a:round/>
+                      <a:headEnd type="none" w="med" len="med"/>
+                      <a:tailEnd type="none" w="med" len="med"/>
+                    </a:lnL>
+                    <a:lnR w="12700" cap="flat" cmpd="sng" algn="ctr">
+                      <a:solidFill>
+                        <a:srgbClr val="000000"/>
+                      </a:solidFill>
+                      <a:prstDash val="solid"/>
+                      <a:round/>
+                      <a:headEnd type="none" w="med" len="med"/>
+                      <a:tailEnd type="none" w="med" len="med"/>
+                    </a:lnR>
+                    <a:lnT w="12700" cap="flat" cmpd="sng" algn="ctr">
+                      <a:solidFill>
+                        <a:srgbClr val="000000"/>
+                      </a:solidFill>
+                      <a:prstDash val="solid"/>
+                      <a:round/>
+                      <a:headEnd type="none" w="med" len="med"/>
+                      <a:tailEnd type="none" w="med" len="med"/>
+                    </a:lnT>
+                    <a:lnB w="12700" cap="flat" cmpd="sng" algn="ctr">
+                      <a:solidFill>
+                        <a:srgbClr val="000000"/>
+                      </a:solidFill>
+                      <a:prstDash val="solid"/>
+                      <a:round/>
+                      <a:headEnd type="none" w="med" len="med"/>
+                      <a:tailEnd type="none" w="med" len="med"/>
+                    </a:lnB>
+                  </a:tcPr>
+                </a:tc>
+                <a:tc>
+                  <a:txBody>
+                    <a:bodyPr/>
+                    <a:lstStyle/>
+                    <a:p>
+                      <a:pPr>
+                        <a:lnSpc>
+                          <a:spcPct val="107000"/>
+                        </a:lnSpc>
+                        <a:spcAft>
+                          <a:spcPts val="800"/>
+                        </a:spcAft>
+                      </a:pPr>
+                      <a:r>
+                        <a:rPr lang="it-IT" sz="1300">
+                          <a:effectLst/>
+                          <a:latin typeface="Calibri" panose="020F0502020204030204" pitchFamily="34" charset="0"/>
+                          <a:ea typeface="Calibri" panose="020F0502020204030204" pitchFamily="34" charset="0"/>
+                          <a:cs typeface="Times New Roman" panose="02020603050405020304" pitchFamily="18" charset="0"/>
+                        </a:rPr>
+                        <a:t>0</a:t>
+                      </a:r>
+                    </a:p>
+                  </a:txBody>
+                  <a:tcPr marL="84649" marR="84649" marT="0" marB="0">
+                    <a:lnL w="12700" cap="flat" cmpd="sng" algn="ctr">
+                      <a:solidFill>
+                        <a:srgbClr val="000000"/>
+                      </a:solidFill>
+                      <a:prstDash val="solid"/>
+                      <a:round/>
+                      <a:headEnd type="none" w="med" len="med"/>
+                      <a:tailEnd type="none" w="med" len="med"/>
+                    </a:lnL>
+                    <a:lnR w="12700" cap="flat" cmpd="sng" algn="ctr">
+                      <a:solidFill>
+                        <a:srgbClr val="000000"/>
+                      </a:solidFill>
+                      <a:prstDash val="solid"/>
+                      <a:round/>
+                      <a:headEnd type="none" w="med" len="med"/>
+                      <a:tailEnd type="none" w="med" len="med"/>
+                    </a:lnR>
+                    <a:lnT w="12700" cap="flat" cmpd="sng" algn="ctr">
+                      <a:solidFill>
+                        <a:srgbClr val="000000"/>
+                      </a:solidFill>
+                      <a:prstDash val="solid"/>
+                      <a:round/>
+                      <a:headEnd type="none" w="med" len="med"/>
+                      <a:tailEnd type="none" w="med" len="med"/>
+                    </a:lnT>
+                    <a:lnB w="12700" cap="flat" cmpd="sng" algn="ctr">
+                      <a:solidFill>
+                        <a:srgbClr val="000000"/>
+                      </a:solidFill>
+                      <a:prstDash val="solid"/>
+                      <a:round/>
+                      <a:headEnd type="none" w="med" len="med"/>
+                      <a:tailEnd type="none" w="med" len="med"/>
+                    </a:lnB>
+                  </a:tcPr>
+                </a:tc>
+                <a:tc>
+                  <a:txBody>
+                    <a:bodyPr/>
+                    <a:lstStyle/>
+                    <a:p>
+                      <a:pPr>
+                        <a:lnSpc>
+                          <a:spcPct val="107000"/>
+                        </a:lnSpc>
+                        <a:spcAft>
+                          <a:spcPts val="800"/>
+                        </a:spcAft>
+                      </a:pPr>
+                      <a:r>
+                        <a:rPr lang="it-IT" sz="1300">
+                          <a:effectLst/>
+                          <a:latin typeface="Calibri" panose="020F0502020204030204" pitchFamily="34" charset="0"/>
+                          <a:ea typeface="Calibri" panose="020F0502020204030204" pitchFamily="34" charset="0"/>
+                          <a:cs typeface="Times New Roman" panose="02020603050405020304" pitchFamily="18" charset="0"/>
+                        </a:rPr>
+                        <a:t>1</a:t>
+                      </a:r>
+                    </a:p>
+                  </a:txBody>
+                  <a:tcPr marL="84649" marR="84649" marT="0" marB="0">
+                    <a:lnL w="12700" cap="flat" cmpd="sng" algn="ctr">
+                      <a:solidFill>
+                        <a:srgbClr val="000000"/>
+                      </a:solidFill>
+                      <a:prstDash val="solid"/>
+                      <a:round/>
+                      <a:headEnd type="none" w="med" len="med"/>
+                      <a:tailEnd type="none" w="med" len="med"/>
+                    </a:lnL>
+                    <a:lnR w="12700" cap="flat" cmpd="sng" algn="ctr">
+                      <a:solidFill>
+                        <a:srgbClr val="000000"/>
+                      </a:solidFill>
+                      <a:prstDash val="solid"/>
+                      <a:round/>
+                      <a:headEnd type="none" w="med" len="med"/>
+                      <a:tailEnd type="none" w="med" len="med"/>
+                    </a:lnR>
+                    <a:lnT w="12700" cap="flat" cmpd="sng" algn="ctr">
+                      <a:solidFill>
+                        <a:srgbClr val="000000"/>
+                      </a:solidFill>
+                      <a:prstDash val="solid"/>
+                      <a:round/>
+                      <a:headEnd type="none" w="med" len="med"/>
+                      <a:tailEnd type="none" w="med" len="med"/>
+                    </a:lnT>
+                    <a:lnB w="12700" cap="flat" cmpd="sng" algn="ctr">
+                      <a:solidFill>
+                        <a:srgbClr val="000000"/>
+                      </a:solidFill>
+                      <a:prstDash val="solid"/>
+                      <a:round/>
+                      <a:headEnd type="none" w="med" len="med"/>
+                      <a:tailEnd type="none" w="med" len="med"/>
+                    </a:lnB>
+                  </a:tcPr>
+                </a:tc>
+                <a:tc>
+                  <a:txBody>
+                    <a:bodyPr/>
+                    <a:lstStyle/>
+                    <a:p>
+                      <a:pPr>
+                        <a:lnSpc>
+                          <a:spcPct val="107000"/>
+                        </a:lnSpc>
+                        <a:spcAft>
+                          <a:spcPts val="800"/>
+                        </a:spcAft>
+                      </a:pPr>
+                      <a:r>
+                        <a:rPr lang="it-IT" sz="1300">
+                          <a:effectLst/>
+                          <a:latin typeface="Calibri" panose="020F0502020204030204" pitchFamily="34" charset="0"/>
+                          <a:ea typeface="Calibri" panose="020F0502020204030204" pitchFamily="34" charset="0"/>
+                          <a:cs typeface="Times New Roman" panose="02020603050405020304" pitchFamily="18" charset="0"/>
+                        </a:rPr>
+                        <a:t>0</a:t>
+                      </a:r>
+                    </a:p>
+                  </a:txBody>
+                  <a:tcPr marL="84649" marR="84649" marT="0" marB="0">
+                    <a:lnL w="12700" cap="flat" cmpd="sng" algn="ctr">
+                      <a:solidFill>
+                        <a:srgbClr val="000000"/>
+                      </a:solidFill>
+                      <a:prstDash val="solid"/>
+                      <a:round/>
+                      <a:headEnd type="none" w="med" len="med"/>
+                      <a:tailEnd type="none" w="med" len="med"/>
+                    </a:lnL>
+                    <a:lnR w="12700" cap="flat" cmpd="sng" algn="ctr">
+                      <a:solidFill>
+                        <a:srgbClr val="000000"/>
+                      </a:solidFill>
+                      <a:prstDash val="solid"/>
+                      <a:round/>
+                      <a:headEnd type="none" w="med" len="med"/>
+                      <a:tailEnd type="none" w="med" len="med"/>
+                    </a:lnR>
+                    <a:lnT w="12700" cap="flat" cmpd="sng" algn="ctr">
+                      <a:solidFill>
+                        <a:srgbClr val="000000"/>
+                      </a:solidFill>
+                      <a:prstDash val="solid"/>
+                      <a:round/>
+                      <a:headEnd type="none" w="med" len="med"/>
+                      <a:tailEnd type="none" w="med" len="med"/>
+                    </a:lnT>
+                    <a:lnB w="12700" cap="flat" cmpd="sng" algn="ctr">
+                      <a:solidFill>
+                        <a:srgbClr val="000000"/>
+                      </a:solidFill>
+                      <a:prstDash val="solid"/>
+                      <a:round/>
+                      <a:headEnd type="none" w="med" len="med"/>
+                      <a:tailEnd type="none" w="med" len="med"/>
+                    </a:lnB>
+                  </a:tcPr>
+                </a:tc>
+                <a:tc>
+                  <a:txBody>
+                    <a:bodyPr/>
+                    <a:lstStyle/>
+                    <a:p>
+                      <a:pPr>
+                        <a:lnSpc>
+                          <a:spcPct val="107000"/>
+                        </a:lnSpc>
+                        <a:spcAft>
+                          <a:spcPts val="800"/>
+                        </a:spcAft>
+                      </a:pPr>
+                      <a:r>
+                        <a:rPr lang="it-IT" sz="1300">
+                          <a:effectLst/>
+                          <a:latin typeface="Calibri" panose="020F0502020204030204" pitchFamily="34" charset="0"/>
+                          <a:ea typeface="Calibri" panose="020F0502020204030204" pitchFamily="34" charset="0"/>
+                          <a:cs typeface="Times New Roman" panose="02020603050405020304" pitchFamily="18" charset="0"/>
+                        </a:rPr>
+                        <a:t>0</a:t>
+                      </a:r>
+                    </a:p>
+                  </a:txBody>
+                  <a:tcPr marL="84649" marR="84649" marT="0" marB="0">
+                    <a:lnL w="12700" cap="flat" cmpd="sng" algn="ctr">
+                      <a:solidFill>
+                        <a:srgbClr val="000000"/>
+                      </a:solidFill>
+                      <a:prstDash val="solid"/>
+                      <a:round/>
+                      <a:headEnd type="none" w="med" len="med"/>
+                      <a:tailEnd type="none" w="med" len="med"/>
+                    </a:lnL>
+                    <a:lnR w="12700" cap="flat" cmpd="sng" algn="ctr">
+                      <a:solidFill>
+                        <a:srgbClr val="000000"/>
+                      </a:solidFill>
+                      <a:prstDash val="solid"/>
+                      <a:round/>
+                      <a:headEnd type="none" w="med" len="med"/>
+                      <a:tailEnd type="none" w="med" len="med"/>
+                    </a:lnR>
+                    <a:lnT w="12700" cap="flat" cmpd="sng" algn="ctr">
+                      <a:solidFill>
+                        <a:srgbClr val="000000"/>
+                      </a:solidFill>
+                      <a:prstDash val="solid"/>
+                      <a:round/>
+                      <a:headEnd type="none" w="med" len="med"/>
+                      <a:tailEnd type="none" w="med" len="med"/>
+                    </a:lnT>
+                    <a:lnB w="12700" cap="flat" cmpd="sng" algn="ctr">
+                      <a:solidFill>
+                        <a:srgbClr val="000000"/>
+                      </a:solidFill>
+                      <a:prstDash val="solid"/>
+                      <a:round/>
+                      <a:headEnd type="none" w="med" len="med"/>
+                      <a:tailEnd type="none" w="med" len="med"/>
+                    </a:lnB>
+                  </a:tcPr>
+                </a:tc>
+                <a:tc>
+                  <a:txBody>
+                    <a:bodyPr/>
+                    <a:lstStyle/>
+                    <a:p>
+                      <a:pPr>
+                        <a:lnSpc>
+                          <a:spcPct val="107000"/>
+                        </a:lnSpc>
+                        <a:spcAft>
+                          <a:spcPts val="800"/>
+                        </a:spcAft>
+                      </a:pPr>
+                      <a:r>
+                        <a:rPr lang="it-IT" sz="1300">
+                          <a:effectLst/>
+                          <a:latin typeface="Calibri" panose="020F0502020204030204" pitchFamily="34" charset="0"/>
+                          <a:ea typeface="Calibri" panose="020F0502020204030204" pitchFamily="34" charset="0"/>
+                          <a:cs typeface="Times New Roman" panose="02020603050405020304" pitchFamily="18" charset="0"/>
+                        </a:rPr>
+                        <a:t>0</a:t>
+                      </a:r>
+                    </a:p>
+                  </a:txBody>
+                  <a:tcPr marL="84649" marR="84649" marT="0" marB="0">
+                    <a:lnL w="12700" cap="flat" cmpd="sng" algn="ctr">
+                      <a:solidFill>
+                        <a:srgbClr val="000000"/>
+                      </a:solidFill>
+                      <a:prstDash val="solid"/>
+                      <a:round/>
+                      <a:headEnd type="none" w="med" len="med"/>
+                      <a:tailEnd type="none" w="med" len="med"/>
+                    </a:lnL>
+                    <a:lnR w="12700" cap="flat" cmpd="sng" algn="ctr">
+                      <a:solidFill>
+                        <a:srgbClr val="000000"/>
+                      </a:solidFill>
+                      <a:prstDash val="solid"/>
+                      <a:round/>
+                      <a:headEnd type="none" w="med" len="med"/>
+                      <a:tailEnd type="none" w="med" len="med"/>
+                    </a:lnR>
+                    <a:lnT w="12700" cap="flat" cmpd="sng" algn="ctr">
+                      <a:solidFill>
+                        <a:srgbClr val="000000"/>
+                      </a:solidFill>
+                      <a:prstDash val="solid"/>
+                      <a:round/>
+                      <a:headEnd type="none" w="med" len="med"/>
+                      <a:tailEnd type="none" w="med" len="med"/>
+                    </a:lnT>
+                    <a:lnB w="12700" cap="flat" cmpd="sng" algn="ctr">
+                      <a:solidFill>
+                        <a:srgbClr val="000000"/>
+                      </a:solidFill>
+                      <a:prstDash val="solid"/>
+                      <a:round/>
+                      <a:headEnd type="none" w="med" len="med"/>
+                      <a:tailEnd type="none" w="med" len="med"/>
+                    </a:lnB>
+                  </a:tcPr>
+                </a:tc>
+                <a:tc>
+                  <a:txBody>
+                    <a:bodyPr/>
+                    <a:lstStyle/>
+                    <a:p>
+                      <a:pPr>
+                        <a:lnSpc>
+                          <a:spcPct val="107000"/>
+                        </a:lnSpc>
+                        <a:spcAft>
+                          <a:spcPts val="800"/>
+                        </a:spcAft>
+                      </a:pPr>
+                      <a:r>
+                        <a:rPr lang="it-IT" sz="1300">
+                          <a:effectLst/>
+                          <a:latin typeface="Calibri" panose="020F0502020204030204" pitchFamily="34" charset="0"/>
+                          <a:ea typeface="Calibri" panose="020F0502020204030204" pitchFamily="34" charset="0"/>
+                          <a:cs typeface="Times New Roman" panose="02020603050405020304" pitchFamily="18" charset="0"/>
+                        </a:rPr>
+                        <a:t>0</a:t>
+                      </a:r>
+                    </a:p>
+                  </a:txBody>
+                  <a:tcPr marL="84649" marR="84649" marT="0" marB="0">
+                    <a:lnL w="12700" cap="flat" cmpd="sng" algn="ctr">
+                      <a:solidFill>
+                        <a:srgbClr val="000000"/>
+                      </a:solidFill>
+                      <a:prstDash val="solid"/>
+                      <a:round/>
+                      <a:headEnd type="none" w="med" len="med"/>
+                      <a:tailEnd type="none" w="med" len="med"/>
+                    </a:lnL>
+                    <a:lnR w="12700" cap="flat" cmpd="sng" algn="ctr">
+                      <a:solidFill>
+                        <a:srgbClr val="000000"/>
+                      </a:solidFill>
+                      <a:prstDash val="solid"/>
+                      <a:round/>
+                      <a:headEnd type="none" w="med" len="med"/>
+                      <a:tailEnd type="none" w="med" len="med"/>
+                    </a:lnR>
+                    <a:lnT w="12700" cap="flat" cmpd="sng" algn="ctr">
+                      <a:solidFill>
+                        <a:srgbClr val="000000"/>
+                      </a:solidFill>
+                      <a:prstDash val="solid"/>
+                      <a:round/>
+                      <a:headEnd type="none" w="med" len="med"/>
+                      <a:tailEnd type="none" w="med" len="med"/>
+                    </a:lnT>
+                    <a:lnB w="12700" cap="flat" cmpd="sng" algn="ctr">
+                      <a:solidFill>
+                        <a:srgbClr val="000000"/>
+                      </a:solidFill>
+                      <a:prstDash val="solid"/>
+                      <a:round/>
+                      <a:headEnd type="none" w="med" len="med"/>
+                      <a:tailEnd type="none" w="med" len="med"/>
+                    </a:lnB>
+                  </a:tcPr>
+                </a:tc>
+                <a:tc>
+                  <a:txBody>
+                    <a:bodyPr/>
+                    <a:lstStyle/>
+                    <a:p>
+                      <a:pPr>
+                        <a:lnSpc>
+                          <a:spcPct val="107000"/>
+                        </a:lnSpc>
+                        <a:spcAft>
+                          <a:spcPts val="800"/>
+                        </a:spcAft>
+                      </a:pPr>
+                      <a:r>
+                        <a:rPr lang="it-IT" sz="1300">
+                          <a:effectLst/>
+                          <a:latin typeface="Calibri" panose="020F0502020204030204" pitchFamily="34" charset="0"/>
+                          <a:ea typeface="Calibri" panose="020F0502020204030204" pitchFamily="34" charset="0"/>
+                          <a:cs typeface="Times New Roman" panose="02020603050405020304" pitchFamily="18" charset="0"/>
+                        </a:rPr>
+                        <a:t>1</a:t>
+                      </a:r>
+                    </a:p>
+                  </a:txBody>
+                  <a:tcPr marL="84649" marR="84649" marT="0" marB="0">
+                    <a:lnL w="12700" cap="flat" cmpd="sng" algn="ctr">
+                      <a:solidFill>
+                        <a:srgbClr val="000000"/>
+                      </a:solidFill>
+                      <a:prstDash val="solid"/>
+                      <a:round/>
+                      <a:headEnd type="none" w="med" len="med"/>
+                      <a:tailEnd type="none" w="med" len="med"/>
+                    </a:lnL>
+                    <a:lnR w="12700" cap="flat" cmpd="sng" algn="ctr">
+                      <a:solidFill>
+                        <a:srgbClr val="000000"/>
+                      </a:solidFill>
+                      <a:prstDash val="solid"/>
+                      <a:round/>
+                      <a:headEnd type="none" w="med" len="med"/>
+                      <a:tailEnd type="none" w="med" len="med"/>
+                    </a:lnR>
+                    <a:lnT w="12700" cap="flat" cmpd="sng" algn="ctr">
+                      <a:solidFill>
+                        <a:srgbClr val="000000"/>
+                      </a:solidFill>
+                      <a:prstDash val="solid"/>
+                      <a:round/>
+                      <a:headEnd type="none" w="med" len="med"/>
+                      <a:tailEnd type="none" w="med" len="med"/>
+                    </a:lnT>
+                    <a:lnB w="12700" cap="flat" cmpd="sng" algn="ctr">
+                      <a:solidFill>
+                        <a:srgbClr val="000000"/>
+                      </a:solidFill>
+                      <a:prstDash val="solid"/>
+                      <a:round/>
+                      <a:headEnd type="none" w="med" len="med"/>
+                      <a:tailEnd type="none" w="med" len="med"/>
+                    </a:lnB>
+                  </a:tcPr>
+                </a:tc>
+                <a:extLst>
+                  <a:ext uri="{0D108BD9-81ED-4DB2-BD59-A6C34878D82A}">
+                    <a16:rowId xmlns:a16="http://schemas.microsoft.com/office/drawing/2014/main" val="905808580"/>
+                  </a:ext>
+                </a:extLst>
+              </a:tr>
+              <a:tr h="211623">
+                <a:tc>
+                  <a:txBody>
+                    <a:bodyPr/>
+                    <a:lstStyle/>
+                    <a:p>
+                      <a:pPr>
+                        <a:lnSpc>
+                          <a:spcPct val="107000"/>
+                        </a:lnSpc>
+                        <a:spcAft>
+                          <a:spcPts val="800"/>
+                        </a:spcAft>
+                      </a:pPr>
+                      <a:r>
+                        <a:rPr lang="it-IT" sz="1300">
+                          <a:effectLst/>
+                          <a:latin typeface="Calibri" panose="020F0502020204030204" pitchFamily="34" charset="0"/>
+                          <a:ea typeface="Calibri" panose="020F0502020204030204" pitchFamily="34" charset="0"/>
+                          <a:cs typeface="Times New Roman" panose="02020603050405020304" pitchFamily="18" charset="0"/>
+                        </a:rPr>
+                        <a:t>1</a:t>
+                      </a:r>
+                    </a:p>
+                  </a:txBody>
+                  <a:tcPr marL="84649" marR="84649" marT="0" marB="0">
+                    <a:lnL w="12700" cap="flat" cmpd="sng" algn="ctr">
+                      <a:solidFill>
+                        <a:srgbClr val="000000"/>
+                      </a:solidFill>
+                      <a:prstDash val="solid"/>
+                      <a:round/>
+                      <a:headEnd type="none" w="med" len="med"/>
+                      <a:tailEnd type="none" w="med" len="med"/>
+                    </a:lnL>
+                    <a:lnR w="12700" cap="flat" cmpd="sng" algn="ctr">
+                      <a:solidFill>
+                        <a:srgbClr val="000000"/>
+                      </a:solidFill>
+                      <a:prstDash val="solid"/>
+                      <a:round/>
+                      <a:headEnd type="none" w="med" len="med"/>
+                      <a:tailEnd type="none" w="med" len="med"/>
+                    </a:lnR>
+                    <a:lnT w="12700" cap="flat" cmpd="sng" algn="ctr">
+                      <a:solidFill>
+                        <a:srgbClr val="000000"/>
+                      </a:solidFill>
+                      <a:prstDash val="solid"/>
+                      <a:round/>
+                      <a:headEnd type="none" w="med" len="med"/>
+                      <a:tailEnd type="none" w="med" len="med"/>
+                    </a:lnT>
+                    <a:lnB w="12700" cap="flat" cmpd="sng" algn="ctr">
+                      <a:solidFill>
+                        <a:srgbClr val="000000"/>
+                      </a:solidFill>
+                      <a:prstDash val="solid"/>
+                      <a:round/>
+                      <a:headEnd type="none" w="med" len="med"/>
+                      <a:tailEnd type="none" w="med" len="med"/>
+                    </a:lnB>
+                  </a:tcPr>
+                </a:tc>
+                <a:tc>
+                  <a:txBody>
+                    <a:bodyPr/>
+                    <a:lstStyle/>
+                    <a:p>
+                      <a:pPr>
+                        <a:lnSpc>
+                          <a:spcPct val="107000"/>
+                        </a:lnSpc>
+                        <a:spcAft>
+                          <a:spcPts val="800"/>
+                        </a:spcAft>
+                      </a:pPr>
+                      <a:r>
+                        <a:rPr lang="it-IT" sz="1300">
+                          <a:effectLst/>
+                          <a:latin typeface="Calibri" panose="020F0502020204030204" pitchFamily="34" charset="0"/>
+                          <a:ea typeface="Calibri" panose="020F0502020204030204" pitchFamily="34" charset="0"/>
+                          <a:cs typeface="Times New Roman" panose="02020603050405020304" pitchFamily="18" charset="0"/>
+                        </a:rPr>
+                        <a:t>0</a:t>
+                      </a:r>
+                    </a:p>
+                  </a:txBody>
+                  <a:tcPr marL="84649" marR="84649" marT="0" marB="0">
+                    <a:lnL w="12700" cap="flat" cmpd="sng" algn="ctr">
+                      <a:solidFill>
+                        <a:srgbClr val="000000"/>
+                      </a:solidFill>
+                      <a:prstDash val="solid"/>
+                      <a:round/>
+                      <a:headEnd type="none" w="med" len="med"/>
+                      <a:tailEnd type="none" w="med" len="med"/>
+                    </a:lnL>
+                    <a:lnR w="12700" cap="flat" cmpd="sng" algn="ctr">
+                      <a:solidFill>
+                        <a:srgbClr val="000000"/>
+                      </a:solidFill>
+                      <a:prstDash val="solid"/>
+                      <a:round/>
+                      <a:headEnd type="none" w="med" len="med"/>
+                      <a:tailEnd type="none" w="med" len="med"/>
+                    </a:lnR>
+                    <a:lnT w="12700" cap="flat" cmpd="sng" algn="ctr">
+                      <a:solidFill>
+                        <a:srgbClr val="000000"/>
+                      </a:solidFill>
+                      <a:prstDash val="solid"/>
+                      <a:round/>
+                      <a:headEnd type="none" w="med" len="med"/>
+                      <a:tailEnd type="none" w="med" len="med"/>
+                    </a:lnT>
+                    <a:lnB w="12700" cap="flat" cmpd="sng" algn="ctr">
+                      <a:solidFill>
+                        <a:srgbClr val="000000"/>
+                      </a:solidFill>
+                      <a:prstDash val="solid"/>
+                      <a:round/>
+                      <a:headEnd type="none" w="med" len="med"/>
+                      <a:tailEnd type="none" w="med" len="med"/>
+                    </a:lnB>
+                  </a:tcPr>
+                </a:tc>
+                <a:tc>
+                  <a:txBody>
+                    <a:bodyPr/>
+                    <a:lstStyle/>
+                    <a:p>
+                      <a:pPr>
+                        <a:lnSpc>
+                          <a:spcPct val="107000"/>
+                        </a:lnSpc>
+                        <a:spcAft>
+                          <a:spcPts val="800"/>
+                        </a:spcAft>
+                      </a:pPr>
+                      <a:r>
+                        <a:rPr lang="it-IT" sz="1300">
+                          <a:effectLst/>
+                          <a:latin typeface="Calibri" panose="020F0502020204030204" pitchFamily="34" charset="0"/>
+                          <a:ea typeface="Calibri" panose="020F0502020204030204" pitchFamily="34" charset="0"/>
+                          <a:cs typeface="Times New Roman" panose="02020603050405020304" pitchFamily="18" charset="0"/>
+                        </a:rPr>
+                        <a:t>0</a:t>
+                      </a:r>
+                    </a:p>
+                  </a:txBody>
+                  <a:tcPr marL="84649" marR="84649" marT="0" marB="0">
+                    <a:lnL w="12700" cap="flat" cmpd="sng" algn="ctr">
+                      <a:solidFill>
+                        <a:srgbClr val="000000"/>
+                      </a:solidFill>
+                      <a:prstDash val="solid"/>
+                      <a:round/>
+                      <a:headEnd type="none" w="med" len="med"/>
+                      <a:tailEnd type="none" w="med" len="med"/>
+                    </a:lnL>
+                    <a:lnR w="12700" cap="flat" cmpd="sng" algn="ctr">
+                      <a:solidFill>
+                        <a:srgbClr val="000000"/>
+                      </a:solidFill>
+                      <a:prstDash val="solid"/>
+                      <a:round/>
+                      <a:headEnd type="none" w="med" len="med"/>
+                      <a:tailEnd type="none" w="med" len="med"/>
+                    </a:lnR>
+                    <a:lnT w="12700" cap="flat" cmpd="sng" algn="ctr">
+                      <a:solidFill>
+                        <a:srgbClr val="000000"/>
+                      </a:solidFill>
+                      <a:prstDash val="solid"/>
+                      <a:round/>
+                      <a:headEnd type="none" w="med" len="med"/>
+                      <a:tailEnd type="none" w="med" len="med"/>
+                    </a:lnT>
+                    <a:lnB w="12700" cap="flat" cmpd="sng" algn="ctr">
+                      <a:solidFill>
+                        <a:srgbClr val="000000"/>
+                      </a:solidFill>
+                      <a:prstDash val="solid"/>
+                      <a:round/>
+                      <a:headEnd type="none" w="med" len="med"/>
+                      <a:tailEnd type="none" w="med" len="med"/>
+                    </a:lnB>
+                  </a:tcPr>
+                </a:tc>
+                <a:tc>
+                  <a:txBody>
+                    <a:bodyPr/>
+                    <a:lstStyle/>
+                    <a:p>
+                      <a:pPr>
+                        <a:lnSpc>
+                          <a:spcPct val="107000"/>
+                        </a:lnSpc>
+                        <a:spcAft>
+                          <a:spcPts val="800"/>
+                        </a:spcAft>
+                      </a:pPr>
+                      <a:r>
+                        <a:rPr lang="it-IT" sz="1300">
+                          <a:effectLst/>
+                          <a:latin typeface="Calibri" panose="020F0502020204030204" pitchFamily="34" charset="0"/>
+                          <a:ea typeface="Calibri" panose="020F0502020204030204" pitchFamily="34" charset="0"/>
+                          <a:cs typeface="Times New Roman" panose="02020603050405020304" pitchFamily="18" charset="0"/>
+                        </a:rPr>
+                        <a:t>1</a:t>
+                      </a:r>
+                    </a:p>
+                  </a:txBody>
+                  <a:tcPr marL="84649" marR="84649" marT="0" marB="0">
+                    <a:lnL w="12700" cap="flat" cmpd="sng" algn="ctr">
+                      <a:solidFill>
+                        <a:srgbClr val="000000"/>
+                      </a:solidFill>
+                      <a:prstDash val="solid"/>
+                      <a:round/>
+                      <a:headEnd type="none" w="med" len="med"/>
+                      <a:tailEnd type="none" w="med" len="med"/>
+                    </a:lnL>
+                    <a:lnR w="12700" cap="flat" cmpd="sng" algn="ctr">
+                      <a:solidFill>
+                        <a:srgbClr val="000000"/>
+                      </a:solidFill>
+                      <a:prstDash val="solid"/>
+                      <a:round/>
+                      <a:headEnd type="none" w="med" len="med"/>
+                      <a:tailEnd type="none" w="med" len="med"/>
+                    </a:lnR>
+                    <a:lnT w="12700" cap="flat" cmpd="sng" algn="ctr">
+                      <a:solidFill>
+                        <a:srgbClr val="000000"/>
+                      </a:solidFill>
+                      <a:prstDash val="solid"/>
+                      <a:round/>
+                      <a:headEnd type="none" w="med" len="med"/>
+                      <a:tailEnd type="none" w="med" len="med"/>
+                    </a:lnT>
+                    <a:lnB w="12700" cap="flat" cmpd="sng" algn="ctr">
+                      <a:solidFill>
+                        <a:srgbClr val="000000"/>
+                      </a:solidFill>
+                      <a:prstDash val="solid"/>
+                      <a:round/>
+                      <a:headEnd type="none" w="med" len="med"/>
+                      <a:tailEnd type="none" w="med" len="med"/>
+                    </a:lnB>
+                  </a:tcPr>
+                </a:tc>
+                <a:tc>
+                  <a:txBody>
+                    <a:bodyPr/>
+                    <a:lstStyle/>
+                    <a:p>
+                      <a:pPr>
+                        <a:lnSpc>
+                          <a:spcPct val="107000"/>
+                        </a:lnSpc>
+                        <a:spcAft>
+                          <a:spcPts val="800"/>
+                        </a:spcAft>
+                      </a:pPr>
+                      <a:r>
+                        <a:rPr lang="it-IT" sz="1300">
+                          <a:effectLst/>
+                          <a:latin typeface="Calibri" panose="020F0502020204030204" pitchFamily="34" charset="0"/>
+                          <a:ea typeface="Calibri" panose="020F0502020204030204" pitchFamily="34" charset="0"/>
+                          <a:cs typeface="Times New Roman" panose="02020603050405020304" pitchFamily="18" charset="0"/>
+                        </a:rPr>
+                        <a:t>0</a:t>
+                      </a:r>
+                    </a:p>
+                  </a:txBody>
+                  <a:tcPr marL="84649" marR="84649" marT="0" marB="0">
+                    <a:lnL w="12700" cap="flat" cmpd="sng" algn="ctr">
+                      <a:solidFill>
+                        <a:srgbClr val="000000"/>
+                      </a:solidFill>
+                      <a:prstDash val="solid"/>
+                      <a:round/>
+                      <a:headEnd type="none" w="med" len="med"/>
+                      <a:tailEnd type="none" w="med" len="med"/>
+                    </a:lnL>
+                    <a:lnR w="12700" cap="flat" cmpd="sng" algn="ctr">
+                      <a:solidFill>
+                        <a:srgbClr val="000000"/>
+                      </a:solidFill>
+                      <a:prstDash val="solid"/>
+                      <a:round/>
+                      <a:headEnd type="none" w="med" len="med"/>
+                      <a:tailEnd type="none" w="med" len="med"/>
+                    </a:lnR>
+                    <a:lnT w="12700" cap="flat" cmpd="sng" algn="ctr">
+                      <a:solidFill>
+                        <a:srgbClr val="000000"/>
+                      </a:solidFill>
+                      <a:prstDash val="solid"/>
+                      <a:round/>
+                      <a:headEnd type="none" w="med" len="med"/>
+                      <a:tailEnd type="none" w="med" len="med"/>
+                    </a:lnT>
+                    <a:lnB w="12700" cap="flat" cmpd="sng" algn="ctr">
+                      <a:solidFill>
+                        <a:srgbClr val="000000"/>
+                      </a:solidFill>
+                      <a:prstDash val="solid"/>
+                      <a:round/>
+                      <a:headEnd type="none" w="med" len="med"/>
+                      <a:tailEnd type="none" w="med" len="med"/>
+                    </a:lnB>
+                  </a:tcPr>
+                </a:tc>
+                <a:tc>
+                  <a:txBody>
+                    <a:bodyPr/>
+                    <a:lstStyle/>
+                    <a:p>
+                      <a:pPr>
+                        <a:lnSpc>
+                          <a:spcPct val="107000"/>
+                        </a:lnSpc>
+                        <a:spcAft>
+                          <a:spcPts val="800"/>
+                        </a:spcAft>
+                      </a:pPr>
+                      <a:r>
+                        <a:rPr lang="it-IT" sz="1300">
+                          <a:effectLst/>
+                          <a:latin typeface="Calibri" panose="020F0502020204030204" pitchFamily="34" charset="0"/>
+                          <a:ea typeface="Calibri" panose="020F0502020204030204" pitchFamily="34" charset="0"/>
+                          <a:cs typeface="Times New Roman" panose="02020603050405020304" pitchFamily="18" charset="0"/>
+                        </a:rPr>
+                        <a:t>1</a:t>
+                      </a:r>
+                    </a:p>
+                  </a:txBody>
+                  <a:tcPr marL="84649" marR="84649" marT="0" marB="0">
+                    <a:lnL w="12700" cap="flat" cmpd="sng" algn="ctr">
+                      <a:solidFill>
+                        <a:srgbClr val="000000"/>
+                      </a:solidFill>
+                      <a:prstDash val="solid"/>
+                      <a:round/>
+                      <a:headEnd type="none" w="med" len="med"/>
+                      <a:tailEnd type="none" w="med" len="med"/>
+                    </a:lnL>
+                    <a:lnR w="12700" cap="flat" cmpd="sng" algn="ctr">
+                      <a:solidFill>
+                        <a:srgbClr val="000000"/>
+                      </a:solidFill>
+                      <a:prstDash val="solid"/>
+                      <a:round/>
+                      <a:headEnd type="none" w="med" len="med"/>
+                      <a:tailEnd type="none" w="med" len="med"/>
+                    </a:lnR>
+                    <a:lnT w="12700" cap="flat" cmpd="sng" algn="ctr">
+                      <a:solidFill>
+                        <a:srgbClr val="000000"/>
+                      </a:solidFill>
+                      <a:prstDash val="solid"/>
+                      <a:round/>
+                      <a:headEnd type="none" w="med" len="med"/>
+                      <a:tailEnd type="none" w="med" len="med"/>
+                    </a:lnT>
+                    <a:lnB w="12700" cap="flat" cmpd="sng" algn="ctr">
+                      <a:solidFill>
+                        <a:srgbClr val="000000"/>
+                      </a:solidFill>
+                      <a:prstDash val="solid"/>
+                      <a:round/>
+                      <a:headEnd type="none" w="med" len="med"/>
+                      <a:tailEnd type="none" w="med" len="med"/>
+                    </a:lnB>
+                  </a:tcPr>
+                </a:tc>
+                <a:tc>
+                  <a:txBody>
+                    <a:bodyPr/>
+                    <a:lstStyle/>
+                    <a:p>
+                      <a:pPr>
+                        <a:lnSpc>
+                          <a:spcPct val="107000"/>
+                        </a:lnSpc>
+                        <a:spcAft>
+                          <a:spcPts val="800"/>
+                        </a:spcAft>
+                      </a:pPr>
+                      <a:r>
+                        <a:rPr lang="it-IT" sz="1300">
+                          <a:effectLst/>
+                          <a:latin typeface="Calibri" panose="020F0502020204030204" pitchFamily="34" charset="0"/>
+                          <a:ea typeface="Calibri" panose="020F0502020204030204" pitchFamily="34" charset="0"/>
+                          <a:cs typeface="Times New Roman" panose="02020603050405020304" pitchFamily="18" charset="0"/>
+                        </a:rPr>
+                        <a:t>0</a:t>
+                      </a:r>
+                    </a:p>
+                  </a:txBody>
+                  <a:tcPr marL="84649" marR="84649" marT="0" marB="0">
+                    <a:lnL w="12700" cap="flat" cmpd="sng" algn="ctr">
+                      <a:solidFill>
+                        <a:srgbClr val="000000"/>
+                      </a:solidFill>
+                      <a:prstDash val="solid"/>
+                      <a:round/>
+                      <a:headEnd type="none" w="med" len="med"/>
+                      <a:tailEnd type="none" w="med" len="med"/>
+                    </a:lnL>
+                    <a:lnR w="12700" cap="flat" cmpd="sng" algn="ctr">
+                      <a:solidFill>
+                        <a:srgbClr val="000000"/>
+                      </a:solidFill>
+                      <a:prstDash val="solid"/>
+                      <a:round/>
+                      <a:headEnd type="none" w="med" len="med"/>
+                      <a:tailEnd type="none" w="med" len="med"/>
+                    </a:lnR>
+                    <a:lnT w="12700" cap="flat" cmpd="sng" algn="ctr">
+                      <a:solidFill>
+                        <a:srgbClr val="000000"/>
+                      </a:solidFill>
+                      <a:prstDash val="solid"/>
+                      <a:round/>
+                      <a:headEnd type="none" w="med" len="med"/>
+                      <a:tailEnd type="none" w="med" len="med"/>
+                    </a:lnT>
+                    <a:lnB w="12700" cap="flat" cmpd="sng" algn="ctr">
+                      <a:solidFill>
+                        <a:srgbClr val="000000"/>
+                      </a:solidFill>
+                      <a:prstDash val="solid"/>
+                      <a:round/>
+                      <a:headEnd type="none" w="med" len="med"/>
+                      <a:tailEnd type="none" w="med" len="med"/>
+                    </a:lnB>
+                  </a:tcPr>
+                </a:tc>
+                <a:tc>
+                  <a:txBody>
+                    <a:bodyPr/>
+                    <a:lstStyle/>
+                    <a:p>
+                      <a:pPr>
+                        <a:lnSpc>
+                          <a:spcPct val="107000"/>
+                        </a:lnSpc>
+                        <a:spcAft>
+                          <a:spcPts val="800"/>
+                        </a:spcAft>
+                      </a:pPr>
+                      <a:r>
+                        <a:rPr lang="it-IT" sz="1300">
+                          <a:effectLst/>
+                          <a:latin typeface="Calibri" panose="020F0502020204030204" pitchFamily="34" charset="0"/>
+                          <a:ea typeface="Calibri" panose="020F0502020204030204" pitchFamily="34" charset="0"/>
+                          <a:cs typeface="Times New Roman" panose="02020603050405020304" pitchFamily="18" charset="0"/>
+                        </a:rPr>
+                        <a:t>1</a:t>
+                      </a:r>
+                    </a:p>
+                  </a:txBody>
+                  <a:tcPr marL="84649" marR="84649" marT="0" marB="0">
+                    <a:lnL w="12700" cap="flat" cmpd="sng" algn="ctr">
+                      <a:solidFill>
+                        <a:srgbClr val="000000"/>
+                      </a:solidFill>
+                      <a:prstDash val="solid"/>
+                      <a:round/>
+                      <a:headEnd type="none" w="med" len="med"/>
+                      <a:tailEnd type="none" w="med" len="med"/>
+                    </a:lnL>
+                    <a:lnR w="12700" cap="flat" cmpd="sng" algn="ctr">
+                      <a:solidFill>
+                        <a:srgbClr val="000000"/>
+                      </a:solidFill>
+                      <a:prstDash val="solid"/>
+                      <a:round/>
+                      <a:headEnd type="none" w="med" len="med"/>
+                      <a:tailEnd type="none" w="med" len="med"/>
+                    </a:lnR>
+                    <a:lnT w="12700" cap="flat" cmpd="sng" algn="ctr">
+                      <a:solidFill>
+                        <a:srgbClr val="000000"/>
+                      </a:solidFill>
+                      <a:prstDash val="solid"/>
+                      <a:round/>
+                      <a:headEnd type="none" w="med" len="med"/>
+                      <a:tailEnd type="none" w="med" len="med"/>
+                    </a:lnT>
+                    <a:lnB w="12700" cap="flat" cmpd="sng" algn="ctr">
+                      <a:solidFill>
+                        <a:srgbClr val="000000"/>
+                      </a:solidFill>
+                      <a:prstDash val="solid"/>
+                      <a:round/>
+                      <a:headEnd type="none" w="med" len="med"/>
+                      <a:tailEnd type="none" w="med" len="med"/>
+                    </a:lnB>
+                  </a:tcPr>
+                </a:tc>
+                <a:tc>
+                  <a:txBody>
+                    <a:bodyPr/>
+                    <a:lstStyle/>
+                    <a:p>
+                      <a:pPr>
+                        <a:lnSpc>
+                          <a:spcPct val="107000"/>
+                        </a:lnSpc>
+                        <a:spcAft>
+                          <a:spcPts val="800"/>
+                        </a:spcAft>
+                      </a:pPr>
+                      <a:r>
+                        <a:rPr lang="it-IT" sz="1300">
+                          <a:effectLst/>
+                          <a:latin typeface="Calibri" panose="020F0502020204030204" pitchFamily="34" charset="0"/>
+                          <a:ea typeface="Calibri" panose="020F0502020204030204" pitchFamily="34" charset="0"/>
+                          <a:cs typeface="Times New Roman" panose="02020603050405020304" pitchFamily="18" charset="0"/>
+                        </a:rPr>
+                        <a:t>1</a:t>
+                      </a:r>
+                    </a:p>
+                  </a:txBody>
+                  <a:tcPr marL="84649" marR="84649" marT="0" marB="0">
+                    <a:lnL w="12700" cap="flat" cmpd="sng" algn="ctr">
+                      <a:solidFill>
+                        <a:srgbClr val="000000"/>
+                      </a:solidFill>
+                      <a:prstDash val="solid"/>
+                      <a:round/>
+                      <a:headEnd type="none" w="med" len="med"/>
+                      <a:tailEnd type="none" w="med" len="med"/>
+                    </a:lnL>
+                    <a:lnR w="12700" cap="flat" cmpd="sng" algn="ctr">
+                      <a:solidFill>
+                        <a:srgbClr val="000000"/>
+                      </a:solidFill>
+                      <a:prstDash val="solid"/>
+                      <a:round/>
+                      <a:headEnd type="none" w="med" len="med"/>
+                      <a:tailEnd type="none" w="med" len="med"/>
+                    </a:lnR>
+                    <a:lnT w="12700" cap="flat" cmpd="sng" algn="ctr">
+                      <a:solidFill>
+                        <a:srgbClr val="000000"/>
+                      </a:solidFill>
+                      <a:prstDash val="solid"/>
+                      <a:round/>
+                      <a:headEnd type="none" w="med" len="med"/>
+                      <a:tailEnd type="none" w="med" len="med"/>
+                    </a:lnT>
+                    <a:lnB w="12700" cap="flat" cmpd="sng" algn="ctr">
+                      <a:solidFill>
+                        <a:srgbClr val="000000"/>
+                      </a:solidFill>
+                      <a:prstDash val="solid"/>
+                      <a:round/>
+                      <a:headEnd type="none" w="med" len="med"/>
+                      <a:tailEnd type="none" w="med" len="med"/>
+                    </a:lnB>
+                  </a:tcPr>
+                </a:tc>
+                <a:extLst>
+                  <a:ext uri="{0D108BD9-81ED-4DB2-BD59-A6C34878D82A}">
+                    <a16:rowId xmlns:a16="http://schemas.microsoft.com/office/drawing/2014/main" val="746355690"/>
+                  </a:ext>
+                </a:extLst>
+              </a:tr>
+              <a:tr h="211623">
+                <a:tc>
+                  <a:txBody>
+                    <a:bodyPr/>
+                    <a:lstStyle/>
+                    <a:p>
+                      <a:pPr>
+                        <a:lnSpc>
+                          <a:spcPct val="107000"/>
+                        </a:lnSpc>
+                        <a:spcAft>
+                          <a:spcPts val="800"/>
+                        </a:spcAft>
+                      </a:pPr>
+                      <a:r>
+                        <a:rPr lang="it-IT" sz="1300">
+                          <a:effectLst/>
+                          <a:latin typeface="Calibri" panose="020F0502020204030204" pitchFamily="34" charset="0"/>
+                          <a:ea typeface="Calibri" panose="020F0502020204030204" pitchFamily="34" charset="0"/>
+                          <a:cs typeface="Times New Roman" panose="02020603050405020304" pitchFamily="18" charset="0"/>
+                        </a:rPr>
+                        <a:t>1</a:t>
+                      </a:r>
+                    </a:p>
+                  </a:txBody>
+                  <a:tcPr marL="84649" marR="84649" marT="0" marB="0">
+                    <a:lnL w="12700" cap="flat" cmpd="sng" algn="ctr">
+                      <a:solidFill>
+                        <a:srgbClr val="000000"/>
+                      </a:solidFill>
+                      <a:prstDash val="solid"/>
+                      <a:round/>
+                      <a:headEnd type="none" w="med" len="med"/>
+                      <a:tailEnd type="none" w="med" len="med"/>
+                    </a:lnL>
+                    <a:lnR w="12700" cap="flat" cmpd="sng" algn="ctr">
+                      <a:solidFill>
+                        <a:srgbClr val="000000"/>
+                      </a:solidFill>
+                      <a:prstDash val="solid"/>
+                      <a:round/>
+                      <a:headEnd type="none" w="med" len="med"/>
+                      <a:tailEnd type="none" w="med" len="med"/>
+                    </a:lnR>
+                    <a:lnT w="12700" cap="flat" cmpd="sng" algn="ctr">
+                      <a:solidFill>
+                        <a:srgbClr val="000000"/>
+                      </a:solidFill>
+                      <a:prstDash val="solid"/>
+                      <a:round/>
+                      <a:headEnd type="none" w="med" len="med"/>
+                      <a:tailEnd type="none" w="med" len="med"/>
+                    </a:lnT>
+                    <a:lnB w="12700" cap="flat" cmpd="sng" algn="ctr">
+                      <a:solidFill>
+                        <a:srgbClr val="000000"/>
+                      </a:solidFill>
+                      <a:prstDash val="solid"/>
+                      <a:round/>
+                      <a:headEnd type="none" w="med" len="med"/>
+                      <a:tailEnd type="none" w="med" len="med"/>
+                    </a:lnB>
+                  </a:tcPr>
+                </a:tc>
+                <a:tc>
+                  <a:txBody>
+                    <a:bodyPr/>
+                    <a:lstStyle/>
+                    <a:p>
+                      <a:pPr>
+                        <a:lnSpc>
+                          <a:spcPct val="107000"/>
+                        </a:lnSpc>
+                        <a:spcAft>
+                          <a:spcPts val="800"/>
+                        </a:spcAft>
+                      </a:pPr>
+                      <a:r>
+                        <a:rPr lang="it-IT" sz="1300">
+                          <a:effectLst/>
+                          <a:latin typeface="Calibri" panose="020F0502020204030204" pitchFamily="34" charset="0"/>
+                          <a:ea typeface="Calibri" panose="020F0502020204030204" pitchFamily="34" charset="0"/>
+                          <a:cs typeface="Times New Roman" panose="02020603050405020304" pitchFamily="18" charset="0"/>
+                        </a:rPr>
+                        <a:t>0</a:t>
+                      </a:r>
+                    </a:p>
+                  </a:txBody>
+                  <a:tcPr marL="84649" marR="84649" marT="0" marB="0">
+                    <a:lnL w="12700" cap="flat" cmpd="sng" algn="ctr">
+                      <a:solidFill>
+                        <a:srgbClr val="000000"/>
+                      </a:solidFill>
+                      <a:prstDash val="solid"/>
+                      <a:round/>
+                      <a:headEnd type="none" w="med" len="med"/>
+                      <a:tailEnd type="none" w="med" len="med"/>
+                    </a:lnL>
+                    <a:lnR w="12700" cap="flat" cmpd="sng" algn="ctr">
+                      <a:solidFill>
+                        <a:srgbClr val="000000"/>
+                      </a:solidFill>
+                      <a:prstDash val="solid"/>
+                      <a:round/>
+                      <a:headEnd type="none" w="med" len="med"/>
+                      <a:tailEnd type="none" w="med" len="med"/>
+                    </a:lnR>
+                    <a:lnT w="12700" cap="flat" cmpd="sng" algn="ctr">
+                      <a:solidFill>
+                        <a:srgbClr val="000000"/>
+                      </a:solidFill>
+                      <a:prstDash val="solid"/>
+                      <a:round/>
+                      <a:headEnd type="none" w="med" len="med"/>
+                      <a:tailEnd type="none" w="med" len="med"/>
+                    </a:lnT>
+                    <a:lnB w="12700" cap="flat" cmpd="sng" algn="ctr">
+                      <a:solidFill>
+                        <a:srgbClr val="000000"/>
+                      </a:solidFill>
+                      <a:prstDash val="solid"/>
+                      <a:round/>
+                      <a:headEnd type="none" w="med" len="med"/>
+                      <a:tailEnd type="none" w="med" len="med"/>
+                    </a:lnB>
+                  </a:tcPr>
+                </a:tc>
+                <a:tc>
+                  <a:txBody>
+                    <a:bodyPr/>
+                    <a:lstStyle/>
+                    <a:p>
+                      <a:pPr>
+                        <a:lnSpc>
+                          <a:spcPct val="107000"/>
+                        </a:lnSpc>
+                        <a:spcAft>
+                          <a:spcPts val="800"/>
+                        </a:spcAft>
+                      </a:pPr>
+                      <a:r>
+                        <a:rPr lang="it-IT" sz="1300">
+                          <a:effectLst/>
+                          <a:latin typeface="Calibri" panose="020F0502020204030204" pitchFamily="34" charset="0"/>
+                          <a:ea typeface="Calibri" panose="020F0502020204030204" pitchFamily="34" charset="0"/>
+                          <a:cs typeface="Times New Roman" panose="02020603050405020304" pitchFamily="18" charset="0"/>
+                        </a:rPr>
+                        <a:t>0</a:t>
+                      </a:r>
+                    </a:p>
+                  </a:txBody>
+                  <a:tcPr marL="84649" marR="84649" marT="0" marB="0">
+                    <a:lnL w="12700" cap="flat" cmpd="sng" algn="ctr">
+                      <a:solidFill>
+                        <a:srgbClr val="000000"/>
+                      </a:solidFill>
+                      <a:prstDash val="solid"/>
+                      <a:round/>
+                      <a:headEnd type="none" w="med" len="med"/>
+                      <a:tailEnd type="none" w="med" len="med"/>
+                    </a:lnL>
+                    <a:lnR w="12700" cap="flat" cmpd="sng" algn="ctr">
+                      <a:solidFill>
+                        <a:srgbClr val="000000"/>
+                      </a:solidFill>
+                      <a:prstDash val="solid"/>
+                      <a:round/>
+                      <a:headEnd type="none" w="med" len="med"/>
+                      <a:tailEnd type="none" w="med" len="med"/>
+                    </a:lnR>
+                    <a:lnT w="12700" cap="flat" cmpd="sng" algn="ctr">
+                      <a:solidFill>
+                        <a:srgbClr val="000000"/>
+                      </a:solidFill>
+                      <a:prstDash val="solid"/>
+                      <a:round/>
+                      <a:headEnd type="none" w="med" len="med"/>
+                      <a:tailEnd type="none" w="med" len="med"/>
+                    </a:lnT>
+                    <a:lnB w="12700" cap="flat" cmpd="sng" algn="ctr">
+                      <a:solidFill>
+                        <a:srgbClr val="000000"/>
+                      </a:solidFill>
+                      <a:prstDash val="solid"/>
+                      <a:round/>
+                      <a:headEnd type="none" w="med" len="med"/>
+                      <a:tailEnd type="none" w="med" len="med"/>
+                    </a:lnB>
+                  </a:tcPr>
+                </a:tc>
+                <a:tc>
+                  <a:txBody>
+                    <a:bodyPr/>
+                    <a:lstStyle/>
+                    <a:p>
+                      <a:pPr>
+                        <a:lnSpc>
+                          <a:spcPct val="107000"/>
+                        </a:lnSpc>
+                        <a:spcAft>
+                          <a:spcPts val="800"/>
+                        </a:spcAft>
+                      </a:pPr>
+                      <a:r>
+                        <a:rPr lang="it-IT" sz="1300">
+                          <a:effectLst/>
+                          <a:latin typeface="Calibri" panose="020F0502020204030204" pitchFamily="34" charset="0"/>
+                          <a:ea typeface="Calibri" panose="020F0502020204030204" pitchFamily="34" charset="0"/>
+                          <a:cs typeface="Times New Roman" panose="02020603050405020304" pitchFamily="18" charset="0"/>
+                        </a:rPr>
+                        <a:t>1</a:t>
+                      </a:r>
+                    </a:p>
+                  </a:txBody>
+                  <a:tcPr marL="84649" marR="84649" marT="0" marB="0">
+                    <a:lnL w="12700" cap="flat" cmpd="sng" algn="ctr">
+                      <a:solidFill>
+                        <a:srgbClr val="000000"/>
+                      </a:solidFill>
+                      <a:prstDash val="solid"/>
+                      <a:round/>
+                      <a:headEnd type="none" w="med" len="med"/>
+                      <a:tailEnd type="none" w="med" len="med"/>
+                    </a:lnL>
+                    <a:lnR w="12700" cap="flat" cmpd="sng" algn="ctr">
+                      <a:solidFill>
+                        <a:srgbClr val="000000"/>
+                      </a:solidFill>
+                      <a:prstDash val="solid"/>
+                      <a:round/>
+                      <a:headEnd type="none" w="med" len="med"/>
+                      <a:tailEnd type="none" w="med" len="med"/>
+                    </a:lnR>
+                    <a:lnT w="12700" cap="flat" cmpd="sng" algn="ctr">
+                      <a:solidFill>
+                        <a:srgbClr val="000000"/>
+                      </a:solidFill>
+                      <a:prstDash val="solid"/>
+                      <a:round/>
+                      <a:headEnd type="none" w="med" len="med"/>
+                      <a:tailEnd type="none" w="med" len="med"/>
+                    </a:lnT>
+                    <a:lnB w="12700" cap="flat" cmpd="sng" algn="ctr">
+                      <a:solidFill>
+                        <a:srgbClr val="000000"/>
+                      </a:solidFill>
+                      <a:prstDash val="solid"/>
+                      <a:round/>
+                      <a:headEnd type="none" w="med" len="med"/>
+                      <a:tailEnd type="none" w="med" len="med"/>
+                    </a:lnB>
+                  </a:tcPr>
+                </a:tc>
+                <a:tc>
+                  <a:txBody>
+                    <a:bodyPr/>
+                    <a:lstStyle/>
+                    <a:p>
+                      <a:pPr>
+                        <a:lnSpc>
+                          <a:spcPct val="107000"/>
+                        </a:lnSpc>
+                        <a:spcAft>
+                          <a:spcPts val="800"/>
+                        </a:spcAft>
+                      </a:pPr>
+                      <a:r>
+                        <a:rPr lang="it-IT" sz="1300">
+                          <a:effectLst/>
+                          <a:latin typeface="Calibri" panose="020F0502020204030204" pitchFamily="34" charset="0"/>
+                          <a:ea typeface="Calibri" panose="020F0502020204030204" pitchFamily="34" charset="0"/>
+                          <a:cs typeface="Times New Roman" panose="02020603050405020304" pitchFamily="18" charset="0"/>
+                        </a:rPr>
+                        <a:t>1</a:t>
+                      </a:r>
+                    </a:p>
+                  </a:txBody>
+                  <a:tcPr marL="84649" marR="84649" marT="0" marB="0">
+                    <a:lnL w="12700" cap="flat" cmpd="sng" algn="ctr">
+                      <a:solidFill>
+                        <a:srgbClr val="000000"/>
+                      </a:solidFill>
+                      <a:prstDash val="solid"/>
+                      <a:round/>
+                      <a:headEnd type="none" w="med" len="med"/>
+                      <a:tailEnd type="none" w="med" len="med"/>
+                    </a:lnL>
+                    <a:lnR w="12700" cap="flat" cmpd="sng" algn="ctr">
+                      <a:solidFill>
+                        <a:srgbClr val="000000"/>
+                      </a:solidFill>
+                      <a:prstDash val="solid"/>
+                      <a:round/>
+                      <a:headEnd type="none" w="med" len="med"/>
+                      <a:tailEnd type="none" w="med" len="med"/>
+                    </a:lnR>
+                    <a:lnT w="12700" cap="flat" cmpd="sng" algn="ctr">
+                      <a:solidFill>
+                        <a:srgbClr val="000000"/>
+                      </a:solidFill>
+                      <a:prstDash val="solid"/>
+                      <a:round/>
+                      <a:headEnd type="none" w="med" len="med"/>
+                      <a:tailEnd type="none" w="med" len="med"/>
+                    </a:lnT>
+                    <a:lnB w="12700" cap="flat" cmpd="sng" algn="ctr">
+                      <a:solidFill>
+                        <a:srgbClr val="000000"/>
+                      </a:solidFill>
+                      <a:prstDash val="solid"/>
+                      <a:round/>
+                      <a:headEnd type="none" w="med" len="med"/>
+                      <a:tailEnd type="none" w="med" len="med"/>
+                    </a:lnB>
+                  </a:tcPr>
+                </a:tc>
+                <a:tc>
+                  <a:txBody>
+                    <a:bodyPr/>
+                    <a:lstStyle/>
+                    <a:p>
+                      <a:pPr>
+                        <a:lnSpc>
+                          <a:spcPct val="107000"/>
+                        </a:lnSpc>
+                        <a:spcAft>
+                          <a:spcPts val="800"/>
+                        </a:spcAft>
+                      </a:pPr>
+                      <a:r>
+                        <a:rPr lang="it-IT" sz="1300">
+                          <a:effectLst/>
+                          <a:latin typeface="Calibri" panose="020F0502020204030204" pitchFamily="34" charset="0"/>
+                          <a:ea typeface="Calibri" panose="020F0502020204030204" pitchFamily="34" charset="0"/>
+                          <a:cs typeface="Times New Roman" panose="02020603050405020304" pitchFamily="18" charset="0"/>
+                        </a:rPr>
+                        <a:t>0</a:t>
+                      </a:r>
+                    </a:p>
+                  </a:txBody>
+                  <a:tcPr marL="84649" marR="84649" marT="0" marB="0">
+                    <a:lnL w="12700" cap="flat" cmpd="sng" algn="ctr">
+                      <a:solidFill>
+                        <a:srgbClr val="000000"/>
+                      </a:solidFill>
+                      <a:prstDash val="solid"/>
+                      <a:round/>
+                      <a:headEnd type="none" w="med" len="med"/>
+                      <a:tailEnd type="none" w="med" len="med"/>
+                    </a:lnL>
+                    <a:lnR w="12700" cap="flat" cmpd="sng" algn="ctr">
+                      <a:solidFill>
+                        <a:srgbClr val="000000"/>
+                      </a:solidFill>
+                      <a:prstDash val="solid"/>
+                      <a:round/>
+                      <a:headEnd type="none" w="med" len="med"/>
+                      <a:tailEnd type="none" w="med" len="med"/>
+                    </a:lnR>
+                    <a:lnT w="12700" cap="flat" cmpd="sng" algn="ctr">
+                      <a:solidFill>
+                        <a:srgbClr val="000000"/>
+                      </a:solidFill>
+                      <a:prstDash val="solid"/>
+                      <a:round/>
+                      <a:headEnd type="none" w="med" len="med"/>
+                      <a:tailEnd type="none" w="med" len="med"/>
+                    </a:lnT>
+                    <a:lnB w="12700" cap="flat" cmpd="sng" algn="ctr">
+                      <a:solidFill>
+                        <a:srgbClr val="000000"/>
+                      </a:solidFill>
+                      <a:prstDash val="solid"/>
+                      <a:round/>
+                      <a:headEnd type="none" w="med" len="med"/>
+                      <a:tailEnd type="none" w="med" len="med"/>
+                    </a:lnB>
+                  </a:tcPr>
+                </a:tc>
+                <a:tc>
+                  <a:txBody>
+                    <a:bodyPr/>
+                    <a:lstStyle/>
+                    <a:p>
+                      <a:pPr>
+                        <a:lnSpc>
+                          <a:spcPct val="107000"/>
+                        </a:lnSpc>
+                        <a:spcAft>
+                          <a:spcPts val="800"/>
+                        </a:spcAft>
+                      </a:pPr>
+                      <a:r>
+                        <a:rPr lang="it-IT" sz="1300">
+                          <a:effectLst/>
+                          <a:latin typeface="Calibri" panose="020F0502020204030204" pitchFamily="34" charset="0"/>
+                          <a:ea typeface="Calibri" panose="020F0502020204030204" pitchFamily="34" charset="0"/>
+                          <a:cs typeface="Times New Roman" panose="02020603050405020304" pitchFamily="18" charset="0"/>
+                        </a:rPr>
+                        <a:t>1</a:t>
+                      </a:r>
+                    </a:p>
+                  </a:txBody>
+                  <a:tcPr marL="84649" marR="84649" marT="0" marB="0">
+                    <a:lnL w="12700" cap="flat" cmpd="sng" algn="ctr">
+                      <a:solidFill>
+                        <a:srgbClr val="000000"/>
+                      </a:solidFill>
+                      <a:prstDash val="solid"/>
+                      <a:round/>
+                      <a:headEnd type="none" w="med" len="med"/>
+                      <a:tailEnd type="none" w="med" len="med"/>
+                    </a:lnL>
+                    <a:lnR w="12700" cap="flat" cmpd="sng" algn="ctr">
+                      <a:solidFill>
+                        <a:srgbClr val="000000"/>
+                      </a:solidFill>
+                      <a:prstDash val="solid"/>
+                      <a:round/>
+                      <a:headEnd type="none" w="med" len="med"/>
+                      <a:tailEnd type="none" w="med" len="med"/>
+                    </a:lnR>
+                    <a:lnT w="12700" cap="flat" cmpd="sng" algn="ctr">
+                      <a:solidFill>
+                        <a:srgbClr val="000000"/>
+                      </a:solidFill>
+                      <a:prstDash val="solid"/>
+                      <a:round/>
+                      <a:headEnd type="none" w="med" len="med"/>
+                      <a:tailEnd type="none" w="med" len="med"/>
+                    </a:lnT>
+                    <a:lnB w="12700" cap="flat" cmpd="sng" algn="ctr">
+                      <a:solidFill>
+                        <a:srgbClr val="000000"/>
+                      </a:solidFill>
+                      <a:prstDash val="solid"/>
+                      <a:round/>
+                      <a:headEnd type="none" w="med" len="med"/>
+                      <a:tailEnd type="none" w="med" len="med"/>
+                    </a:lnB>
+                  </a:tcPr>
+                </a:tc>
+                <a:tc>
+                  <a:txBody>
+                    <a:bodyPr/>
+                    <a:lstStyle/>
+                    <a:p>
+                      <a:pPr>
+                        <a:lnSpc>
+                          <a:spcPct val="107000"/>
+                        </a:lnSpc>
+                        <a:spcAft>
+                          <a:spcPts val="800"/>
+                        </a:spcAft>
+                      </a:pPr>
+                      <a:r>
+                        <a:rPr lang="it-IT" sz="1300">
+                          <a:effectLst/>
+                          <a:latin typeface="Calibri" panose="020F0502020204030204" pitchFamily="34" charset="0"/>
+                          <a:ea typeface="Calibri" panose="020F0502020204030204" pitchFamily="34" charset="0"/>
+                          <a:cs typeface="Times New Roman" panose="02020603050405020304" pitchFamily="18" charset="0"/>
+                        </a:rPr>
+                        <a:t>1</a:t>
+                      </a:r>
+                    </a:p>
+                  </a:txBody>
+                  <a:tcPr marL="84649" marR="84649" marT="0" marB="0">
+                    <a:lnL w="12700" cap="flat" cmpd="sng" algn="ctr">
+                      <a:solidFill>
+                        <a:srgbClr val="000000"/>
+                      </a:solidFill>
+                      <a:prstDash val="solid"/>
+                      <a:round/>
+                      <a:headEnd type="none" w="med" len="med"/>
+                      <a:tailEnd type="none" w="med" len="med"/>
+                    </a:lnL>
+                    <a:lnR w="12700" cap="flat" cmpd="sng" algn="ctr">
+                      <a:solidFill>
+                        <a:srgbClr val="000000"/>
+                      </a:solidFill>
+                      <a:prstDash val="solid"/>
+                      <a:round/>
+                      <a:headEnd type="none" w="med" len="med"/>
+                      <a:tailEnd type="none" w="med" len="med"/>
+                    </a:lnR>
+                    <a:lnT w="12700" cap="flat" cmpd="sng" algn="ctr">
+                      <a:solidFill>
+                        <a:srgbClr val="000000"/>
+                      </a:solidFill>
+                      <a:prstDash val="solid"/>
+                      <a:round/>
+                      <a:headEnd type="none" w="med" len="med"/>
+                      <a:tailEnd type="none" w="med" len="med"/>
+                    </a:lnT>
+                    <a:lnB w="12700" cap="flat" cmpd="sng" algn="ctr">
+                      <a:solidFill>
+                        <a:srgbClr val="000000"/>
+                      </a:solidFill>
+                      <a:prstDash val="solid"/>
+                      <a:round/>
+                      <a:headEnd type="none" w="med" len="med"/>
+                      <a:tailEnd type="none" w="med" len="med"/>
+                    </a:lnB>
+                  </a:tcPr>
+                </a:tc>
+                <a:tc>
+                  <a:txBody>
+                    <a:bodyPr/>
+                    <a:lstStyle/>
+                    <a:p>
+                      <a:pPr>
+                        <a:lnSpc>
+                          <a:spcPct val="107000"/>
+                        </a:lnSpc>
+                        <a:spcAft>
+                          <a:spcPts val="800"/>
+                        </a:spcAft>
+                      </a:pPr>
+                      <a:r>
+                        <a:rPr lang="it-IT" sz="1300">
+                          <a:effectLst/>
+                          <a:latin typeface="Calibri" panose="020F0502020204030204" pitchFamily="34" charset="0"/>
+                          <a:ea typeface="Calibri" panose="020F0502020204030204" pitchFamily="34" charset="0"/>
+                          <a:cs typeface="Times New Roman" panose="02020603050405020304" pitchFamily="18" charset="0"/>
+                        </a:rPr>
+                        <a:t>0</a:t>
+                      </a:r>
+                    </a:p>
+                  </a:txBody>
+                  <a:tcPr marL="84649" marR="84649" marT="0" marB="0">
+                    <a:lnL w="12700" cap="flat" cmpd="sng" algn="ctr">
+                      <a:solidFill>
+                        <a:srgbClr val="000000"/>
+                      </a:solidFill>
+                      <a:prstDash val="solid"/>
+                      <a:round/>
+                      <a:headEnd type="none" w="med" len="med"/>
+                      <a:tailEnd type="none" w="med" len="med"/>
+                    </a:lnL>
+                    <a:lnR w="12700" cap="flat" cmpd="sng" algn="ctr">
+                      <a:solidFill>
+                        <a:srgbClr val="000000"/>
+                      </a:solidFill>
+                      <a:prstDash val="solid"/>
+                      <a:round/>
+                      <a:headEnd type="none" w="med" len="med"/>
+                      <a:tailEnd type="none" w="med" len="med"/>
+                    </a:lnR>
+                    <a:lnT w="12700" cap="flat" cmpd="sng" algn="ctr">
+                      <a:solidFill>
+                        <a:srgbClr val="000000"/>
+                      </a:solidFill>
+                      <a:prstDash val="solid"/>
+                      <a:round/>
+                      <a:headEnd type="none" w="med" len="med"/>
+                      <a:tailEnd type="none" w="med" len="med"/>
+                    </a:lnT>
+                    <a:lnB w="12700" cap="flat" cmpd="sng" algn="ctr">
+                      <a:solidFill>
+                        <a:srgbClr val="000000"/>
+                      </a:solidFill>
+                      <a:prstDash val="solid"/>
+                      <a:round/>
+                      <a:headEnd type="none" w="med" len="med"/>
+                      <a:tailEnd type="none" w="med" len="med"/>
+                    </a:lnB>
+                  </a:tcPr>
+                </a:tc>
+                <a:extLst>
+                  <a:ext uri="{0D108BD9-81ED-4DB2-BD59-A6C34878D82A}">
+                    <a16:rowId xmlns:a16="http://schemas.microsoft.com/office/drawing/2014/main" val="2801302474"/>
+                  </a:ext>
+                </a:extLst>
+              </a:tr>
+              <a:tr h="211623">
+                <a:tc>
+                  <a:txBody>
+                    <a:bodyPr/>
+                    <a:lstStyle/>
+                    <a:p>
+                      <a:pPr>
+                        <a:lnSpc>
+                          <a:spcPct val="107000"/>
+                        </a:lnSpc>
+                        <a:spcAft>
+                          <a:spcPts val="800"/>
+                        </a:spcAft>
+                      </a:pPr>
+                      <a:r>
+                        <a:rPr lang="it-IT" sz="1300">
+                          <a:effectLst/>
+                          <a:latin typeface="Calibri" panose="020F0502020204030204" pitchFamily="34" charset="0"/>
+                          <a:ea typeface="Calibri" panose="020F0502020204030204" pitchFamily="34" charset="0"/>
+                          <a:cs typeface="Times New Roman" panose="02020603050405020304" pitchFamily="18" charset="0"/>
+                        </a:rPr>
+                        <a:t>0</a:t>
+                      </a:r>
+                    </a:p>
+                  </a:txBody>
+                  <a:tcPr marL="84649" marR="84649" marT="0" marB="0">
+                    <a:lnL w="12700" cap="flat" cmpd="sng" algn="ctr">
+                      <a:solidFill>
+                        <a:srgbClr val="000000"/>
+                      </a:solidFill>
+                      <a:prstDash val="solid"/>
+                      <a:round/>
+                      <a:headEnd type="none" w="med" len="med"/>
+                      <a:tailEnd type="none" w="med" len="med"/>
+                    </a:lnL>
+                    <a:lnR w="12700" cap="flat" cmpd="sng" algn="ctr">
+                      <a:solidFill>
+                        <a:srgbClr val="000000"/>
+                      </a:solidFill>
+                      <a:prstDash val="solid"/>
+                      <a:round/>
+                      <a:headEnd type="none" w="med" len="med"/>
+                      <a:tailEnd type="none" w="med" len="med"/>
+                    </a:lnR>
+                    <a:lnT w="12700" cap="flat" cmpd="sng" algn="ctr">
+                      <a:solidFill>
+                        <a:srgbClr val="000000"/>
+                      </a:solidFill>
+                      <a:prstDash val="solid"/>
+                      <a:round/>
+                      <a:headEnd type="none" w="med" len="med"/>
+                      <a:tailEnd type="none" w="med" len="med"/>
+                    </a:lnT>
+                    <a:lnB w="12700" cap="flat" cmpd="sng" algn="ctr">
+                      <a:solidFill>
+                        <a:srgbClr val="000000"/>
+                      </a:solidFill>
+                      <a:prstDash val="solid"/>
+                      <a:round/>
+                      <a:headEnd type="none" w="med" len="med"/>
+                      <a:tailEnd type="none" w="med" len="med"/>
+                    </a:lnB>
+                  </a:tcPr>
+                </a:tc>
+                <a:tc>
+                  <a:txBody>
+                    <a:bodyPr/>
+                    <a:lstStyle/>
+                    <a:p>
+                      <a:pPr>
+                        <a:lnSpc>
+                          <a:spcPct val="107000"/>
+                        </a:lnSpc>
+                        <a:spcAft>
+                          <a:spcPts val="800"/>
+                        </a:spcAft>
+                      </a:pPr>
+                      <a:r>
+                        <a:rPr lang="it-IT" sz="1300">
+                          <a:effectLst/>
+                          <a:latin typeface="Calibri" panose="020F0502020204030204" pitchFamily="34" charset="0"/>
+                          <a:ea typeface="Calibri" panose="020F0502020204030204" pitchFamily="34" charset="0"/>
+                          <a:cs typeface="Times New Roman" panose="02020603050405020304" pitchFamily="18" charset="0"/>
+                        </a:rPr>
+                        <a:t>0</a:t>
+                      </a:r>
+                    </a:p>
+                  </a:txBody>
+                  <a:tcPr marL="84649" marR="84649" marT="0" marB="0">
+                    <a:lnL w="12700" cap="flat" cmpd="sng" algn="ctr">
+                      <a:solidFill>
+                        <a:srgbClr val="000000"/>
+                      </a:solidFill>
+                      <a:prstDash val="solid"/>
+                      <a:round/>
+                      <a:headEnd type="none" w="med" len="med"/>
+                      <a:tailEnd type="none" w="med" len="med"/>
+                    </a:lnL>
+                    <a:lnR w="12700" cap="flat" cmpd="sng" algn="ctr">
+                      <a:solidFill>
+                        <a:srgbClr val="000000"/>
+                      </a:solidFill>
+                      <a:prstDash val="solid"/>
+                      <a:round/>
+                      <a:headEnd type="none" w="med" len="med"/>
+                      <a:tailEnd type="none" w="med" len="med"/>
+                    </a:lnR>
+                    <a:lnT w="12700" cap="flat" cmpd="sng" algn="ctr">
+                      <a:solidFill>
+                        <a:srgbClr val="000000"/>
+                      </a:solidFill>
+                      <a:prstDash val="solid"/>
+                      <a:round/>
+                      <a:headEnd type="none" w="med" len="med"/>
+                      <a:tailEnd type="none" w="med" len="med"/>
+                    </a:lnT>
+                    <a:lnB w="12700" cap="flat" cmpd="sng" algn="ctr">
+                      <a:solidFill>
+                        <a:srgbClr val="000000"/>
+                      </a:solidFill>
+                      <a:prstDash val="solid"/>
+                      <a:round/>
+                      <a:headEnd type="none" w="med" len="med"/>
+                      <a:tailEnd type="none" w="med" len="med"/>
+                    </a:lnB>
+                  </a:tcPr>
+                </a:tc>
+                <a:tc>
+                  <a:txBody>
+                    <a:bodyPr/>
+                    <a:lstStyle/>
+                    <a:p>
+                      <a:pPr>
+                        <a:lnSpc>
+                          <a:spcPct val="107000"/>
+                        </a:lnSpc>
+                        <a:spcAft>
+                          <a:spcPts val="800"/>
+                        </a:spcAft>
+                      </a:pPr>
+                      <a:r>
+                        <a:rPr lang="it-IT" sz="1300">
+                          <a:effectLst/>
+                          <a:latin typeface="Calibri" panose="020F0502020204030204" pitchFamily="34" charset="0"/>
+                          <a:ea typeface="Calibri" panose="020F0502020204030204" pitchFamily="34" charset="0"/>
+                          <a:cs typeface="Times New Roman" panose="02020603050405020304" pitchFamily="18" charset="0"/>
+                        </a:rPr>
+                        <a:t>0</a:t>
+                      </a:r>
+                    </a:p>
+                  </a:txBody>
+                  <a:tcPr marL="84649" marR="84649" marT="0" marB="0">
+                    <a:lnL w="12700" cap="flat" cmpd="sng" algn="ctr">
+                      <a:solidFill>
+                        <a:srgbClr val="000000"/>
+                      </a:solidFill>
+                      <a:prstDash val="solid"/>
+                      <a:round/>
+                      <a:headEnd type="none" w="med" len="med"/>
+                      <a:tailEnd type="none" w="med" len="med"/>
+                    </a:lnL>
+                    <a:lnR w="12700" cap="flat" cmpd="sng" algn="ctr">
+                      <a:solidFill>
+                        <a:srgbClr val="000000"/>
+                      </a:solidFill>
+                      <a:prstDash val="solid"/>
+                      <a:round/>
+                      <a:headEnd type="none" w="med" len="med"/>
+                      <a:tailEnd type="none" w="med" len="med"/>
+                    </a:lnR>
+                    <a:lnT w="12700" cap="flat" cmpd="sng" algn="ctr">
+                      <a:solidFill>
+                        <a:srgbClr val="000000"/>
+                      </a:solidFill>
+                      <a:prstDash val="solid"/>
+                      <a:round/>
+                      <a:headEnd type="none" w="med" len="med"/>
+                      <a:tailEnd type="none" w="med" len="med"/>
+                    </a:lnT>
+                    <a:lnB w="12700" cap="flat" cmpd="sng" algn="ctr">
+                      <a:solidFill>
+                        <a:srgbClr val="000000"/>
+                      </a:solidFill>
+                      <a:prstDash val="solid"/>
+                      <a:round/>
+                      <a:headEnd type="none" w="med" len="med"/>
+                      <a:tailEnd type="none" w="med" len="med"/>
+                    </a:lnB>
+                  </a:tcPr>
+                </a:tc>
+                <a:tc>
+                  <a:txBody>
+                    <a:bodyPr/>
+                    <a:lstStyle/>
+                    <a:p>
+                      <a:pPr>
+                        <a:lnSpc>
+                          <a:spcPct val="107000"/>
+                        </a:lnSpc>
+                        <a:spcAft>
+                          <a:spcPts val="800"/>
+                        </a:spcAft>
+                      </a:pPr>
+                      <a:r>
+                        <a:rPr lang="it-IT" sz="1300">
+                          <a:effectLst/>
+                          <a:latin typeface="Calibri" panose="020F0502020204030204" pitchFamily="34" charset="0"/>
+                          <a:ea typeface="Calibri" panose="020F0502020204030204" pitchFamily="34" charset="0"/>
+                          <a:cs typeface="Times New Roman" panose="02020603050405020304" pitchFamily="18" charset="0"/>
+                        </a:rPr>
+                        <a:t>1</a:t>
+                      </a:r>
+                    </a:p>
+                  </a:txBody>
+                  <a:tcPr marL="84649" marR="84649" marT="0" marB="0">
+                    <a:lnL w="12700" cap="flat" cmpd="sng" algn="ctr">
+                      <a:solidFill>
+                        <a:srgbClr val="000000"/>
+                      </a:solidFill>
+                      <a:prstDash val="solid"/>
+                      <a:round/>
+                      <a:headEnd type="none" w="med" len="med"/>
+                      <a:tailEnd type="none" w="med" len="med"/>
+                    </a:lnL>
+                    <a:lnR w="12700" cap="flat" cmpd="sng" algn="ctr">
+                      <a:solidFill>
+                        <a:srgbClr val="000000"/>
+                      </a:solidFill>
+                      <a:prstDash val="solid"/>
+                      <a:round/>
+                      <a:headEnd type="none" w="med" len="med"/>
+                      <a:tailEnd type="none" w="med" len="med"/>
+                    </a:lnR>
+                    <a:lnT w="12700" cap="flat" cmpd="sng" algn="ctr">
+                      <a:solidFill>
+                        <a:srgbClr val="000000"/>
+                      </a:solidFill>
+                      <a:prstDash val="solid"/>
+                      <a:round/>
+                      <a:headEnd type="none" w="med" len="med"/>
+                      <a:tailEnd type="none" w="med" len="med"/>
+                    </a:lnT>
+                    <a:lnB w="12700" cap="flat" cmpd="sng" algn="ctr">
+                      <a:solidFill>
+                        <a:srgbClr val="000000"/>
+                      </a:solidFill>
+                      <a:prstDash val="solid"/>
+                      <a:round/>
+                      <a:headEnd type="none" w="med" len="med"/>
+                      <a:tailEnd type="none" w="med" len="med"/>
+                    </a:lnB>
+                  </a:tcPr>
+                </a:tc>
+                <a:tc>
+                  <a:txBody>
+                    <a:bodyPr/>
+                    <a:lstStyle/>
+                    <a:p>
+                      <a:pPr>
+                        <a:lnSpc>
+                          <a:spcPct val="107000"/>
+                        </a:lnSpc>
+                        <a:spcAft>
+                          <a:spcPts val="800"/>
+                        </a:spcAft>
+                      </a:pPr>
+                      <a:r>
+                        <a:rPr lang="it-IT" sz="1300">
+                          <a:effectLst/>
+                          <a:latin typeface="Calibri" panose="020F0502020204030204" pitchFamily="34" charset="0"/>
+                          <a:ea typeface="Calibri" panose="020F0502020204030204" pitchFamily="34" charset="0"/>
+                          <a:cs typeface="Times New Roman" panose="02020603050405020304" pitchFamily="18" charset="0"/>
+                        </a:rPr>
+                        <a:t>0</a:t>
+                      </a:r>
+                    </a:p>
+                  </a:txBody>
+                  <a:tcPr marL="84649" marR="84649" marT="0" marB="0">
+                    <a:lnL w="12700" cap="flat" cmpd="sng" algn="ctr">
+                      <a:solidFill>
+                        <a:srgbClr val="000000"/>
+                      </a:solidFill>
+                      <a:prstDash val="solid"/>
+                      <a:round/>
+                      <a:headEnd type="none" w="med" len="med"/>
+                      <a:tailEnd type="none" w="med" len="med"/>
+                    </a:lnL>
+                    <a:lnR w="12700" cap="flat" cmpd="sng" algn="ctr">
+                      <a:solidFill>
+                        <a:srgbClr val="000000"/>
+                      </a:solidFill>
+                      <a:prstDash val="solid"/>
+                      <a:round/>
+                      <a:headEnd type="none" w="med" len="med"/>
+                      <a:tailEnd type="none" w="med" len="med"/>
+                    </a:lnR>
+                    <a:lnT w="12700" cap="flat" cmpd="sng" algn="ctr">
+                      <a:solidFill>
+                        <a:srgbClr val="000000"/>
+                      </a:solidFill>
+                      <a:prstDash val="solid"/>
+                      <a:round/>
+                      <a:headEnd type="none" w="med" len="med"/>
+                      <a:tailEnd type="none" w="med" len="med"/>
+                    </a:lnT>
+                    <a:lnB w="12700" cap="flat" cmpd="sng" algn="ctr">
+                      <a:solidFill>
+                        <a:srgbClr val="000000"/>
+                      </a:solidFill>
+                      <a:prstDash val="solid"/>
+                      <a:round/>
+                      <a:headEnd type="none" w="med" len="med"/>
+                      <a:tailEnd type="none" w="med" len="med"/>
+                    </a:lnB>
+                  </a:tcPr>
+                </a:tc>
+                <a:tc>
+                  <a:txBody>
+                    <a:bodyPr/>
+                    <a:lstStyle/>
+                    <a:p>
+                      <a:pPr>
+                        <a:lnSpc>
+                          <a:spcPct val="107000"/>
+                        </a:lnSpc>
+                        <a:spcAft>
+                          <a:spcPts val="800"/>
+                        </a:spcAft>
+                      </a:pPr>
+                      <a:r>
+                        <a:rPr lang="it-IT" sz="1300">
+                          <a:effectLst/>
+                          <a:latin typeface="Calibri" panose="020F0502020204030204" pitchFamily="34" charset="0"/>
+                          <a:ea typeface="Calibri" panose="020F0502020204030204" pitchFamily="34" charset="0"/>
+                          <a:cs typeface="Times New Roman" panose="02020603050405020304" pitchFamily="18" charset="0"/>
+                        </a:rPr>
+                        <a:t>1</a:t>
+                      </a:r>
+                    </a:p>
+                  </a:txBody>
+                  <a:tcPr marL="84649" marR="84649" marT="0" marB="0">
+                    <a:lnL w="12700" cap="flat" cmpd="sng" algn="ctr">
+                      <a:solidFill>
+                        <a:srgbClr val="000000"/>
+                      </a:solidFill>
+                      <a:prstDash val="solid"/>
+                      <a:round/>
+                      <a:headEnd type="none" w="med" len="med"/>
+                      <a:tailEnd type="none" w="med" len="med"/>
+                    </a:lnL>
+                    <a:lnR w="12700" cap="flat" cmpd="sng" algn="ctr">
+                      <a:solidFill>
+                        <a:srgbClr val="000000"/>
+                      </a:solidFill>
+                      <a:prstDash val="solid"/>
+                      <a:round/>
+                      <a:headEnd type="none" w="med" len="med"/>
+                      <a:tailEnd type="none" w="med" len="med"/>
+                    </a:lnR>
+                    <a:lnT w="12700" cap="flat" cmpd="sng" algn="ctr">
+                      <a:solidFill>
+                        <a:srgbClr val="000000"/>
+                      </a:solidFill>
+                      <a:prstDash val="solid"/>
+                      <a:round/>
+                      <a:headEnd type="none" w="med" len="med"/>
+                      <a:tailEnd type="none" w="med" len="med"/>
+                    </a:lnT>
+                    <a:lnB w="12700" cap="flat" cmpd="sng" algn="ctr">
+                      <a:solidFill>
+                        <a:srgbClr val="000000"/>
+                      </a:solidFill>
+                      <a:prstDash val="solid"/>
+                      <a:round/>
+                      <a:headEnd type="none" w="med" len="med"/>
+                      <a:tailEnd type="none" w="med" len="med"/>
+                    </a:lnB>
+                  </a:tcPr>
+                </a:tc>
+                <a:tc>
+                  <a:txBody>
+                    <a:bodyPr/>
+                    <a:lstStyle/>
+                    <a:p>
+                      <a:pPr>
+                        <a:lnSpc>
+                          <a:spcPct val="107000"/>
+                        </a:lnSpc>
+                        <a:spcAft>
+                          <a:spcPts val="800"/>
+                        </a:spcAft>
+                      </a:pPr>
+                      <a:r>
+                        <a:rPr lang="it-IT" sz="1300">
+                          <a:effectLst/>
+                          <a:latin typeface="Calibri" panose="020F0502020204030204" pitchFamily="34" charset="0"/>
+                          <a:ea typeface="Calibri" panose="020F0502020204030204" pitchFamily="34" charset="0"/>
+                          <a:cs typeface="Times New Roman" panose="02020603050405020304" pitchFamily="18" charset="0"/>
+                        </a:rPr>
+                        <a:t>1</a:t>
+                      </a:r>
+                    </a:p>
+                  </a:txBody>
+                  <a:tcPr marL="84649" marR="84649" marT="0" marB="0">
+                    <a:lnL w="12700" cap="flat" cmpd="sng" algn="ctr">
+                      <a:solidFill>
+                        <a:srgbClr val="000000"/>
+                      </a:solidFill>
+                      <a:prstDash val="solid"/>
+                      <a:round/>
+                      <a:headEnd type="none" w="med" len="med"/>
+                      <a:tailEnd type="none" w="med" len="med"/>
+                    </a:lnL>
+                    <a:lnR w="12700" cap="flat" cmpd="sng" algn="ctr">
+                      <a:solidFill>
+                        <a:srgbClr val="000000"/>
+                      </a:solidFill>
+                      <a:prstDash val="solid"/>
+                      <a:round/>
+                      <a:headEnd type="none" w="med" len="med"/>
+                      <a:tailEnd type="none" w="med" len="med"/>
+                    </a:lnR>
+                    <a:lnT w="12700" cap="flat" cmpd="sng" algn="ctr">
+                      <a:solidFill>
+                        <a:srgbClr val="000000"/>
+                      </a:solidFill>
+                      <a:prstDash val="solid"/>
+                      <a:round/>
+                      <a:headEnd type="none" w="med" len="med"/>
+                      <a:tailEnd type="none" w="med" len="med"/>
+                    </a:lnT>
+                    <a:lnB w="12700" cap="flat" cmpd="sng" algn="ctr">
+                      <a:solidFill>
+                        <a:srgbClr val="000000"/>
+                      </a:solidFill>
+                      <a:prstDash val="solid"/>
+                      <a:round/>
+                      <a:headEnd type="none" w="med" len="med"/>
+                      <a:tailEnd type="none" w="med" len="med"/>
+                    </a:lnB>
+                  </a:tcPr>
+                </a:tc>
+                <a:tc>
+                  <a:txBody>
+                    <a:bodyPr/>
+                    <a:lstStyle/>
+                    <a:p>
+                      <a:pPr>
+                        <a:lnSpc>
+                          <a:spcPct val="107000"/>
+                        </a:lnSpc>
+                        <a:spcAft>
+                          <a:spcPts val="800"/>
+                        </a:spcAft>
+                      </a:pPr>
+                      <a:r>
+                        <a:rPr lang="it-IT" sz="1300">
+                          <a:effectLst/>
+                          <a:latin typeface="Calibri" panose="020F0502020204030204" pitchFamily="34" charset="0"/>
+                          <a:ea typeface="Calibri" panose="020F0502020204030204" pitchFamily="34" charset="0"/>
+                          <a:cs typeface="Times New Roman" panose="02020603050405020304" pitchFamily="18" charset="0"/>
+                        </a:rPr>
+                        <a:t>0</a:t>
+                      </a:r>
+                    </a:p>
+                  </a:txBody>
+                  <a:tcPr marL="84649" marR="84649" marT="0" marB="0">
+                    <a:lnL w="12700" cap="flat" cmpd="sng" algn="ctr">
+                      <a:solidFill>
+                        <a:srgbClr val="000000"/>
+                      </a:solidFill>
+                      <a:prstDash val="solid"/>
+                      <a:round/>
+                      <a:headEnd type="none" w="med" len="med"/>
+                      <a:tailEnd type="none" w="med" len="med"/>
+                    </a:lnL>
+                    <a:lnR w="12700" cap="flat" cmpd="sng" algn="ctr">
+                      <a:solidFill>
+                        <a:srgbClr val="000000"/>
+                      </a:solidFill>
+                      <a:prstDash val="solid"/>
+                      <a:round/>
+                      <a:headEnd type="none" w="med" len="med"/>
+                      <a:tailEnd type="none" w="med" len="med"/>
+                    </a:lnR>
+                    <a:lnT w="12700" cap="flat" cmpd="sng" algn="ctr">
+                      <a:solidFill>
+                        <a:srgbClr val="000000"/>
+                      </a:solidFill>
+                      <a:prstDash val="solid"/>
+                      <a:round/>
+                      <a:headEnd type="none" w="med" len="med"/>
+                      <a:tailEnd type="none" w="med" len="med"/>
+                    </a:lnT>
+                    <a:lnB w="12700" cap="flat" cmpd="sng" algn="ctr">
+                      <a:solidFill>
+                        <a:srgbClr val="000000"/>
+                      </a:solidFill>
+                      <a:prstDash val="solid"/>
+                      <a:round/>
+                      <a:headEnd type="none" w="med" len="med"/>
+                      <a:tailEnd type="none" w="med" len="med"/>
+                    </a:lnB>
+                  </a:tcPr>
+                </a:tc>
+                <a:tc>
+                  <a:txBody>
+                    <a:bodyPr/>
+                    <a:lstStyle/>
+                    <a:p>
+                      <a:pPr>
+                        <a:lnSpc>
+                          <a:spcPct val="107000"/>
+                        </a:lnSpc>
+                        <a:spcAft>
+                          <a:spcPts val="800"/>
+                        </a:spcAft>
+                      </a:pPr>
+                      <a:r>
+                        <a:rPr lang="it-IT" sz="1300">
+                          <a:effectLst/>
+                          <a:latin typeface="Calibri" panose="020F0502020204030204" pitchFamily="34" charset="0"/>
+                          <a:ea typeface="Calibri" panose="020F0502020204030204" pitchFamily="34" charset="0"/>
+                          <a:cs typeface="Times New Roman" panose="02020603050405020304" pitchFamily="18" charset="0"/>
+                        </a:rPr>
+                        <a:t>1</a:t>
+                      </a:r>
+                    </a:p>
+                  </a:txBody>
+                  <a:tcPr marL="84649" marR="84649" marT="0" marB="0">
+                    <a:lnL w="12700" cap="flat" cmpd="sng" algn="ctr">
+                      <a:solidFill>
+                        <a:srgbClr val="000000"/>
+                      </a:solidFill>
+                      <a:prstDash val="solid"/>
+                      <a:round/>
+                      <a:headEnd type="none" w="med" len="med"/>
+                      <a:tailEnd type="none" w="med" len="med"/>
+                    </a:lnL>
+                    <a:lnR w="12700" cap="flat" cmpd="sng" algn="ctr">
+                      <a:solidFill>
+                        <a:srgbClr val="000000"/>
+                      </a:solidFill>
+                      <a:prstDash val="solid"/>
+                      <a:round/>
+                      <a:headEnd type="none" w="med" len="med"/>
+                      <a:tailEnd type="none" w="med" len="med"/>
+                    </a:lnR>
+                    <a:lnT w="12700" cap="flat" cmpd="sng" algn="ctr">
+                      <a:solidFill>
+                        <a:srgbClr val="000000"/>
+                      </a:solidFill>
+                      <a:prstDash val="solid"/>
+                      <a:round/>
+                      <a:headEnd type="none" w="med" len="med"/>
+                      <a:tailEnd type="none" w="med" len="med"/>
+                    </a:lnT>
+                    <a:lnB w="12700" cap="flat" cmpd="sng" algn="ctr">
+                      <a:solidFill>
+                        <a:srgbClr val="000000"/>
+                      </a:solidFill>
+                      <a:prstDash val="solid"/>
+                      <a:round/>
+                      <a:headEnd type="none" w="med" len="med"/>
+                      <a:tailEnd type="none" w="med" len="med"/>
+                    </a:lnB>
+                  </a:tcPr>
+                </a:tc>
+                <a:extLst>
+                  <a:ext uri="{0D108BD9-81ED-4DB2-BD59-A6C34878D82A}">
+                    <a16:rowId xmlns:a16="http://schemas.microsoft.com/office/drawing/2014/main" val="1535593761"/>
+                  </a:ext>
+                </a:extLst>
+              </a:tr>
+              <a:tr h="211623">
+                <a:tc>
+                  <a:txBody>
+                    <a:bodyPr/>
+                    <a:lstStyle/>
+                    <a:p>
+                      <a:pPr>
+                        <a:lnSpc>
+                          <a:spcPct val="107000"/>
+                        </a:lnSpc>
+                        <a:spcAft>
+                          <a:spcPts val="800"/>
+                        </a:spcAft>
+                      </a:pPr>
+                      <a:r>
+                        <a:rPr lang="it-IT" sz="1300">
+                          <a:effectLst/>
+                          <a:latin typeface="Calibri" panose="020F0502020204030204" pitchFamily="34" charset="0"/>
+                          <a:ea typeface="Calibri" panose="020F0502020204030204" pitchFamily="34" charset="0"/>
+                          <a:cs typeface="Times New Roman" panose="02020603050405020304" pitchFamily="18" charset="0"/>
+                        </a:rPr>
+                        <a:t>1</a:t>
+                      </a:r>
+                    </a:p>
+                  </a:txBody>
+                  <a:tcPr marL="84649" marR="84649" marT="0" marB="0">
+                    <a:lnL w="12700" cap="flat" cmpd="sng" algn="ctr">
+                      <a:solidFill>
+                        <a:srgbClr val="000000"/>
+                      </a:solidFill>
+                      <a:prstDash val="solid"/>
+                      <a:round/>
+                      <a:headEnd type="none" w="med" len="med"/>
+                      <a:tailEnd type="none" w="med" len="med"/>
+                    </a:lnL>
+                    <a:lnR w="12700" cap="flat" cmpd="sng" algn="ctr">
+                      <a:solidFill>
+                        <a:srgbClr val="000000"/>
+                      </a:solidFill>
+                      <a:prstDash val="solid"/>
+                      <a:round/>
+                      <a:headEnd type="none" w="med" len="med"/>
+                      <a:tailEnd type="none" w="med" len="med"/>
+                    </a:lnR>
+                    <a:lnT w="12700" cap="flat" cmpd="sng" algn="ctr">
+                      <a:solidFill>
+                        <a:srgbClr val="000000"/>
+                      </a:solidFill>
+                      <a:prstDash val="solid"/>
+                      <a:round/>
+                      <a:headEnd type="none" w="med" len="med"/>
+                      <a:tailEnd type="none" w="med" len="med"/>
+                    </a:lnT>
+                    <a:lnB w="12700" cap="flat" cmpd="sng" algn="ctr">
+                      <a:solidFill>
+                        <a:srgbClr val="000000"/>
+                      </a:solidFill>
+                      <a:prstDash val="solid"/>
+                      <a:round/>
+                      <a:headEnd type="none" w="med" len="med"/>
+                      <a:tailEnd type="none" w="med" len="med"/>
+                    </a:lnB>
+                  </a:tcPr>
+                </a:tc>
+                <a:tc>
+                  <a:txBody>
+                    <a:bodyPr/>
+                    <a:lstStyle/>
+                    <a:p>
+                      <a:pPr>
+                        <a:lnSpc>
+                          <a:spcPct val="107000"/>
+                        </a:lnSpc>
+                        <a:spcAft>
+                          <a:spcPts val="800"/>
+                        </a:spcAft>
+                      </a:pPr>
+                      <a:r>
+                        <a:rPr lang="it-IT" sz="1300">
+                          <a:effectLst/>
+                          <a:latin typeface="Calibri" panose="020F0502020204030204" pitchFamily="34" charset="0"/>
+                          <a:ea typeface="Calibri" panose="020F0502020204030204" pitchFamily="34" charset="0"/>
+                          <a:cs typeface="Times New Roman" panose="02020603050405020304" pitchFamily="18" charset="0"/>
+                        </a:rPr>
+                        <a:t>1</a:t>
+                      </a:r>
+                    </a:p>
+                  </a:txBody>
+                  <a:tcPr marL="84649" marR="84649" marT="0" marB="0">
+                    <a:lnL w="12700" cap="flat" cmpd="sng" algn="ctr">
+                      <a:solidFill>
+                        <a:srgbClr val="000000"/>
+                      </a:solidFill>
+                      <a:prstDash val="solid"/>
+                      <a:round/>
+                      <a:headEnd type="none" w="med" len="med"/>
+                      <a:tailEnd type="none" w="med" len="med"/>
+                    </a:lnL>
+                    <a:lnR w="12700" cap="flat" cmpd="sng" algn="ctr">
+                      <a:solidFill>
+                        <a:srgbClr val="000000"/>
+                      </a:solidFill>
+                      <a:prstDash val="solid"/>
+                      <a:round/>
+                      <a:headEnd type="none" w="med" len="med"/>
+                      <a:tailEnd type="none" w="med" len="med"/>
+                    </a:lnR>
+                    <a:lnT w="12700" cap="flat" cmpd="sng" algn="ctr">
+                      <a:solidFill>
+                        <a:srgbClr val="000000"/>
+                      </a:solidFill>
+                      <a:prstDash val="solid"/>
+                      <a:round/>
+                      <a:headEnd type="none" w="med" len="med"/>
+                      <a:tailEnd type="none" w="med" len="med"/>
+                    </a:lnT>
+                    <a:lnB w="12700" cap="flat" cmpd="sng" algn="ctr">
+                      <a:solidFill>
+                        <a:srgbClr val="000000"/>
+                      </a:solidFill>
+                      <a:prstDash val="solid"/>
+                      <a:round/>
+                      <a:headEnd type="none" w="med" len="med"/>
+                      <a:tailEnd type="none" w="med" len="med"/>
+                    </a:lnB>
+                  </a:tcPr>
+                </a:tc>
+                <a:tc>
+                  <a:txBody>
+                    <a:bodyPr/>
+                    <a:lstStyle/>
+                    <a:p>
+                      <a:pPr>
+                        <a:lnSpc>
+                          <a:spcPct val="107000"/>
+                        </a:lnSpc>
+                        <a:spcAft>
+                          <a:spcPts val="800"/>
+                        </a:spcAft>
+                      </a:pPr>
+                      <a:r>
+                        <a:rPr lang="it-IT" sz="1300">
+                          <a:effectLst/>
+                          <a:latin typeface="Calibri" panose="020F0502020204030204" pitchFamily="34" charset="0"/>
+                          <a:ea typeface="Calibri" panose="020F0502020204030204" pitchFamily="34" charset="0"/>
+                          <a:cs typeface="Times New Roman" panose="02020603050405020304" pitchFamily="18" charset="0"/>
+                        </a:rPr>
+                        <a:t>0</a:t>
+                      </a:r>
+                    </a:p>
+                  </a:txBody>
+                  <a:tcPr marL="84649" marR="84649" marT="0" marB="0">
+                    <a:lnL w="12700" cap="flat" cmpd="sng" algn="ctr">
+                      <a:solidFill>
+                        <a:srgbClr val="000000"/>
+                      </a:solidFill>
+                      <a:prstDash val="solid"/>
+                      <a:round/>
+                      <a:headEnd type="none" w="med" len="med"/>
+                      <a:tailEnd type="none" w="med" len="med"/>
+                    </a:lnL>
+                    <a:lnR w="12700" cap="flat" cmpd="sng" algn="ctr">
+                      <a:solidFill>
+                        <a:srgbClr val="000000"/>
+                      </a:solidFill>
+                      <a:prstDash val="solid"/>
+                      <a:round/>
+                      <a:headEnd type="none" w="med" len="med"/>
+                      <a:tailEnd type="none" w="med" len="med"/>
+                    </a:lnR>
+                    <a:lnT w="12700" cap="flat" cmpd="sng" algn="ctr">
+                      <a:solidFill>
+                        <a:srgbClr val="000000"/>
+                      </a:solidFill>
+                      <a:prstDash val="solid"/>
+                      <a:round/>
+                      <a:headEnd type="none" w="med" len="med"/>
+                      <a:tailEnd type="none" w="med" len="med"/>
+                    </a:lnT>
+                    <a:lnB w="12700" cap="flat" cmpd="sng" algn="ctr">
+                      <a:solidFill>
+                        <a:srgbClr val="000000"/>
+                      </a:solidFill>
+                      <a:prstDash val="solid"/>
+                      <a:round/>
+                      <a:headEnd type="none" w="med" len="med"/>
+                      <a:tailEnd type="none" w="med" len="med"/>
+                    </a:lnB>
+                  </a:tcPr>
+                </a:tc>
+                <a:tc>
+                  <a:txBody>
+                    <a:bodyPr/>
+                    <a:lstStyle/>
+                    <a:p>
+                      <a:pPr>
+                        <a:lnSpc>
+                          <a:spcPct val="107000"/>
+                        </a:lnSpc>
+                        <a:spcAft>
+                          <a:spcPts val="800"/>
+                        </a:spcAft>
+                      </a:pPr>
+                      <a:r>
+                        <a:rPr lang="it-IT" sz="1300">
+                          <a:effectLst/>
+                          <a:latin typeface="Calibri" panose="020F0502020204030204" pitchFamily="34" charset="0"/>
+                          <a:ea typeface="Calibri" panose="020F0502020204030204" pitchFamily="34" charset="0"/>
+                          <a:cs typeface="Times New Roman" panose="02020603050405020304" pitchFamily="18" charset="0"/>
+                        </a:rPr>
+                        <a:t>0</a:t>
+                      </a:r>
+                    </a:p>
+                  </a:txBody>
+                  <a:tcPr marL="84649" marR="84649" marT="0" marB="0">
+                    <a:lnL w="12700" cap="flat" cmpd="sng" algn="ctr">
+                      <a:solidFill>
+                        <a:srgbClr val="000000"/>
+                      </a:solidFill>
+                      <a:prstDash val="solid"/>
+                      <a:round/>
+                      <a:headEnd type="none" w="med" len="med"/>
+                      <a:tailEnd type="none" w="med" len="med"/>
+                    </a:lnL>
+                    <a:lnR w="12700" cap="flat" cmpd="sng" algn="ctr">
+                      <a:solidFill>
+                        <a:srgbClr val="000000"/>
+                      </a:solidFill>
+                      <a:prstDash val="solid"/>
+                      <a:round/>
+                      <a:headEnd type="none" w="med" len="med"/>
+                      <a:tailEnd type="none" w="med" len="med"/>
+                    </a:lnR>
+                    <a:lnT w="12700" cap="flat" cmpd="sng" algn="ctr">
+                      <a:solidFill>
+                        <a:srgbClr val="000000"/>
+                      </a:solidFill>
+                      <a:prstDash val="solid"/>
+                      <a:round/>
+                      <a:headEnd type="none" w="med" len="med"/>
+                      <a:tailEnd type="none" w="med" len="med"/>
+                    </a:lnT>
+                    <a:lnB w="12700" cap="flat" cmpd="sng" algn="ctr">
+                      <a:solidFill>
+                        <a:srgbClr val="000000"/>
+                      </a:solidFill>
+                      <a:prstDash val="solid"/>
+                      <a:round/>
+                      <a:headEnd type="none" w="med" len="med"/>
+                      <a:tailEnd type="none" w="med" len="med"/>
+                    </a:lnB>
+                  </a:tcPr>
+                </a:tc>
+                <a:tc>
+                  <a:txBody>
+                    <a:bodyPr/>
+                    <a:lstStyle/>
+                    <a:p>
+                      <a:pPr>
+                        <a:lnSpc>
+                          <a:spcPct val="107000"/>
+                        </a:lnSpc>
+                        <a:spcAft>
+                          <a:spcPts val="800"/>
+                        </a:spcAft>
+                      </a:pPr>
+                      <a:r>
+                        <a:rPr lang="it-IT" sz="1300">
+                          <a:effectLst/>
+                          <a:latin typeface="Calibri" panose="020F0502020204030204" pitchFamily="34" charset="0"/>
+                          <a:ea typeface="Calibri" panose="020F0502020204030204" pitchFamily="34" charset="0"/>
+                          <a:cs typeface="Times New Roman" panose="02020603050405020304" pitchFamily="18" charset="0"/>
+                        </a:rPr>
+                        <a:t>1</a:t>
+                      </a:r>
+                    </a:p>
+                  </a:txBody>
+                  <a:tcPr marL="84649" marR="84649" marT="0" marB="0">
+                    <a:lnL w="12700" cap="flat" cmpd="sng" algn="ctr">
+                      <a:solidFill>
+                        <a:srgbClr val="000000"/>
+                      </a:solidFill>
+                      <a:prstDash val="solid"/>
+                      <a:round/>
+                      <a:headEnd type="none" w="med" len="med"/>
+                      <a:tailEnd type="none" w="med" len="med"/>
+                    </a:lnL>
+                    <a:lnR w="12700" cap="flat" cmpd="sng" algn="ctr">
+                      <a:solidFill>
+                        <a:srgbClr val="000000"/>
+                      </a:solidFill>
+                      <a:prstDash val="solid"/>
+                      <a:round/>
+                      <a:headEnd type="none" w="med" len="med"/>
+                      <a:tailEnd type="none" w="med" len="med"/>
+                    </a:lnR>
+                    <a:lnT w="12700" cap="flat" cmpd="sng" algn="ctr">
+                      <a:solidFill>
+                        <a:srgbClr val="000000"/>
+                      </a:solidFill>
+                      <a:prstDash val="solid"/>
+                      <a:round/>
+                      <a:headEnd type="none" w="med" len="med"/>
+                      <a:tailEnd type="none" w="med" len="med"/>
+                    </a:lnT>
+                    <a:lnB w="12700" cap="flat" cmpd="sng" algn="ctr">
+                      <a:solidFill>
+                        <a:srgbClr val="000000"/>
+                      </a:solidFill>
+                      <a:prstDash val="solid"/>
+                      <a:round/>
+                      <a:headEnd type="none" w="med" len="med"/>
+                      <a:tailEnd type="none" w="med" len="med"/>
+                    </a:lnB>
+                  </a:tcPr>
+                </a:tc>
+                <a:tc>
+                  <a:txBody>
+                    <a:bodyPr/>
+                    <a:lstStyle/>
+                    <a:p>
+                      <a:pPr>
+                        <a:lnSpc>
+                          <a:spcPct val="107000"/>
+                        </a:lnSpc>
+                        <a:spcAft>
+                          <a:spcPts val="800"/>
+                        </a:spcAft>
+                      </a:pPr>
+                      <a:r>
+                        <a:rPr lang="it-IT" sz="1300">
+                          <a:effectLst/>
+                          <a:latin typeface="Calibri" panose="020F0502020204030204" pitchFamily="34" charset="0"/>
+                          <a:ea typeface="Calibri" panose="020F0502020204030204" pitchFamily="34" charset="0"/>
+                          <a:cs typeface="Times New Roman" panose="02020603050405020304" pitchFamily="18" charset="0"/>
+                        </a:rPr>
+                        <a:t>1</a:t>
+                      </a:r>
+                    </a:p>
+                  </a:txBody>
+                  <a:tcPr marL="84649" marR="84649" marT="0" marB="0">
+                    <a:lnL w="12700" cap="flat" cmpd="sng" algn="ctr">
+                      <a:solidFill>
+                        <a:srgbClr val="000000"/>
+                      </a:solidFill>
+                      <a:prstDash val="solid"/>
+                      <a:round/>
+                      <a:headEnd type="none" w="med" len="med"/>
+                      <a:tailEnd type="none" w="med" len="med"/>
+                    </a:lnL>
+                    <a:lnR w="12700" cap="flat" cmpd="sng" algn="ctr">
+                      <a:solidFill>
+                        <a:srgbClr val="000000"/>
+                      </a:solidFill>
+                      <a:prstDash val="solid"/>
+                      <a:round/>
+                      <a:headEnd type="none" w="med" len="med"/>
+                      <a:tailEnd type="none" w="med" len="med"/>
+                    </a:lnR>
+                    <a:lnT w="12700" cap="flat" cmpd="sng" algn="ctr">
+                      <a:solidFill>
+                        <a:srgbClr val="000000"/>
+                      </a:solidFill>
+                      <a:prstDash val="solid"/>
+                      <a:round/>
+                      <a:headEnd type="none" w="med" len="med"/>
+                      <a:tailEnd type="none" w="med" len="med"/>
+                    </a:lnT>
+                    <a:lnB w="12700" cap="flat" cmpd="sng" algn="ctr">
+                      <a:solidFill>
+                        <a:srgbClr val="000000"/>
+                      </a:solidFill>
+                      <a:prstDash val="solid"/>
+                      <a:round/>
+                      <a:headEnd type="none" w="med" len="med"/>
+                      <a:tailEnd type="none" w="med" len="med"/>
+                    </a:lnB>
+                  </a:tcPr>
+                </a:tc>
+                <a:tc>
+                  <a:txBody>
+                    <a:bodyPr/>
+                    <a:lstStyle/>
+                    <a:p>
+                      <a:pPr>
+                        <a:lnSpc>
+                          <a:spcPct val="107000"/>
+                        </a:lnSpc>
+                        <a:spcAft>
+                          <a:spcPts val="800"/>
+                        </a:spcAft>
+                      </a:pPr>
+                      <a:r>
+                        <a:rPr lang="it-IT" sz="1300">
+                          <a:effectLst/>
+                          <a:latin typeface="Calibri" panose="020F0502020204030204" pitchFamily="34" charset="0"/>
+                          <a:ea typeface="Calibri" panose="020F0502020204030204" pitchFamily="34" charset="0"/>
+                          <a:cs typeface="Times New Roman" panose="02020603050405020304" pitchFamily="18" charset="0"/>
+                        </a:rPr>
+                        <a:t>0</a:t>
+                      </a:r>
+                    </a:p>
+                  </a:txBody>
+                  <a:tcPr marL="84649" marR="84649" marT="0" marB="0">
+                    <a:lnL w="12700" cap="flat" cmpd="sng" algn="ctr">
+                      <a:solidFill>
+                        <a:srgbClr val="000000"/>
+                      </a:solidFill>
+                      <a:prstDash val="solid"/>
+                      <a:round/>
+                      <a:headEnd type="none" w="med" len="med"/>
+                      <a:tailEnd type="none" w="med" len="med"/>
+                    </a:lnL>
+                    <a:lnR w="12700" cap="flat" cmpd="sng" algn="ctr">
+                      <a:solidFill>
+                        <a:srgbClr val="000000"/>
+                      </a:solidFill>
+                      <a:prstDash val="solid"/>
+                      <a:round/>
+                      <a:headEnd type="none" w="med" len="med"/>
+                      <a:tailEnd type="none" w="med" len="med"/>
+                    </a:lnR>
+                    <a:lnT w="12700" cap="flat" cmpd="sng" algn="ctr">
+                      <a:solidFill>
+                        <a:srgbClr val="000000"/>
+                      </a:solidFill>
+                      <a:prstDash val="solid"/>
+                      <a:round/>
+                      <a:headEnd type="none" w="med" len="med"/>
+                      <a:tailEnd type="none" w="med" len="med"/>
+                    </a:lnT>
+                    <a:lnB w="12700" cap="flat" cmpd="sng" algn="ctr">
+                      <a:solidFill>
+                        <a:srgbClr val="000000"/>
+                      </a:solidFill>
+                      <a:prstDash val="solid"/>
+                      <a:round/>
+                      <a:headEnd type="none" w="med" len="med"/>
+                      <a:tailEnd type="none" w="med" len="med"/>
+                    </a:lnB>
+                  </a:tcPr>
+                </a:tc>
+                <a:tc>
+                  <a:txBody>
+                    <a:bodyPr/>
+                    <a:lstStyle/>
+                    <a:p>
+                      <a:pPr>
+                        <a:lnSpc>
+                          <a:spcPct val="107000"/>
+                        </a:lnSpc>
+                        <a:spcAft>
+                          <a:spcPts val="800"/>
+                        </a:spcAft>
+                      </a:pPr>
+                      <a:r>
+                        <a:rPr lang="it-IT" sz="1300">
+                          <a:effectLst/>
+                          <a:latin typeface="Calibri" panose="020F0502020204030204" pitchFamily="34" charset="0"/>
+                          <a:ea typeface="Calibri" panose="020F0502020204030204" pitchFamily="34" charset="0"/>
+                          <a:cs typeface="Times New Roman" panose="02020603050405020304" pitchFamily="18" charset="0"/>
+                        </a:rPr>
+                        <a:t>1</a:t>
+                      </a:r>
+                    </a:p>
+                  </a:txBody>
+                  <a:tcPr marL="84649" marR="84649" marT="0" marB="0">
+                    <a:lnL w="12700" cap="flat" cmpd="sng" algn="ctr">
+                      <a:solidFill>
+                        <a:srgbClr val="000000"/>
+                      </a:solidFill>
+                      <a:prstDash val="solid"/>
+                      <a:round/>
+                      <a:headEnd type="none" w="med" len="med"/>
+                      <a:tailEnd type="none" w="med" len="med"/>
+                    </a:lnL>
+                    <a:lnR w="12700" cap="flat" cmpd="sng" algn="ctr">
+                      <a:solidFill>
+                        <a:srgbClr val="000000"/>
+                      </a:solidFill>
+                      <a:prstDash val="solid"/>
+                      <a:round/>
+                      <a:headEnd type="none" w="med" len="med"/>
+                      <a:tailEnd type="none" w="med" len="med"/>
+                    </a:lnR>
+                    <a:lnT w="12700" cap="flat" cmpd="sng" algn="ctr">
+                      <a:solidFill>
+                        <a:srgbClr val="000000"/>
+                      </a:solidFill>
+                      <a:prstDash val="solid"/>
+                      <a:round/>
+                      <a:headEnd type="none" w="med" len="med"/>
+                      <a:tailEnd type="none" w="med" len="med"/>
+                    </a:lnT>
+                    <a:lnB w="12700" cap="flat" cmpd="sng" algn="ctr">
+                      <a:solidFill>
+                        <a:srgbClr val="000000"/>
+                      </a:solidFill>
+                      <a:prstDash val="solid"/>
+                      <a:round/>
+                      <a:headEnd type="none" w="med" len="med"/>
+                      <a:tailEnd type="none" w="med" len="med"/>
+                    </a:lnB>
+                  </a:tcPr>
+                </a:tc>
+                <a:tc>
+                  <a:txBody>
+                    <a:bodyPr/>
+                    <a:lstStyle/>
+                    <a:p>
+                      <a:pPr>
+                        <a:lnSpc>
+                          <a:spcPct val="107000"/>
+                        </a:lnSpc>
+                        <a:spcAft>
+                          <a:spcPts val="800"/>
+                        </a:spcAft>
+                      </a:pPr>
+                      <a:r>
+                        <a:rPr lang="it-IT" sz="1300">
+                          <a:effectLst/>
+                          <a:latin typeface="Calibri" panose="020F0502020204030204" pitchFamily="34" charset="0"/>
+                          <a:ea typeface="Calibri" panose="020F0502020204030204" pitchFamily="34" charset="0"/>
+                          <a:cs typeface="Times New Roman" panose="02020603050405020304" pitchFamily="18" charset="0"/>
+                        </a:rPr>
+                        <a:t>0</a:t>
+                      </a:r>
+                    </a:p>
+                  </a:txBody>
+                  <a:tcPr marL="84649" marR="84649" marT="0" marB="0">
+                    <a:lnL w="12700" cap="flat" cmpd="sng" algn="ctr">
+                      <a:solidFill>
+                        <a:srgbClr val="000000"/>
+                      </a:solidFill>
+                      <a:prstDash val="solid"/>
+                      <a:round/>
+                      <a:headEnd type="none" w="med" len="med"/>
+                      <a:tailEnd type="none" w="med" len="med"/>
+                    </a:lnL>
+                    <a:lnR w="12700" cap="flat" cmpd="sng" algn="ctr">
+                      <a:solidFill>
+                        <a:srgbClr val="000000"/>
+                      </a:solidFill>
+                      <a:prstDash val="solid"/>
+                      <a:round/>
+                      <a:headEnd type="none" w="med" len="med"/>
+                      <a:tailEnd type="none" w="med" len="med"/>
+                    </a:lnR>
+                    <a:lnT w="12700" cap="flat" cmpd="sng" algn="ctr">
+                      <a:solidFill>
+                        <a:srgbClr val="000000"/>
+                      </a:solidFill>
+                      <a:prstDash val="solid"/>
+                      <a:round/>
+                      <a:headEnd type="none" w="med" len="med"/>
+                      <a:tailEnd type="none" w="med" len="med"/>
+                    </a:lnT>
+                    <a:lnB w="12700" cap="flat" cmpd="sng" algn="ctr">
+                      <a:solidFill>
+                        <a:srgbClr val="000000"/>
+                      </a:solidFill>
+                      <a:prstDash val="solid"/>
+                      <a:round/>
+                      <a:headEnd type="none" w="med" len="med"/>
+                      <a:tailEnd type="none" w="med" len="med"/>
+                    </a:lnB>
+                  </a:tcPr>
+                </a:tc>
+                <a:extLst>
+                  <a:ext uri="{0D108BD9-81ED-4DB2-BD59-A6C34878D82A}">
+                    <a16:rowId xmlns:a16="http://schemas.microsoft.com/office/drawing/2014/main" val="516017382"/>
+                  </a:ext>
+                </a:extLst>
+              </a:tr>
+              <a:tr h="211623">
+                <a:tc>
+                  <a:txBody>
+                    <a:bodyPr/>
+                    <a:lstStyle/>
+                    <a:p>
+                      <a:pPr>
+                        <a:lnSpc>
+                          <a:spcPct val="107000"/>
+                        </a:lnSpc>
+                        <a:spcAft>
+                          <a:spcPts val="800"/>
+                        </a:spcAft>
+                      </a:pPr>
+                      <a:r>
+                        <a:rPr lang="it-IT" sz="1300">
+                          <a:effectLst/>
+                          <a:latin typeface="Calibri" panose="020F0502020204030204" pitchFamily="34" charset="0"/>
+                          <a:ea typeface="Calibri" panose="020F0502020204030204" pitchFamily="34" charset="0"/>
+                          <a:cs typeface="Times New Roman" panose="02020603050405020304" pitchFamily="18" charset="0"/>
+                        </a:rPr>
+                        <a:t>0</a:t>
+                      </a:r>
+                    </a:p>
+                  </a:txBody>
+                  <a:tcPr marL="84649" marR="84649" marT="0" marB="0">
+                    <a:lnL w="12700" cap="flat" cmpd="sng" algn="ctr">
+                      <a:solidFill>
+                        <a:srgbClr val="000000"/>
+                      </a:solidFill>
+                      <a:prstDash val="solid"/>
+                      <a:round/>
+                      <a:headEnd type="none" w="med" len="med"/>
+                      <a:tailEnd type="none" w="med" len="med"/>
+                    </a:lnL>
+                    <a:lnR w="12700" cap="flat" cmpd="sng" algn="ctr">
+                      <a:solidFill>
+                        <a:srgbClr val="000000"/>
+                      </a:solidFill>
+                      <a:prstDash val="solid"/>
+                      <a:round/>
+                      <a:headEnd type="none" w="med" len="med"/>
+                      <a:tailEnd type="none" w="med" len="med"/>
+                    </a:lnR>
+                    <a:lnT w="12700" cap="flat" cmpd="sng" algn="ctr">
+                      <a:solidFill>
+                        <a:srgbClr val="000000"/>
+                      </a:solidFill>
+                      <a:prstDash val="solid"/>
+                      <a:round/>
+                      <a:headEnd type="none" w="med" len="med"/>
+                      <a:tailEnd type="none" w="med" len="med"/>
+                    </a:lnT>
+                    <a:lnB w="12700" cap="flat" cmpd="sng" algn="ctr">
+                      <a:solidFill>
+                        <a:srgbClr val="000000"/>
+                      </a:solidFill>
+                      <a:prstDash val="solid"/>
+                      <a:round/>
+                      <a:headEnd type="none" w="med" len="med"/>
+                      <a:tailEnd type="none" w="med" len="med"/>
+                    </a:lnB>
+                  </a:tcPr>
+                </a:tc>
+                <a:tc>
+                  <a:txBody>
+                    <a:bodyPr/>
+                    <a:lstStyle/>
+                    <a:p>
+                      <a:pPr>
+                        <a:lnSpc>
+                          <a:spcPct val="107000"/>
+                        </a:lnSpc>
+                        <a:spcAft>
+                          <a:spcPts val="800"/>
+                        </a:spcAft>
+                      </a:pPr>
+                      <a:r>
+                        <a:rPr lang="it-IT" sz="1300">
+                          <a:effectLst/>
+                          <a:latin typeface="Calibri" panose="020F0502020204030204" pitchFamily="34" charset="0"/>
+                          <a:ea typeface="Calibri" panose="020F0502020204030204" pitchFamily="34" charset="0"/>
+                          <a:cs typeface="Times New Roman" panose="02020603050405020304" pitchFamily="18" charset="0"/>
+                        </a:rPr>
+                        <a:t>1</a:t>
+                      </a:r>
+                    </a:p>
+                  </a:txBody>
+                  <a:tcPr marL="84649" marR="84649" marT="0" marB="0">
+                    <a:lnL w="12700" cap="flat" cmpd="sng" algn="ctr">
+                      <a:solidFill>
+                        <a:srgbClr val="000000"/>
+                      </a:solidFill>
+                      <a:prstDash val="solid"/>
+                      <a:round/>
+                      <a:headEnd type="none" w="med" len="med"/>
+                      <a:tailEnd type="none" w="med" len="med"/>
+                    </a:lnL>
+                    <a:lnR w="12700" cap="flat" cmpd="sng" algn="ctr">
+                      <a:solidFill>
+                        <a:srgbClr val="000000"/>
+                      </a:solidFill>
+                      <a:prstDash val="solid"/>
+                      <a:round/>
+                      <a:headEnd type="none" w="med" len="med"/>
+                      <a:tailEnd type="none" w="med" len="med"/>
+                    </a:lnR>
+                    <a:lnT w="12700" cap="flat" cmpd="sng" algn="ctr">
+                      <a:solidFill>
+                        <a:srgbClr val="000000"/>
+                      </a:solidFill>
+                      <a:prstDash val="solid"/>
+                      <a:round/>
+                      <a:headEnd type="none" w="med" len="med"/>
+                      <a:tailEnd type="none" w="med" len="med"/>
+                    </a:lnT>
+                    <a:lnB w="12700" cap="flat" cmpd="sng" algn="ctr">
+                      <a:solidFill>
+                        <a:srgbClr val="000000"/>
+                      </a:solidFill>
+                      <a:prstDash val="solid"/>
+                      <a:round/>
+                      <a:headEnd type="none" w="med" len="med"/>
+                      <a:tailEnd type="none" w="med" len="med"/>
+                    </a:lnB>
+                  </a:tcPr>
+                </a:tc>
+                <a:tc>
+                  <a:txBody>
+                    <a:bodyPr/>
+                    <a:lstStyle/>
+                    <a:p>
+                      <a:pPr>
+                        <a:lnSpc>
+                          <a:spcPct val="107000"/>
+                        </a:lnSpc>
+                        <a:spcAft>
+                          <a:spcPts val="800"/>
+                        </a:spcAft>
+                      </a:pPr>
+                      <a:r>
+                        <a:rPr lang="it-IT" sz="1300">
+                          <a:effectLst/>
+                          <a:latin typeface="Calibri" panose="020F0502020204030204" pitchFamily="34" charset="0"/>
+                          <a:ea typeface="Calibri" panose="020F0502020204030204" pitchFamily="34" charset="0"/>
+                          <a:cs typeface="Times New Roman" panose="02020603050405020304" pitchFamily="18" charset="0"/>
+                        </a:rPr>
+                        <a:t>0</a:t>
+                      </a:r>
+                    </a:p>
+                  </a:txBody>
+                  <a:tcPr marL="84649" marR="84649" marT="0" marB="0">
+                    <a:lnL w="12700" cap="flat" cmpd="sng" algn="ctr">
+                      <a:solidFill>
+                        <a:srgbClr val="000000"/>
+                      </a:solidFill>
+                      <a:prstDash val="solid"/>
+                      <a:round/>
+                      <a:headEnd type="none" w="med" len="med"/>
+                      <a:tailEnd type="none" w="med" len="med"/>
+                    </a:lnL>
+                    <a:lnR w="12700" cap="flat" cmpd="sng" algn="ctr">
+                      <a:solidFill>
+                        <a:srgbClr val="000000"/>
+                      </a:solidFill>
+                      <a:prstDash val="solid"/>
+                      <a:round/>
+                      <a:headEnd type="none" w="med" len="med"/>
+                      <a:tailEnd type="none" w="med" len="med"/>
+                    </a:lnR>
+                    <a:lnT w="12700" cap="flat" cmpd="sng" algn="ctr">
+                      <a:solidFill>
+                        <a:srgbClr val="000000"/>
+                      </a:solidFill>
+                      <a:prstDash val="solid"/>
+                      <a:round/>
+                      <a:headEnd type="none" w="med" len="med"/>
+                      <a:tailEnd type="none" w="med" len="med"/>
+                    </a:lnT>
+                    <a:lnB w="12700" cap="flat" cmpd="sng" algn="ctr">
+                      <a:solidFill>
+                        <a:srgbClr val="000000"/>
+                      </a:solidFill>
+                      <a:prstDash val="solid"/>
+                      <a:round/>
+                      <a:headEnd type="none" w="med" len="med"/>
+                      <a:tailEnd type="none" w="med" len="med"/>
+                    </a:lnB>
+                  </a:tcPr>
+                </a:tc>
+                <a:tc>
+                  <a:txBody>
+                    <a:bodyPr/>
+                    <a:lstStyle/>
+                    <a:p>
+                      <a:pPr>
+                        <a:lnSpc>
+                          <a:spcPct val="107000"/>
+                        </a:lnSpc>
+                        <a:spcAft>
+                          <a:spcPts val="800"/>
+                        </a:spcAft>
+                      </a:pPr>
+                      <a:r>
+                        <a:rPr lang="it-IT" sz="1300">
+                          <a:effectLst/>
+                          <a:latin typeface="Calibri" panose="020F0502020204030204" pitchFamily="34" charset="0"/>
+                          <a:ea typeface="Calibri" panose="020F0502020204030204" pitchFamily="34" charset="0"/>
+                          <a:cs typeface="Times New Roman" panose="02020603050405020304" pitchFamily="18" charset="0"/>
+                        </a:rPr>
+                        <a:t>1</a:t>
+                      </a:r>
+                    </a:p>
+                  </a:txBody>
+                  <a:tcPr marL="84649" marR="84649" marT="0" marB="0">
+                    <a:lnL w="12700" cap="flat" cmpd="sng" algn="ctr">
+                      <a:solidFill>
+                        <a:srgbClr val="000000"/>
+                      </a:solidFill>
+                      <a:prstDash val="solid"/>
+                      <a:round/>
+                      <a:headEnd type="none" w="med" len="med"/>
+                      <a:tailEnd type="none" w="med" len="med"/>
+                    </a:lnL>
+                    <a:lnR w="12700" cap="flat" cmpd="sng" algn="ctr">
+                      <a:solidFill>
+                        <a:srgbClr val="000000"/>
+                      </a:solidFill>
+                      <a:prstDash val="solid"/>
+                      <a:round/>
+                      <a:headEnd type="none" w="med" len="med"/>
+                      <a:tailEnd type="none" w="med" len="med"/>
+                    </a:lnR>
+                    <a:lnT w="12700" cap="flat" cmpd="sng" algn="ctr">
+                      <a:solidFill>
+                        <a:srgbClr val="000000"/>
+                      </a:solidFill>
+                      <a:prstDash val="solid"/>
+                      <a:round/>
+                      <a:headEnd type="none" w="med" len="med"/>
+                      <a:tailEnd type="none" w="med" len="med"/>
+                    </a:lnT>
+                    <a:lnB w="12700" cap="flat" cmpd="sng" algn="ctr">
+                      <a:solidFill>
+                        <a:srgbClr val="000000"/>
+                      </a:solidFill>
+                      <a:prstDash val="solid"/>
+                      <a:round/>
+                      <a:headEnd type="none" w="med" len="med"/>
+                      <a:tailEnd type="none" w="med" len="med"/>
+                    </a:lnB>
+                  </a:tcPr>
+                </a:tc>
+                <a:tc>
+                  <a:txBody>
+                    <a:bodyPr/>
+                    <a:lstStyle/>
+                    <a:p>
+                      <a:pPr>
+                        <a:lnSpc>
+                          <a:spcPct val="107000"/>
+                        </a:lnSpc>
+                        <a:spcAft>
+                          <a:spcPts val="800"/>
+                        </a:spcAft>
+                      </a:pPr>
+                      <a:r>
+                        <a:rPr lang="it-IT" sz="1300">
+                          <a:effectLst/>
+                          <a:latin typeface="Calibri" panose="020F0502020204030204" pitchFamily="34" charset="0"/>
+                          <a:ea typeface="Calibri" panose="020F0502020204030204" pitchFamily="34" charset="0"/>
+                          <a:cs typeface="Times New Roman" panose="02020603050405020304" pitchFamily="18" charset="0"/>
+                        </a:rPr>
+                        <a:t>0</a:t>
+                      </a:r>
+                    </a:p>
+                  </a:txBody>
+                  <a:tcPr marL="84649" marR="84649" marT="0" marB="0">
+                    <a:lnL w="12700" cap="flat" cmpd="sng" algn="ctr">
+                      <a:solidFill>
+                        <a:srgbClr val="000000"/>
+                      </a:solidFill>
+                      <a:prstDash val="solid"/>
+                      <a:round/>
+                      <a:headEnd type="none" w="med" len="med"/>
+                      <a:tailEnd type="none" w="med" len="med"/>
+                    </a:lnL>
+                    <a:lnR w="12700" cap="flat" cmpd="sng" algn="ctr">
+                      <a:solidFill>
+                        <a:srgbClr val="000000"/>
+                      </a:solidFill>
+                      <a:prstDash val="solid"/>
+                      <a:round/>
+                      <a:headEnd type="none" w="med" len="med"/>
+                      <a:tailEnd type="none" w="med" len="med"/>
+                    </a:lnR>
+                    <a:lnT w="12700" cap="flat" cmpd="sng" algn="ctr">
+                      <a:solidFill>
+                        <a:srgbClr val="000000"/>
+                      </a:solidFill>
+                      <a:prstDash val="solid"/>
+                      <a:round/>
+                      <a:headEnd type="none" w="med" len="med"/>
+                      <a:tailEnd type="none" w="med" len="med"/>
+                    </a:lnT>
+                    <a:lnB w="12700" cap="flat" cmpd="sng" algn="ctr">
+                      <a:solidFill>
+                        <a:srgbClr val="000000"/>
+                      </a:solidFill>
+                      <a:prstDash val="solid"/>
+                      <a:round/>
+                      <a:headEnd type="none" w="med" len="med"/>
+                      <a:tailEnd type="none" w="med" len="med"/>
+                    </a:lnB>
+                  </a:tcPr>
+                </a:tc>
+                <a:tc>
+                  <a:txBody>
+                    <a:bodyPr/>
+                    <a:lstStyle/>
+                    <a:p>
+                      <a:pPr>
+                        <a:lnSpc>
+                          <a:spcPct val="107000"/>
+                        </a:lnSpc>
+                        <a:spcAft>
+                          <a:spcPts val="800"/>
+                        </a:spcAft>
+                      </a:pPr>
+                      <a:r>
+                        <a:rPr lang="it-IT" sz="1300">
+                          <a:effectLst/>
+                          <a:latin typeface="Calibri" panose="020F0502020204030204" pitchFamily="34" charset="0"/>
+                          <a:ea typeface="Calibri" panose="020F0502020204030204" pitchFamily="34" charset="0"/>
+                          <a:cs typeface="Times New Roman" panose="02020603050405020304" pitchFamily="18" charset="0"/>
+                        </a:rPr>
+                        <a:t>1</a:t>
+                      </a:r>
+                    </a:p>
+                  </a:txBody>
+                  <a:tcPr marL="84649" marR="84649" marT="0" marB="0">
+                    <a:lnL w="12700" cap="flat" cmpd="sng" algn="ctr">
+                      <a:solidFill>
+                        <a:srgbClr val="000000"/>
+                      </a:solidFill>
+                      <a:prstDash val="solid"/>
+                      <a:round/>
+                      <a:headEnd type="none" w="med" len="med"/>
+                      <a:tailEnd type="none" w="med" len="med"/>
+                    </a:lnL>
+                    <a:lnR w="12700" cap="flat" cmpd="sng" algn="ctr">
+                      <a:solidFill>
+                        <a:srgbClr val="000000"/>
+                      </a:solidFill>
+                      <a:prstDash val="solid"/>
+                      <a:round/>
+                      <a:headEnd type="none" w="med" len="med"/>
+                      <a:tailEnd type="none" w="med" len="med"/>
+                    </a:lnR>
+                    <a:lnT w="12700" cap="flat" cmpd="sng" algn="ctr">
+                      <a:solidFill>
+                        <a:srgbClr val="000000"/>
+                      </a:solidFill>
+                      <a:prstDash val="solid"/>
+                      <a:round/>
+                      <a:headEnd type="none" w="med" len="med"/>
+                      <a:tailEnd type="none" w="med" len="med"/>
+                    </a:lnT>
+                    <a:lnB w="12700" cap="flat" cmpd="sng" algn="ctr">
+                      <a:solidFill>
+                        <a:srgbClr val="000000"/>
+                      </a:solidFill>
+                      <a:prstDash val="solid"/>
+                      <a:round/>
+                      <a:headEnd type="none" w="med" len="med"/>
+                      <a:tailEnd type="none" w="med" len="med"/>
+                    </a:lnB>
+                  </a:tcPr>
+                </a:tc>
+                <a:tc>
+                  <a:txBody>
+                    <a:bodyPr/>
+                    <a:lstStyle/>
+                    <a:p>
+                      <a:pPr>
+                        <a:lnSpc>
+                          <a:spcPct val="107000"/>
+                        </a:lnSpc>
+                        <a:spcAft>
+                          <a:spcPts val="800"/>
+                        </a:spcAft>
+                      </a:pPr>
+                      <a:r>
+                        <a:rPr lang="it-IT" sz="1300">
+                          <a:effectLst/>
+                          <a:latin typeface="Calibri" panose="020F0502020204030204" pitchFamily="34" charset="0"/>
+                          <a:ea typeface="Calibri" panose="020F0502020204030204" pitchFamily="34" charset="0"/>
+                          <a:cs typeface="Times New Roman" panose="02020603050405020304" pitchFamily="18" charset="0"/>
+                        </a:rPr>
+                        <a:t>0</a:t>
+                      </a:r>
+                    </a:p>
+                  </a:txBody>
+                  <a:tcPr marL="84649" marR="84649" marT="0" marB="0">
+                    <a:lnL w="12700" cap="flat" cmpd="sng" algn="ctr">
+                      <a:solidFill>
+                        <a:srgbClr val="000000"/>
+                      </a:solidFill>
+                      <a:prstDash val="solid"/>
+                      <a:round/>
+                      <a:headEnd type="none" w="med" len="med"/>
+                      <a:tailEnd type="none" w="med" len="med"/>
+                    </a:lnL>
+                    <a:lnR w="12700" cap="flat" cmpd="sng" algn="ctr">
+                      <a:solidFill>
+                        <a:srgbClr val="000000"/>
+                      </a:solidFill>
+                      <a:prstDash val="solid"/>
+                      <a:round/>
+                      <a:headEnd type="none" w="med" len="med"/>
+                      <a:tailEnd type="none" w="med" len="med"/>
+                    </a:lnR>
+                    <a:lnT w="12700" cap="flat" cmpd="sng" algn="ctr">
+                      <a:solidFill>
+                        <a:srgbClr val="000000"/>
+                      </a:solidFill>
+                      <a:prstDash val="solid"/>
+                      <a:round/>
+                      <a:headEnd type="none" w="med" len="med"/>
+                      <a:tailEnd type="none" w="med" len="med"/>
+                    </a:lnT>
+                    <a:lnB w="12700" cap="flat" cmpd="sng" algn="ctr">
+                      <a:solidFill>
+                        <a:srgbClr val="000000"/>
+                      </a:solidFill>
+                      <a:prstDash val="solid"/>
+                      <a:round/>
+                      <a:headEnd type="none" w="med" len="med"/>
+                      <a:tailEnd type="none" w="med" len="med"/>
+                    </a:lnB>
+                  </a:tcPr>
+                </a:tc>
+                <a:tc>
+                  <a:txBody>
+                    <a:bodyPr/>
+                    <a:lstStyle/>
+                    <a:p>
+                      <a:pPr>
+                        <a:lnSpc>
+                          <a:spcPct val="107000"/>
+                        </a:lnSpc>
+                        <a:spcAft>
+                          <a:spcPts val="800"/>
+                        </a:spcAft>
+                      </a:pPr>
+                      <a:r>
+                        <a:rPr lang="it-IT" sz="1300">
+                          <a:effectLst/>
+                          <a:latin typeface="Calibri" panose="020F0502020204030204" pitchFamily="34" charset="0"/>
+                          <a:ea typeface="Calibri" panose="020F0502020204030204" pitchFamily="34" charset="0"/>
+                          <a:cs typeface="Times New Roman" panose="02020603050405020304" pitchFamily="18" charset="0"/>
+                        </a:rPr>
+                        <a:t>0</a:t>
+                      </a:r>
+                    </a:p>
+                  </a:txBody>
+                  <a:tcPr marL="84649" marR="84649" marT="0" marB="0">
+                    <a:lnL w="12700" cap="flat" cmpd="sng" algn="ctr">
+                      <a:solidFill>
+                        <a:srgbClr val="000000"/>
+                      </a:solidFill>
+                      <a:prstDash val="solid"/>
+                      <a:round/>
+                      <a:headEnd type="none" w="med" len="med"/>
+                      <a:tailEnd type="none" w="med" len="med"/>
+                    </a:lnL>
+                    <a:lnR w="12700" cap="flat" cmpd="sng" algn="ctr">
+                      <a:solidFill>
+                        <a:srgbClr val="000000"/>
+                      </a:solidFill>
+                      <a:prstDash val="solid"/>
+                      <a:round/>
+                      <a:headEnd type="none" w="med" len="med"/>
+                      <a:tailEnd type="none" w="med" len="med"/>
+                    </a:lnR>
+                    <a:lnT w="12700" cap="flat" cmpd="sng" algn="ctr">
+                      <a:solidFill>
+                        <a:srgbClr val="000000"/>
+                      </a:solidFill>
+                      <a:prstDash val="solid"/>
+                      <a:round/>
+                      <a:headEnd type="none" w="med" len="med"/>
+                      <a:tailEnd type="none" w="med" len="med"/>
+                    </a:lnT>
+                    <a:lnB w="12700" cap="flat" cmpd="sng" algn="ctr">
+                      <a:solidFill>
+                        <a:srgbClr val="000000"/>
+                      </a:solidFill>
+                      <a:prstDash val="solid"/>
+                      <a:round/>
+                      <a:headEnd type="none" w="med" len="med"/>
+                      <a:tailEnd type="none" w="med" len="med"/>
+                    </a:lnB>
+                  </a:tcPr>
+                </a:tc>
+                <a:tc>
+                  <a:txBody>
+                    <a:bodyPr/>
+                    <a:lstStyle/>
+                    <a:p>
+                      <a:pPr>
+                        <a:lnSpc>
+                          <a:spcPct val="107000"/>
+                        </a:lnSpc>
+                        <a:spcAft>
+                          <a:spcPts val="800"/>
+                        </a:spcAft>
+                      </a:pPr>
+                      <a:r>
+                        <a:rPr lang="it-IT" sz="1300">
+                          <a:effectLst/>
+                          <a:latin typeface="Calibri" panose="020F0502020204030204" pitchFamily="34" charset="0"/>
+                          <a:ea typeface="Calibri" panose="020F0502020204030204" pitchFamily="34" charset="0"/>
+                          <a:cs typeface="Times New Roman" panose="02020603050405020304" pitchFamily="18" charset="0"/>
+                        </a:rPr>
+                        <a:t>1</a:t>
+                      </a:r>
+                    </a:p>
+                  </a:txBody>
+                  <a:tcPr marL="84649" marR="84649" marT="0" marB="0">
+                    <a:lnL w="12700" cap="flat" cmpd="sng" algn="ctr">
+                      <a:solidFill>
+                        <a:srgbClr val="000000"/>
+                      </a:solidFill>
+                      <a:prstDash val="solid"/>
+                      <a:round/>
+                      <a:headEnd type="none" w="med" len="med"/>
+                      <a:tailEnd type="none" w="med" len="med"/>
+                    </a:lnL>
+                    <a:lnR w="12700" cap="flat" cmpd="sng" algn="ctr">
+                      <a:solidFill>
+                        <a:srgbClr val="000000"/>
+                      </a:solidFill>
+                      <a:prstDash val="solid"/>
+                      <a:round/>
+                      <a:headEnd type="none" w="med" len="med"/>
+                      <a:tailEnd type="none" w="med" len="med"/>
+                    </a:lnR>
+                    <a:lnT w="12700" cap="flat" cmpd="sng" algn="ctr">
+                      <a:solidFill>
+                        <a:srgbClr val="000000"/>
+                      </a:solidFill>
+                      <a:prstDash val="solid"/>
+                      <a:round/>
+                      <a:headEnd type="none" w="med" len="med"/>
+                      <a:tailEnd type="none" w="med" len="med"/>
+                    </a:lnT>
+                    <a:lnB w="12700" cap="flat" cmpd="sng" algn="ctr">
+                      <a:solidFill>
+                        <a:srgbClr val="000000"/>
+                      </a:solidFill>
+                      <a:prstDash val="solid"/>
+                      <a:round/>
+                      <a:headEnd type="none" w="med" len="med"/>
+                      <a:tailEnd type="none" w="med" len="med"/>
+                    </a:lnB>
+                  </a:tcPr>
+                </a:tc>
+                <a:extLst>
+                  <a:ext uri="{0D108BD9-81ED-4DB2-BD59-A6C34878D82A}">
+                    <a16:rowId xmlns:a16="http://schemas.microsoft.com/office/drawing/2014/main" val="3510469419"/>
+                  </a:ext>
+                </a:extLst>
+              </a:tr>
+              <a:tr h="211623">
+                <a:tc>
+                  <a:txBody>
+                    <a:bodyPr/>
+                    <a:lstStyle/>
+                    <a:p>
+                      <a:pPr>
+                        <a:lnSpc>
+                          <a:spcPct val="107000"/>
+                        </a:lnSpc>
+                        <a:spcAft>
+                          <a:spcPts val="800"/>
+                        </a:spcAft>
+                      </a:pPr>
+                      <a:r>
+                        <a:rPr lang="it-IT" sz="1300">
+                          <a:effectLst/>
+                          <a:latin typeface="Calibri" panose="020F0502020204030204" pitchFamily="34" charset="0"/>
+                          <a:ea typeface="Calibri" panose="020F0502020204030204" pitchFamily="34" charset="0"/>
+                          <a:cs typeface="Times New Roman" panose="02020603050405020304" pitchFamily="18" charset="0"/>
+                        </a:rPr>
+                        <a:t>0</a:t>
+                      </a:r>
+                    </a:p>
+                  </a:txBody>
+                  <a:tcPr marL="84649" marR="84649" marT="0" marB="0">
+                    <a:lnL w="12700" cap="flat" cmpd="sng" algn="ctr">
+                      <a:solidFill>
+                        <a:srgbClr val="000000"/>
+                      </a:solidFill>
+                      <a:prstDash val="solid"/>
+                      <a:round/>
+                      <a:headEnd type="none" w="med" len="med"/>
+                      <a:tailEnd type="none" w="med" len="med"/>
+                    </a:lnL>
+                    <a:lnR w="12700" cap="flat" cmpd="sng" algn="ctr">
+                      <a:solidFill>
+                        <a:srgbClr val="000000"/>
+                      </a:solidFill>
+                      <a:prstDash val="solid"/>
+                      <a:round/>
+                      <a:headEnd type="none" w="med" len="med"/>
+                      <a:tailEnd type="none" w="med" len="med"/>
+                    </a:lnR>
+                    <a:lnT w="12700" cap="flat" cmpd="sng" algn="ctr">
+                      <a:solidFill>
+                        <a:srgbClr val="000000"/>
+                      </a:solidFill>
+                      <a:prstDash val="solid"/>
+                      <a:round/>
+                      <a:headEnd type="none" w="med" len="med"/>
+                      <a:tailEnd type="none" w="med" len="med"/>
+                    </a:lnT>
+                    <a:lnB w="12700" cap="flat" cmpd="sng" algn="ctr">
+                      <a:solidFill>
+                        <a:srgbClr val="000000"/>
+                      </a:solidFill>
+                      <a:prstDash val="solid"/>
+                      <a:round/>
+                      <a:headEnd type="none" w="med" len="med"/>
+                      <a:tailEnd type="none" w="med" len="med"/>
+                    </a:lnB>
+                  </a:tcPr>
+                </a:tc>
+                <a:tc>
+                  <a:txBody>
+                    <a:bodyPr/>
+                    <a:lstStyle/>
+                    <a:p>
+                      <a:pPr>
+                        <a:lnSpc>
+                          <a:spcPct val="107000"/>
+                        </a:lnSpc>
+                        <a:spcAft>
+                          <a:spcPts val="800"/>
+                        </a:spcAft>
+                      </a:pPr>
+                      <a:r>
+                        <a:rPr lang="it-IT" sz="1300">
+                          <a:effectLst/>
+                          <a:latin typeface="Calibri" panose="020F0502020204030204" pitchFamily="34" charset="0"/>
+                          <a:ea typeface="Calibri" panose="020F0502020204030204" pitchFamily="34" charset="0"/>
+                          <a:cs typeface="Times New Roman" panose="02020603050405020304" pitchFamily="18" charset="0"/>
+                        </a:rPr>
+                        <a:t>0</a:t>
+                      </a:r>
+                    </a:p>
+                  </a:txBody>
+                  <a:tcPr marL="84649" marR="84649" marT="0" marB="0">
+                    <a:lnL w="12700" cap="flat" cmpd="sng" algn="ctr">
+                      <a:solidFill>
+                        <a:srgbClr val="000000"/>
+                      </a:solidFill>
+                      <a:prstDash val="solid"/>
+                      <a:round/>
+                      <a:headEnd type="none" w="med" len="med"/>
+                      <a:tailEnd type="none" w="med" len="med"/>
+                    </a:lnL>
+                    <a:lnR w="12700" cap="flat" cmpd="sng" algn="ctr">
+                      <a:solidFill>
+                        <a:srgbClr val="000000"/>
+                      </a:solidFill>
+                      <a:prstDash val="solid"/>
+                      <a:round/>
+                      <a:headEnd type="none" w="med" len="med"/>
+                      <a:tailEnd type="none" w="med" len="med"/>
+                    </a:lnR>
+                    <a:lnT w="12700" cap="flat" cmpd="sng" algn="ctr">
+                      <a:solidFill>
+                        <a:srgbClr val="000000"/>
+                      </a:solidFill>
+                      <a:prstDash val="solid"/>
+                      <a:round/>
+                      <a:headEnd type="none" w="med" len="med"/>
+                      <a:tailEnd type="none" w="med" len="med"/>
+                    </a:lnT>
+                    <a:lnB w="12700" cap="flat" cmpd="sng" algn="ctr">
+                      <a:solidFill>
+                        <a:srgbClr val="000000"/>
+                      </a:solidFill>
+                      <a:prstDash val="solid"/>
+                      <a:round/>
+                      <a:headEnd type="none" w="med" len="med"/>
+                      <a:tailEnd type="none" w="med" len="med"/>
+                    </a:lnB>
+                  </a:tcPr>
+                </a:tc>
+                <a:tc>
+                  <a:txBody>
+                    <a:bodyPr/>
+                    <a:lstStyle/>
+                    <a:p>
+                      <a:pPr>
+                        <a:lnSpc>
+                          <a:spcPct val="107000"/>
+                        </a:lnSpc>
+                        <a:spcAft>
+                          <a:spcPts val="800"/>
+                        </a:spcAft>
+                      </a:pPr>
+                      <a:r>
+                        <a:rPr lang="it-IT" sz="1300">
+                          <a:effectLst/>
+                          <a:latin typeface="Calibri" panose="020F0502020204030204" pitchFamily="34" charset="0"/>
+                          <a:ea typeface="Calibri" panose="020F0502020204030204" pitchFamily="34" charset="0"/>
+                          <a:cs typeface="Times New Roman" panose="02020603050405020304" pitchFamily="18" charset="0"/>
+                        </a:rPr>
+                        <a:t>1</a:t>
+                      </a:r>
+                    </a:p>
+                  </a:txBody>
+                  <a:tcPr marL="84649" marR="84649" marT="0" marB="0">
+                    <a:lnL w="12700" cap="flat" cmpd="sng" algn="ctr">
+                      <a:solidFill>
+                        <a:srgbClr val="000000"/>
+                      </a:solidFill>
+                      <a:prstDash val="solid"/>
+                      <a:round/>
+                      <a:headEnd type="none" w="med" len="med"/>
+                      <a:tailEnd type="none" w="med" len="med"/>
+                    </a:lnL>
+                    <a:lnR w="12700" cap="flat" cmpd="sng" algn="ctr">
+                      <a:solidFill>
+                        <a:srgbClr val="000000"/>
+                      </a:solidFill>
+                      <a:prstDash val="solid"/>
+                      <a:round/>
+                      <a:headEnd type="none" w="med" len="med"/>
+                      <a:tailEnd type="none" w="med" len="med"/>
+                    </a:lnR>
+                    <a:lnT w="12700" cap="flat" cmpd="sng" algn="ctr">
+                      <a:solidFill>
+                        <a:srgbClr val="000000"/>
+                      </a:solidFill>
+                      <a:prstDash val="solid"/>
+                      <a:round/>
+                      <a:headEnd type="none" w="med" len="med"/>
+                      <a:tailEnd type="none" w="med" len="med"/>
+                    </a:lnT>
+                    <a:lnB w="12700" cap="flat" cmpd="sng" algn="ctr">
+                      <a:solidFill>
+                        <a:srgbClr val="000000"/>
+                      </a:solidFill>
+                      <a:prstDash val="solid"/>
+                      <a:round/>
+                      <a:headEnd type="none" w="med" len="med"/>
+                      <a:tailEnd type="none" w="med" len="med"/>
+                    </a:lnB>
+                  </a:tcPr>
+                </a:tc>
+                <a:tc>
+                  <a:txBody>
+                    <a:bodyPr/>
+                    <a:lstStyle/>
+                    <a:p>
+                      <a:pPr>
+                        <a:lnSpc>
+                          <a:spcPct val="107000"/>
+                        </a:lnSpc>
+                        <a:spcAft>
+                          <a:spcPts val="800"/>
+                        </a:spcAft>
+                      </a:pPr>
+                      <a:r>
+                        <a:rPr lang="it-IT" sz="1300">
+                          <a:effectLst/>
+                          <a:latin typeface="Calibri" panose="020F0502020204030204" pitchFamily="34" charset="0"/>
+                          <a:ea typeface="Calibri" panose="020F0502020204030204" pitchFamily="34" charset="0"/>
+                          <a:cs typeface="Times New Roman" panose="02020603050405020304" pitchFamily="18" charset="0"/>
+                        </a:rPr>
+                        <a:t>1</a:t>
+                      </a:r>
+                    </a:p>
+                  </a:txBody>
+                  <a:tcPr marL="84649" marR="84649" marT="0" marB="0">
+                    <a:lnL w="12700" cap="flat" cmpd="sng" algn="ctr">
+                      <a:solidFill>
+                        <a:srgbClr val="000000"/>
+                      </a:solidFill>
+                      <a:prstDash val="solid"/>
+                      <a:round/>
+                      <a:headEnd type="none" w="med" len="med"/>
+                      <a:tailEnd type="none" w="med" len="med"/>
+                    </a:lnL>
+                    <a:lnR w="12700" cap="flat" cmpd="sng" algn="ctr">
+                      <a:solidFill>
+                        <a:srgbClr val="000000"/>
+                      </a:solidFill>
+                      <a:prstDash val="solid"/>
+                      <a:round/>
+                      <a:headEnd type="none" w="med" len="med"/>
+                      <a:tailEnd type="none" w="med" len="med"/>
+                    </a:lnR>
+                    <a:lnT w="12700" cap="flat" cmpd="sng" algn="ctr">
+                      <a:solidFill>
+                        <a:srgbClr val="000000"/>
+                      </a:solidFill>
+                      <a:prstDash val="solid"/>
+                      <a:round/>
+                      <a:headEnd type="none" w="med" len="med"/>
+                      <a:tailEnd type="none" w="med" len="med"/>
+                    </a:lnT>
+                    <a:lnB w="12700" cap="flat" cmpd="sng" algn="ctr">
+                      <a:solidFill>
+                        <a:srgbClr val="000000"/>
+                      </a:solidFill>
+                      <a:prstDash val="solid"/>
+                      <a:round/>
+                      <a:headEnd type="none" w="med" len="med"/>
+                      <a:tailEnd type="none" w="med" len="med"/>
+                    </a:lnB>
+                  </a:tcPr>
+                </a:tc>
+                <a:tc>
+                  <a:txBody>
+                    <a:bodyPr/>
+                    <a:lstStyle/>
+                    <a:p>
+                      <a:pPr>
+                        <a:lnSpc>
+                          <a:spcPct val="107000"/>
+                        </a:lnSpc>
+                        <a:spcAft>
+                          <a:spcPts val="800"/>
+                        </a:spcAft>
+                      </a:pPr>
+                      <a:r>
+                        <a:rPr lang="it-IT" sz="1300">
+                          <a:effectLst/>
+                          <a:latin typeface="Calibri" panose="020F0502020204030204" pitchFamily="34" charset="0"/>
+                          <a:ea typeface="Calibri" panose="020F0502020204030204" pitchFamily="34" charset="0"/>
+                          <a:cs typeface="Times New Roman" panose="02020603050405020304" pitchFamily="18" charset="0"/>
+                        </a:rPr>
+                        <a:t>0</a:t>
+                      </a:r>
+                    </a:p>
+                  </a:txBody>
+                  <a:tcPr marL="84649" marR="84649" marT="0" marB="0">
+                    <a:lnL w="12700" cap="flat" cmpd="sng" algn="ctr">
+                      <a:solidFill>
+                        <a:srgbClr val="000000"/>
+                      </a:solidFill>
+                      <a:prstDash val="solid"/>
+                      <a:round/>
+                      <a:headEnd type="none" w="med" len="med"/>
+                      <a:tailEnd type="none" w="med" len="med"/>
+                    </a:lnL>
+                    <a:lnR w="12700" cap="flat" cmpd="sng" algn="ctr">
+                      <a:solidFill>
+                        <a:srgbClr val="000000"/>
+                      </a:solidFill>
+                      <a:prstDash val="solid"/>
+                      <a:round/>
+                      <a:headEnd type="none" w="med" len="med"/>
+                      <a:tailEnd type="none" w="med" len="med"/>
+                    </a:lnR>
+                    <a:lnT w="12700" cap="flat" cmpd="sng" algn="ctr">
+                      <a:solidFill>
+                        <a:srgbClr val="000000"/>
+                      </a:solidFill>
+                      <a:prstDash val="solid"/>
+                      <a:round/>
+                      <a:headEnd type="none" w="med" len="med"/>
+                      <a:tailEnd type="none" w="med" len="med"/>
+                    </a:lnT>
+                    <a:lnB w="12700" cap="flat" cmpd="sng" algn="ctr">
+                      <a:solidFill>
+                        <a:srgbClr val="000000"/>
+                      </a:solidFill>
+                      <a:prstDash val="solid"/>
+                      <a:round/>
+                      <a:headEnd type="none" w="med" len="med"/>
+                      <a:tailEnd type="none" w="med" len="med"/>
+                    </a:lnB>
+                  </a:tcPr>
+                </a:tc>
+                <a:tc>
+                  <a:txBody>
+                    <a:bodyPr/>
+                    <a:lstStyle/>
+                    <a:p>
+                      <a:pPr>
+                        <a:lnSpc>
+                          <a:spcPct val="107000"/>
+                        </a:lnSpc>
+                        <a:spcAft>
+                          <a:spcPts val="800"/>
+                        </a:spcAft>
+                      </a:pPr>
+                      <a:r>
+                        <a:rPr lang="it-IT" sz="1300">
+                          <a:effectLst/>
+                          <a:latin typeface="Calibri" panose="020F0502020204030204" pitchFamily="34" charset="0"/>
+                          <a:ea typeface="Calibri" panose="020F0502020204030204" pitchFamily="34" charset="0"/>
+                          <a:cs typeface="Times New Roman" panose="02020603050405020304" pitchFamily="18" charset="0"/>
+                        </a:rPr>
+                        <a:t>1</a:t>
+                      </a:r>
+                    </a:p>
+                  </a:txBody>
+                  <a:tcPr marL="84649" marR="84649" marT="0" marB="0">
+                    <a:lnL w="12700" cap="flat" cmpd="sng" algn="ctr">
+                      <a:solidFill>
+                        <a:srgbClr val="000000"/>
+                      </a:solidFill>
+                      <a:prstDash val="solid"/>
+                      <a:round/>
+                      <a:headEnd type="none" w="med" len="med"/>
+                      <a:tailEnd type="none" w="med" len="med"/>
+                    </a:lnL>
+                    <a:lnR w="12700" cap="flat" cmpd="sng" algn="ctr">
+                      <a:solidFill>
+                        <a:srgbClr val="000000"/>
+                      </a:solidFill>
+                      <a:prstDash val="solid"/>
+                      <a:round/>
+                      <a:headEnd type="none" w="med" len="med"/>
+                      <a:tailEnd type="none" w="med" len="med"/>
+                    </a:lnR>
+                    <a:lnT w="12700" cap="flat" cmpd="sng" algn="ctr">
+                      <a:solidFill>
+                        <a:srgbClr val="000000"/>
+                      </a:solidFill>
+                      <a:prstDash val="solid"/>
+                      <a:round/>
+                      <a:headEnd type="none" w="med" len="med"/>
+                      <a:tailEnd type="none" w="med" len="med"/>
+                    </a:lnT>
+                    <a:lnB w="12700" cap="flat" cmpd="sng" algn="ctr">
+                      <a:solidFill>
+                        <a:srgbClr val="000000"/>
+                      </a:solidFill>
+                      <a:prstDash val="solid"/>
+                      <a:round/>
+                      <a:headEnd type="none" w="med" len="med"/>
+                      <a:tailEnd type="none" w="med" len="med"/>
+                    </a:lnB>
+                  </a:tcPr>
+                </a:tc>
+                <a:tc>
+                  <a:txBody>
+                    <a:bodyPr/>
+                    <a:lstStyle/>
+                    <a:p>
+                      <a:pPr>
+                        <a:lnSpc>
+                          <a:spcPct val="107000"/>
+                        </a:lnSpc>
+                        <a:spcAft>
+                          <a:spcPts val="800"/>
+                        </a:spcAft>
+                      </a:pPr>
+                      <a:r>
+                        <a:rPr lang="it-IT" sz="1300">
+                          <a:effectLst/>
+                          <a:latin typeface="Calibri" panose="020F0502020204030204" pitchFamily="34" charset="0"/>
+                          <a:ea typeface="Calibri" panose="020F0502020204030204" pitchFamily="34" charset="0"/>
+                          <a:cs typeface="Times New Roman" panose="02020603050405020304" pitchFamily="18" charset="0"/>
+                        </a:rPr>
+                        <a:t>0</a:t>
+                      </a:r>
+                    </a:p>
+                  </a:txBody>
+                  <a:tcPr marL="84649" marR="84649" marT="0" marB="0">
+                    <a:lnL w="12700" cap="flat" cmpd="sng" algn="ctr">
+                      <a:solidFill>
+                        <a:srgbClr val="000000"/>
+                      </a:solidFill>
+                      <a:prstDash val="solid"/>
+                      <a:round/>
+                      <a:headEnd type="none" w="med" len="med"/>
+                      <a:tailEnd type="none" w="med" len="med"/>
+                    </a:lnL>
+                    <a:lnR w="12700" cap="flat" cmpd="sng" algn="ctr">
+                      <a:solidFill>
+                        <a:srgbClr val="000000"/>
+                      </a:solidFill>
+                      <a:prstDash val="solid"/>
+                      <a:round/>
+                      <a:headEnd type="none" w="med" len="med"/>
+                      <a:tailEnd type="none" w="med" len="med"/>
+                    </a:lnR>
+                    <a:lnT w="12700" cap="flat" cmpd="sng" algn="ctr">
+                      <a:solidFill>
+                        <a:srgbClr val="000000"/>
+                      </a:solidFill>
+                      <a:prstDash val="solid"/>
+                      <a:round/>
+                      <a:headEnd type="none" w="med" len="med"/>
+                      <a:tailEnd type="none" w="med" len="med"/>
+                    </a:lnT>
+                    <a:lnB w="12700" cap="flat" cmpd="sng" algn="ctr">
+                      <a:solidFill>
+                        <a:srgbClr val="000000"/>
+                      </a:solidFill>
+                      <a:prstDash val="solid"/>
+                      <a:round/>
+                      <a:headEnd type="none" w="med" len="med"/>
+                      <a:tailEnd type="none" w="med" len="med"/>
+                    </a:lnB>
+                  </a:tcPr>
+                </a:tc>
+                <a:tc>
+                  <a:txBody>
+                    <a:bodyPr/>
+                    <a:lstStyle/>
+                    <a:p>
+                      <a:pPr>
+                        <a:lnSpc>
+                          <a:spcPct val="107000"/>
+                        </a:lnSpc>
+                        <a:spcAft>
+                          <a:spcPts val="800"/>
+                        </a:spcAft>
+                      </a:pPr>
+                      <a:r>
+                        <a:rPr lang="it-IT" sz="1300">
+                          <a:effectLst/>
+                          <a:latin typeface="Calibri" panose="020F0502020204030204" pitchFamily="34" charset="0"/>
+                          <a:ea typeface="Calibri" panose="020F0502020204030204" pitchFamily="34" charset="0"/>
+                          <a:cs typeface="Times New Roman" panose="02020603050405020304" pitchFamily="18" charset="0"/>
+                        </a:rPr>
+                        <a:t>0</a:t>
+                      </a:r>
+                    </a:p>
+                  </a:txBody>
+                  <a:tcPr marL="84649" marR="84649" marT="0" marB="0">
+                    <a:lnL w="12700" cap="flat" cmpd="sng" algn="ctr">
+                      <a:solidFill>
+                        <a:srgbClr val="000000"/>
+                      </a:solidFill>
+                      <a:prstDash val="solid"/>
+                      <a:round/>
+                      <a:headEnd type="none" w="med" len="med"/>
+                      <a:tailEnd type="none" w="med" len="med"/>
+                    </a:lnL>
+                    <a:lnR w="12700" cap="flat" cmpd="sng" algn="ctr">
+                      <a:solidFill>
+                        <a:srgbClr val="000000"/>
+                      </a:solidFill>
+                      <a:prstDash val="solid"/>
+                      <a:round/>
+                      <a:headEnd type="none" w="med" len="med"/>
+                      <a:tailEnd type="none" w="med" len="med"/>
+                    </a:lnR>
+                    <a:lnT w="12700" cap="flat" cmpd="sng" algn="ctr">
+                      <a:solidFill>
+                        <a:srgbClr val="000000"/>
+                      </a:solidFill>
+                      <a:prstDash val="solid"/>
+                      <a:round/>
+                      <a:headEnd type="none" w="med" len="med"/>
+                      <a:tailEnd type="none" w="med" len="med"/>
+                    </a:lnT>
+                    <a:lnB w="12700" cap="flat" cmpd="sng" algn="ctr">
+                      <a:solidFill>
+                        <a:srgbClr val="000000"/>
+                      </a:solidFill>
+                      <a:prstDash val="solid"/>
+                      <a:round/>
+                      <a:headEnd type="none" w="med" len="med"/>
+                      <a:tailEnd type="none" w="med" len="med"/>
+                    </a:lnB>
+                  </a:tcPr>
+                </a:tc>
+                <a:tc>
+                  <a:txBody>
+                    <a:bodyPr/>
+                    <a:lstStyle/>
+                    <a:p>
+                      <a:pPr>
+                        <a:lnSpc>
+                          <a:spcPct val="107000"/>
+                        </a:lnSpc>
+                        <a:spcAft>
+                          <a:spcPts val="800"/>
+                        </a:spcAft>
+                      </a:pPr>
+                      <a:r>
+                        <a:rPr lang="it-IT" sz="1300">
+                          <a:effectLst/>
+                          <a:latin typeface="Calibri" panose="020F0502020204030204" pitchFamily="34" charset="0"/>
+                          <a:ea typeface="Calibri" panose="020F0502020204030204" pitchFamily="34" charset="0"/>
+                          <a:cs typeface="Times New Roman" panose="02020603050405020304" pitchFamily="18" charset="0"/>
+                        </a:rPr>
+                        <a:t>1</a:t>
+                      </a:r>
+                    </a:p>
+                  </a:txBody>
+                  <a:tcPr marL="84649" marR="84649" marT="0" marB="0">
+                    <a:lnL w="12700" cap="flat" cmpd="sng" algn="ctr">
+                      <a:solidFill>
+                        <a:srgbClr val="000000"/>
+                      </a:solidFill>
+                      <a:prstDash val="solid"/>
+                      <a:round/>
+                      <a:headEnd type="none" w="med" len="med"/>
+                      <a:tailEnd type="none" w="med" len="med"/>
+                    </a:lnL>
+                    <a:lnR w="12700" cap="flat" cmpd="sng" algn="ctr">
+                      <a:solidFill>
+                        <a:srgbClr val="000000"/>
+                      </a:solidFill>
+                      <a:prstDash val="solid"/>
+                      <a:round/>
+                      <a:headEnd type="none" w="med" len="med"/>
+                      <a:tailEnd type="none" w="med" len="med"/>
+                    </a:lnR>
+                    <a:lnT w="12700" cap="flat" cmpd="sng" algn="ctr">
+                      <a:solidFill>
+                        <a:srgbClr val="000000"/>
+                      </a:solidFill>
+                      <a:prstDash val="solid"/>
+                      <a:round/>
+                      <a:headEnd type="none" w="med" len="med"/>
+                      <a:tailEnd type="none" w="med" len="med"/>
+                    </a:lnT>
+                    <a:lnB w="12700" cap="flat" cmpd="sng" algn="ctr">
+                      <a:solidFill>
+                        <a:srgbClr val="000000"/>
+                      </a:solidFill>
+                      <a:prstDash val="solid"/>
+                      <a:round/>
+                      <a:headEnd type="none" w="med" len="med"/>
+                      <a:tailEnd type="none" w="med" len="med"/>
+                    </a:lnB>
+                  </a:tcPr>
+                </a:tc>
+                <a:extLst>
+                  <a:ext uri="{0D108BD9-81ED-4DB2-BD59-A6C34878D82A}">
+                    <a16:rowId xmlns:a16="http://schemas.microsoft.com/office/drawing/2014/main" val="3613779605"/>
+                  </a:ext>
+                </a:extLst>
+              </a:tr>
+              <a:tr h="211623">
+                <a:tc>
+                  <a:txBody>
+                    <a:bodyPr/>
+                    <a:lstStyle/>
+                    <a:p>
+                      <a:pPr>
+                        <a:lnSpc>
+                          <a:spcPct val="107000"/>
+                        </a:lnSpc>
+                        <a:spcAft>
+                          <a:spcPts val="800"/>
+                        </a:spcAft>
+                      </a:pPr>
+                      <a:r>
+                        <a:rPr lang="it-IT" sz="1300">
+                          <a:effectLst/>
+                          <a:latin typeface="Calibri" panose="020F0502020204030204" pitchFamily="34" charset="0"/>
+                          <a:ea typeface="Calibri" panose="020F0502020204030204" pitchFamily="34" charset="0"/>
+                          <a:cs typeface="Times New Roman" panose="02020603050405020304" pitchFamily="18" charset="0"/>
+                        </a:rPr>
+                        <a:t>0</a:t>
+                      </a:r>
+                    </a:p>
+                  </a:txBody>
+                  <a:tcPr marL="84649" marR="84649" marT="0" marB="0">
+                    <a:lnL w="12700" cap="flat" cmpd="sng" algn="ctr">
+                      <a:solidFill>
+                        <a:srgbClr val="000000"/>
+                      </a:solidFill>
+                      <a:prstDash val="solid"/>
+                      <a:round/>
+                      <a:headEnd type="none" w="med" len="med"/>
+                      <a:tailEnd type="none" w="med" len="med"/>
+                    </a:lnL>
+                    <a:lnR w="12700" cap="flat" cmpd="sng" algn="ctr">
+                      <a:solidFill>
+                        <a:srgbClr val="000000"/>
+                      </a:solidFill>
+                      <a:prstDash val="solid"/>
+                      <a:round/>
+                      <a:headEnd type="none" w="med" len="med"/>
+                      <a:tailEnd type="none" w="med" len="med"/>
+                    </a:lnR>
+                    <a:lnT w="12700" cap="flat" cmpd="sng" algn="ctr">
+                      <a:solidFill>
+                        <a:srgbClr val="000000"/>
+                      </a:solidFill>
+                      <a:prstDash val="solid"/>
+                      <a:round/>
+                      <a:headEnd type="none" w="med" len="med"/>
+                      <a:tailEnd type="none" w="med" len="med"/>
+                    </a:lnT>
+                    <a:lnB w="12700" cap="flat" cmpd="sng" algn="ctr">
+                      <a:solidFill>
+                        <a:srgbClr val="000000"/>
+                      </a:solidFill>
+                      <a:prstDash val="solid"/>
+                      <a:round/>
+                      <a:headEnd type="none" w="med" len="med"/>
+                      <a:tailEnd type="none" w="med" len="med"/>
+                    </a:lnB>
+                  </a:tcPr>
+                </a:tc>
+                <a:tc>
+                  <a:txBody>
+                    <a:bodyPr/>
+                    <a:lstStyle/>
+                    <a:p>
+                      <a:pPr>
+                        <a:lnSpc>
+                          <a:spcPct val="107000"/>
+                        </a:lnSpc>
+                        <a:spcAft>
+                          <a:spcPts val="800"/>
+                        </a:spcAft>
+                      </a:pPr>
+                      <a:r>
+                        <a:rPr lang="it-IT" sz="1300">
+                          <a:effectLst/>
+                          <a:latin typeface="Calibri" panose="020F0502020204030204" pitchFamily="34" charset="0"/>
+                          <a:ea typeface="Calibri" panose="020F0502020204030204" pitchFamily="34" charset="0"/>
+                          <a:cs typeface="Times New Roman" panose="02020603050405020304" pitchFamily="18" charset="0"/>
+                        </a:rPr>
+                        <a:t>1</a:t>
+                      </a:r>
+                    </a:p>
+                  </a:txBody>
+                  <a:tcPr marL="84649" marR="84649" marT="0" marB="0">
+                    <a:lnL w="12700" cap="flat" cmpd="sng" algn="ctr">
+                      <a:solidFill>
+                        <a:srgbClr val="000000"/>
+                      </a:solidFill>
+                      <a:prstDash val="solid"/>
+                      <a:round/>
+                      <a:headEnd type="none" w="med" len="med"/>
+                      <a:tailEnd type="none" w="med" len="med"/>
+                    </a:lnL>
+                    <a:lnR w="12700" cap="flat" cmpd="sng" algn="ctr">
+                      <a:solidFill>
+                        <a:srgbClr val="000000"/>
+                      </a:solidFill>
+                      <a:prstDash val="solid"/>
+                      <a:round/>
+                      <a:headEnd type="none" w="med" len="med"/>
+                      <a:tailEnd type="none" w="med" len="med"/>
+                    </a:lnR>
+                    <a:lnT w="12700" cap="flat" cmpd="sng" algn="ctr">
+                      <a:solidFill>
+                        <a:srgbClr val="000000"/>
+                      </a:solidFill>
+                      <a:prstDash val="solid"/>
+                      <a:round/>
+                      <a:headEnd type="none" w="med" len="med"/>
+                      <a:tailEnd type="none" w="med" len="med"/>
+                    </a:lnT>
+                    <a:lnB w="12700" cap="flat" cmpd="sng" algn="ctr">
+                      <a:solidFill>
+                        <a:srgbClr val="000000"/>
+                      </a:solidFill>
+                      <a:prstDash val="solid"/>
+                      <a:round/>
+                      <a:headEnd type="none" w="med" len="med"/>
+                      <a:tailEnd type="none" w="med" len="med"/>
+                    </a:lnB>
+                  </a:tcPr>
+                </a:tc>
+                <a:tc>
+                  <a:txBody>
+                    <a:bodyPr/>
+                    <a:lstStyle/>
+                    <a:p>
+                      <a:pPr>
+                        <a:lnSpc>
+                          <a:spcPct val="107000"/>
+                        </a:lnSpc>
+                        <a:spcAft>
+                          <a:spcPts val="800"/>
+                        </a:spcAft>
+                      </a:pPr>
+                      <a:r>
+                        <a:rPr lang="it-IT" sz="1300">
+                          <a:effectLst/>
+                          <a:latin typeface="Calibri" panose="020F0502020204030204" pitchFamily="34" charset="0"/>
+                          <a:ea typeface="Calibri" panose="020F0502020204030204" pitchFamily="34" charset="0"/>
+                          <a:cs typeface="Times New Roman" panose="02020603050405020304" pitchFamily="18" charset="0"/>
+                        </a:rPr>
+                        <a:t>1</a:t>
+                      </a:r>
+                    </a:p>
+                  </a:txBody>
+                  <a:tcPr marL="84649" marR="84649" marT="0" marB="0">
+                    <a:lnL w="12700" cap="flat" cmpd="sng" algn="ctr">
+                      <a:solidFill>
+                        <a:srgbClr val="000000"/>
+                      </a:solidFill>
+                      <a:prstDash val="solid"/>
+                      <a:round/>
+                      <a:headEnd type="none" w="med" len="med"/>
+                      <a:tailEnd type="none" w="med" len="med"/>
+                    </a:lnL>
+                    <a:lnR w="12700" cap="flat" cmpd="sng" algn="ctr">
+                      <a:solidFill>
+                        <a:srgbClr val="000000"/>
+                      </a:solidFill>
+                      <a:prstDash val="solid"/>
+                      <a:round/>
+                      <a:headEnd type="none" w="med" len="med"/>
+                      <a:tailEnd type="none" w="med" len="med"/>
+                    </a:lnR>
+                    <a:lnT w="12700" cap="flat" cmpd="sng" algn="ctr">
+                      <a:solidFill>
+                        <a:srgbClr val="000000"/>
+                      </a:solidFill>
+                      <a:prstDash val="solid"/>
+                      <a:round/>
+                      <a:headEnd type="none" w="med" len="med"/>
+                      <a:tailEnd type="none" w="med" len="med"/>
+                    </a:lnT>
+                    <a:lnB w="12700" cap="flat" cmpd="sng" algn="ctr">
+                      <a:solidFill>
+                        <a:srgbClr val="000000"/>
+                      </a:solidFill>
+                      <a:prstDash val="solid"/>
+                      <a:round/>
+                      <a:headEnd type="none" w="med" len="med"/>
+                      <a:tailEnd type="none" w="med" len="med"/>
+                    </a:lnB>
+                  </a:tcPr>
+                </a:tc>
+                <a:tc>
+                  <a:txBody>
+                    <a:bodyPr/>
+                    <a:lstStyle/>
+                    <a:p>
+                      <a:pPr>
+                        <a:lnSpc>
+                          <a:spcPct val="107000"/>
+                        </a:lnSpc>
+                        <a:spcAft>
+                          <a:spcPts val="800"/>
+                        </a:spcAft>
+                      </a:pPr>
+                      <a:r>
+                        <a:rPr lang="it-IT" sz="1300">
+                          <a:effectLst/>
+                          <a:latin typeface="Calibri" panose="020F0502020204030204" pitchFamily="34" charset="0"/>
+                          <a:ea typeface="Calibri" panose="020F0502020204030204" pitchFamily="34" charset="0"/>
+                          <a:cs typeface="Times New Roman" panose="02020603050405020304" pitchFamily="18" charset="0"/>
+                        </a:rPr>
+                        <a:t>0</a:t>
+                      </a:r>
+                    </a:p>
+                  </a:txBody>
+                  <a:tcPr marL="84649" marR="84649" marT="0" marB="0">
+                    <a:lnL w="12700" cap="flat" cmpd="sng" algn="ctr">
+                      <a:solidFill>
+                        <a:srgbClr val="000000"/>
+                      </a:solidFill>
+                      <a:prstDash val="solid"/>
+                      <a:round/>
+                      <a:headEnd type="none" w="med" len="med"/>
+                      <a:tailEnd type="none" w="med" len="med"/>
+                    </a:lnL>
+                    <a:lnR w="12700" cap="flat" cmpd="sng" algn="ctr">
+                      <a:solidFill>
+                        <a:srgbClr val="000000"/>
+                      </a:solidFill>
+                      <a:prstDash val="solid"/>
+                      <a:round/>
+                      <a:headEnd type="none" w="med" len="med"/>
+                      <a:tailEnd type="none" w="med" len="med"/>
+                    </a:lnR>
+                    <a:lnT w="12700" cap="flat" cmpd="sng" algn="ctr">
+                      <a:solidFill>
+                        <a:srgbClr val="000000"/>
+                      </a:solidFill>
+                      <a:prstDash val="solid"/>
+                      <a:round/>
+                      <a:headEnd type="none" w="med" len="med"/>
+                      <a:tailEnd type="none" w="med" len="med"/>
+                    </a:lnT>
+                    <a:lnB w="12700" cap="flat" cmpd="sng" algn="ctr">
+                      <a:solidFill>
+                        <a:srgbClr val="000000"/>
+                      </a:solidFill>
+                      <a:prstDash val="solid"/>
+                      <a:round/>
+                      <a:headEnd type="none" w="med" len="med"/>
+                      <a:tailEnd type="none" w="med" len="med"/>
+                    </a:lnB>
+                  </a:tcPr>
+                </a:tc>
+                <a:tc>
+                  <a:txBody>
+                    <a:bodyPr/>
+                    <a:lstStyle/>
+                    <a:p>
+                      <a:pPr>
+                        <a:lnSpc>
+                          <a:spcPct val="107000"/>
+                        </a:lnSpc>
+                        <a:spcAft>
+                          <a:spcPts val="800"/>
+                        </a:spcAft>
+                      </a:pPr>
+                      <a:r>
+                        <a:rPr lang="it-IT" sz="1300">
+                          <a:effectLst/>
+                          <a:latin typeface="Calibri" panose="020F0502020204030204" pitchFamily="34" charset="0"/>
+                          <a:ea typeface="Calibri" panose="020F0502020204030204" pitchFamily="34" charset="0"/>
+                          <a:cs typeface="Times New Roman" panose="02020603050405020304" pitchFamily="18" charset="0"/>
+                        </a:rPr>
+                        <a:t>0</a:t>
+                      </a:r>
+                    </a:p>
+                  </a:txBody>
+                  <a:tcPr marL="84649" marR="84649" marT="0" marB="0">
+                    <a:lnL w="12700" cap="flat" cmpd="sng" algn="ctr">
+                      <a:solidFill>
+                        <a:srgbClr val="000000"/>
+                      </a:solidFill>
+                      <a:prstDash val="solid"/>
+                      <a:round/>
+                      <a:headEnd type="none" w="med" len="med"/>
+                      <a:tailEnd type="none" w="med" len="med"/>
+                    </a:lnL>
+                    <a:lnR w="12700" cap="flat" cmpd="sng" algn="ctr">
+                      <a:solidFill>
+                        <a:srgbClr val="000000"/>
+                      </a:solidFill>
+                      <a:prstDash val="solid"/>
+                      <a:round/>
+                      <a:headEnd type="none" w="med" len="med"/>
+                      <a:tailEnd type="none" w="med" len="med"/>
+                    </a:lnR>
+                    <a:lnT w="12700" cap="flat" cmpd="sng" algn="ctr">
+                      <a:solidFill>
+                        <a:srgbClr val="000000"/>
+                      </a:solidFill>
+                      <a:prstDash val="solid"/>
+                      <a:round/>
+                      <a:headEnd type="none" w="med" len="med"/>
+                      <a:tailEnd type="none" w="med" len="med"/>
+                    </a:lnT>
+                    <a:lnB w="12700" cap="flat" cmpd="sng" algn="ctr">
+                      <a:solidFill>
+                        <a:srgbClr val="000000"/>
+                      </a:solidFill>
+                      <a:prstDash val="solid"/>
+                      <a:round/>
+                      <a:headEnd type="none" w="med" len="med"/>
+                      <a:tailEnd type="none" w="med" len="med"/>
+                    </a:lnB>
+                  </a:tcPr>
+                </a:tc>
+                <a:tc>
+                  <a:txBody>
+                    <a:bodyPr/>
+                    <a:lstStyle/>
+                    <a:p>
+                      <a:pPr>
+                        <a:lnSpc>
+                          <a:spcPct val="107000"/>
+                        </a:lnSpc>
+                        <a:spcAft>
+                          <a:spcPts val="800"/>
+                        </a:spcAft>
+                      </a:pPr>
+                      <a:r>
+                        <a:rPr lang="it-IT" sz="1300">
+                          <a:effectLst/>
+                          <a:latin typeface="Calibri" panose="020F0502020204030204" pitchFamily="34" charset="0"/>
+                          <a:ea typeface="Calibri" panose="020F0502020204030204" pitchFamily="34" charset="0"/>
+                          <a:cs typeface="Times New Roman" panose="02020603050405020304" pitchFamily="18" charset="0"/>
+                        </a:rPr>
+                        <a:t>1</a:t>
+                      </a:r>
+                    </a:p>
+                  </a:txBody>
+                  <a:tcPr marL="84649" marR="84649" marT="0" marB="0">
+                    <a:lnL w="12700" cap="flat" cmpd="sng" algn="ctr">
+                      <a:solidFill>
+                        <a:srgbClr val="000000"/>
+                      </a:solidFill>
+                      <a:prstDash val="solid"/>
+                      <a:round/>
+                      <a:headEnd type="none" w="med" len="med"/>
+                      <a:tailEnd type="none" w="med" len="med"/>
+                    </a:lnL>
+                    <a:lnR w="12700" cap="flat" cmpd="sng" algn="ctr">
+                      <a:solidFill>
+                        <a:srgbClr val="000000"/>
+                      </a:solidFill>
+                      <a:prstDash val="solid"/>
+                      <a:round/>
+                      <a:headEnd type="none" w="med" len="med"/>
+                      <a:tailEnd type="none" w="med" len="med"/>
+                    </a:lnR>
+                    <a:lnT w="12700" cap="flat" cmpd="sng" algn="ctr">
+                      <a:solidFill>
+                        <a:srgbClr val="000000"/>
+                      </a:solidFill>
+                      <a:prstDash val="solid"/>
+                      <a:round/>
+                      <a:headEnd type="none" w="med" len="med"/>
+                      <a:tailEnd type="none" w="med" len="med"/>
+                    </a:lnT>
+                    <a:lnB w="12700" cap="flat" cmpd="sng" algn="ctr">
+                      <a:solidFill>
+                        <a:srgbClr val="000000"/>
+                      </a:solidFill>
+                      <a:prstDash val="solid"/>
+                      <a:round/>
+                      <a:headEnd type="none" w="med" len="med"/>
+                      <a:tailEnd type="none" w="med" len="med"/>
+                    </a:lnB>
+                  </a:tcPr>
+                </a:tc>
+                <a:tc>
+                  <a:txBody>
+                    <a:bodyPr/>
+                    <a:lstStyle/>
+                    <a:p>
+                      <a:pPr>
+                        <a:lnSpc>
+                          <a:spcPct val="107000"/>
+                        </a:lnSpc>
+                        <a:spcAft>
+                          <a:spcPts val="800"/>
+                        </a:spcAft>
+                      </a:pPr>
+                      <a:r>
+                        <a:rPr lang="it-IT" sz="1300">
+                          <a:effectLst/>
+                          <a:latin typeface="Calibri" panose="020F0502020204030204" pitchFamily="34" charset="0"/>
+                          <a:ea typeface="Calibri" panose="020F0502020204030204" pitchFamily="34" charset="0"/>
+                          <a:cs typeface="Times New Roman" panose="02020603050405020304" pitchFamily="18" charset="0"/>
+                        </a:rPr>
+                        <a:t>1</a:t>
+                      </a:r>
+                    </a:p>
+                  </a:txBody>
+                  <a:tcPr marL="84649" marR="84649" marT="0" marB="0">
+                    <a:lnL w="12700" cap="flat" cmpd="sng" algn="ctr">
+                      <a:solidFill>
+                        <a:srgbClr val="000000"/>
+                      </a:solidFill>
+                      <a:prstDash val="solid"/>
+                      <a:round/>
+                      <a:headEnd type="none" w="med" len="med"/>
+                      <a:tailEnd type="none" w="med" len="med"/>
+                    </a:lnL>
+                    <a:lnR w="12700" cap="flat" cmpd="sng" algn="ctr">
+                      <a:solidFill>
+                        <a:srgbClr val="000000"/>
+                      </a:solidFill>
+                      <a:prstDash val="solid"/>
+                      <a:round/>
+                      <a:headEnd type="none" w="med" len="med"/>
+                      <a:tailEnd type="none" w="med" len="med"/>
+                    </a:lnR>
+                    <a:lnT w="12700" cap="flat" cmpd="sng" algn="ctr">
+                      <a:solidFill>
+                        <a:srgbClr val="000000"/>
+                      </a:solidFill>
+                      <a:prstDash val="solid"/>
+                      <a:round/>
+                      <a:headEnd type="none" w="med" len="med"/>
+                      <a:tailEnd type="none" w="med" len="med"/>
+                    </a:lnT>
+                    <a:lnB w="12700" cap="flat" cmpd="sng" algn="ctr">
+                      <a:solidFill>
+                        <a:srgbClr val="000000"/>
+                      </a:solidFill>
+                      <a:prstDash val="solid"/>
+                      <a:round/>
+                      <a:headEnd type="none" w="med" len="med"/>
+                      <a:tailEnd type="none" w="med" len="med"/>
+                    </a:lnB>
+                  </a:tcPr>
+                </a:tc>
+                <a:tc>
+                  <a:txBody>
+                    <a:bodyPr/>
+                    <a:lstStyle/>
+                    <a:p>
+                      <a:pPr>
+                        <a:lnSpc>
+                          <a:spcPct val="107000"/>
+                        </a:lnSpc>
+                        <a:spcAft>
+                          <a:spcPts val="800"/>
+                        </a:spcAft>
+                      </a:pPr>
+                      <a:r>
+                        <a:rPr lang="it-IT" sz="1300">
+                          <a:effectLst/>
+                          <a:latin typeface="Calibri" panose="020F0502020204030204" pitchFamily="34" charset="0"/>
+                          <a:ea typeface="Calibri" panose="020F0502020204030204" pitchFamily="34" charset="0"/>
+                          <a:cs typeface="Times New Roman" panose="02020603050405020304" pitchFamily="18" charset="0"/>
+                        </a:rPr>
+                        <a:t>1</a:t>
+                      </a:r>
+                    </a:p>
+                  </a:txBody>
+                  <a:tcPr marL="84649" marR="84649" marT="0" marB="0">
+                    <a:lnL w="12700" cap="flat" cmpd="sng" algn="ctr">
+                      <a:solidFill>
+                        <a:srgbClr val="000000"/>
+                      </a:solidFill>
+                      <a:prstDash val="solid"/>
+                      <a:round/>
+                      <a:headEnd type="none" w="med" len="med"/>
+                      <a:tailEnd type="none" w="med" len="med"/>
+                    </a:lnL>
+                    <a:lnR w="12700" cap="flat" cmpd="sng" algn="ctr">
+                      <a:solidFill>
+                        <a:srgbClr val="000000"/>
+                      </a:solidFill>
+                      <a:prstDash val="solid"/>
+                      <a:round/>
+                      <a:headEnd type="none" w="med" len="med"/>
+                      <a:tailEnd type="none" w="med" len="med"/>
+                    </a:lnR>
+                    <a:lnT w="12700" cap="flat" cmpd="sng" algn="ctr">
+                      <a:solidFill>
+                        <a:srgbClr val="000000"/>
+                      </a:solidFill>
+                      <a:prstDash val="solid"/>
+                      <a:round/>
+                      <a:headEnd type="none" w="med" len="med"/>
+                      <a:tailEnd type="none" w="med" len="med"/>
+                    </a:lnT>
+                    <a:lnB w="12700" cap="flat" cmpd="sng" algn="ctr">
+                      <a:solidFill>
+                        <a:srgbClr val="000000"/>
+                      </a:solidFill>
+                      <a:prstDash val="solid"/>
+                      <a:round/>
+                      <a:headEnd type="none" w="med" len="med"/>
+                      <a:tailEnd type="none" w="med" len="med"/>
+                    </a:lnB>
+                  </a:tcPr>
+                </a:tc>
+                <a:tc>
+                  <a:txBody>
+                    <a:bodyPr/>
+                    <a:lstStyle/>
+                    <a:p>
+                      <a:pPr>
+                        <a:lnSpc>
+                          <a:spcPct val="107000"/>
+                        </a:lnSpc>
+                        <a:spcAft>
+                          <a:spcPts val="800"/>
+                        </a:spcAft>
+                      </a:pPr>
+                      <a:r>
+                        <a:rPr lang="it-IT" sz="1300" dirty="0">
+                          <a:effectLst/>
+                          <a:latin typeface="Calibri" panose="020F0502020204030204" pitchFamily="34" charset="0"/>
+                          <a:ea typeface="Calibri" panose="020F0502020204030204" pitchFamily="34" charset="0"/>
+                          <a:cs typeface="Times New Roman" panose="02020603050405020304" pitchFamily="18" charset="0"/>
+                        </a:rPr>
+                        <a:t>0</a:t>
+                      </a:r>
+                    </a:p>
+                  </a:txBody>
+                  <a:tcPr marL="84649" marR="84649" marT="0" marB="0">
+                    <a:lnL w="12700" cap="flat" cmpd="sng" algn="ctr">
+                      <a:solidFill>
+                        <a:srgbClr val="000000"/>
+                      </a:solidFill>
+                      <a:prstDash val="solid"/>
+                      <a:round/>
+                      <a:headEnd type="none" w="med" len="med"/>
+                      <a:tailEnd type="none" w="med" len="med"/>
+                    </a:lnL>
+                    <a:lnR w="12700" cap="flat" cmpd="sng" algn="ctr">
+                      <a:solidFill>
+                        <a:srgbClr val="000000"/>
+                      </a:solidFill>
+                      <a:prstDash val="solid"/>
+                      <a:round/>
+                      <a:headEnd type="none" w="med" len="med"/>
+                      <a:tailEnd type="none" w="med" len="med"/>
+                    </a:lnR>
+                    <a:lnT w="12700" cap="flat" cmpd="sng" algn="ctr">
+                      <a:solidFill>
+                        <a:srgbClr val="000000"/>
+                      </a:solidFill>
+                      <a:prstDash val="solid"/>
+                      <a:round/>
+                      <a:headEnd type="none" w="med" len="med"/>
+                      <a:tailEnd type="none" w="med" len="med"/>
+                    </a:lnT>
+                    <a:lnB w="12700" cap="flat" cmpd="sng" algn="ctr">
+                      <a:solidFill>
+                        <a:srgbClr val="000000"/>
+                      </a:solidFill>
+                      <a:prstDash val="solid"/>
+                      <a:round/>
+                      <a:headEnd type="none" w="med" len="med"/>
+                      <a:tailEnd type="none" w="med" len="med"/>
+                    </a:lnB>
+                  </a:tcPr>
+                </a:tc>
+                <a:extLst>
+                  <a:ext uri="{0D108BD9-81ED-4DB2-BD59-A6C34878D82A}">
+                    <a16:rowId xmlns:a16="http://schemas.microsoft.com/office/drawing/2014/main" val="1152492939"/>
+                  </a:ext>
+                </a:extLst>
+              </a:tr>
+            </a:tbl>
+          </a:graphicData>
+        </a:graphic>
+      </p:graphicFrame>
+      <p:sp>
+        <p:nvSpPr>
+          <p:cNvPr id="7" name="Freccia a destra 6">
+            <a:extLst>
+              <a:ext uri="{FF2B5EF4-FFF2-40B4-BE49-F238E27FC236}">
+                <a16:creationId xmlns:a16="http://schemas.microsoft.com/office/drawing/2014/main" id="{0F1CE99A-B379-4A88-B26E-540894FFCE12}"/>
+              </a:ext>
+            </a:extLst>
+          </p:cNvPr>
+          <p:cNvSpPr/>
+          <p:nvPr/>
+        </p:nvSpPr>
+        <p:spPr>
+          <a:xfrm>
+            <a:off x="5568697" y="5422046"/>
+            <a:ext cx="618744" cy="237051"/>
+          </a:xfrm>
+          <a:prstGeom prst="rightArrow">
+            <a:avLst/>
+          </a:prstGeom>
+        </p:spPr>
+        <p:style>
+          <a:lnRef idx="2">
+            <a:schemeClr val="accent6"/>
+          </a:lnRef>
+          <a:fillRef idx="1">
+            <a:schemeClr val="lt1"/>
+          </a:fillRef>
+          <a:effectRef idx="0">
+            <a:schemeClr val="accent6"/>
+          </a:effectRef>
+          <a:fontRef idx="minor">
+            <a:schemeClr val="dk1"/>
+          </a:fontRef>
+        </p:style>
+        <p:txBody>
+          <a:bodyPr rtlCol="0" anchor="ctr"/>
+          <a:lstStyle/>
+          <a:p>
+            <a:pPr algn="ctr"/>
+            <a:endParaRPr lang="it-IT"/>
           </a:p>
         </p:txBody>
       </p:sp>
@@ -4136,47 +9713,6 @@
       </p:grpSpPr>
       <p:sp>
         <p:nvSpPr>
-          <p:cNvPr id="2" name="Titolo 1">
-            <a:extLst>
-              <a:ext uri="{FF2B5EF4-FFF2-40B4-BE49-F238E27FC236}">
-                <a16:creationId xmlns:a16="http://schemas.microsoft.com/office/drawing/2014/main" id="{B8E8813D-53E1-42D5-BAD2-0A0A45D3EC23}"/>
-              </a:ext>
-            </a:extLst>
-          </p:cNvPr>
-          <p:cNvSpPr>
-            <a:spLocks noGrp="1"/>
-          </p:cNvSpPr>
-          <p:nvPr>
-            <p:ph type="title"/>
-          </p:nvPr>
-        </p:nvSpPr>
-        <p:spPr/>
-        <p:txBody>
-          <a:bodyPr/>
-          <a:lstStyle/>
-          <a:p>
-            <a:r>
-              <a:rPr lang="it-IT" dirty="0"/>
-              <a:t>Monte Carlo </a:t>
-            </a:r>
-            <a:r>
-              <a:rPr lang="it-IT" dirty="0" err="1"/>
-              <a:t>Tree</a:t>
-            </a:r>
-            <a:r>
-              <a:rPr lang="it-IT" dirty="0"/>
-              <a:t> </a:t>
-            </a:r>
-            <a:r>
-              <a:rPr lang="it-IT" dirty="0" err="1"/>
-              <a:t>Search</a:t>
-            </a:r>
-            <a:endParaRPr lang="it-IT" dirty="0"/>
-          </a:p>
-        </p:txBody>
-      </p:sp>
-      <p:sp>
-        <p:nvSpPr>
           <p:cNvPr id="5" name="Segnaposto contenuto 4">
             <a:extLst>
               <a:ext uri="{FF2B5EF4-FFF2-40B4-BE49-F238E27FC236}">
@@ -4191,11 +9727,17 @@
             <p:ph idx="1"/>
           </p:nvPr>
         </p:nvSpPr>
-        <p:spPr/>
+        <p:spPr>
+          <a:xfrm>
+            <a:off x="838200" y="2670716"/>
+            <a:ext cx="10515600" cy="4351338"/>
+          </a:xfrm>
+        </p:spPr>
         <p:txBody>
           <a:bodyPr/>
           <a:lstStyle/>
           <a:p>
+            <a:pPr algn="just"/>
             <a:r>
               <a:rPr lang="it-IT" dirty="0" err="1"/>
               <a:t>Inspired</a:t>
@@ -4214,6 +9756,7 @@
             </a:r>
           </a:p>
           <a:p>
+            <a:pPr algn="just"/>
             <a:r>
               <a:rPr lang="it-IT" dirty="0"/>
               <a:t>Monte Carlo </a:t>
@@ -4228,9 +9771,9 @@
             </a:r>
           </a:p>
           <a:p>
-            <a:pPr lvl="1"/>
-            <a:r>
-              <a:rPr lang="it-IT" dirty="0" err="1"/>
+            <a:pPr lvl="1" algn="just"/>
+            <a:r>
+              <a:rPr lang="it-IT" b="1" dirty="0" err="1"/>
               <a:t>Selecting</a:t>
             </a:r>
             <a:r>
@@ -4295,9 +9838,9 @@
             </a:r>
           </a:p>
           <a:p>
-            <a:pPr lvl="1"/>
-            <a:r>
-              <a:rPr lang="it-IT" dirty="0" err="1"/>
+            <a:pPr lvl="1" algn="just"/>
+            <a:r>
+              <a:rPr lang="it-IT" b="1" dirty="0" err="1"/>
               <a:t>Expanding</a:t>
             </a:r>
             <a:r>
@@ -4330,9 +9873,9 @@
             </a:r>
           </a:p>
           <a:p>
-            <a:pPr lvl="1"/>
-            <a:r>
-              <a:rPr lang="it-IT" dirty="0" err="1"/>
+            <a:pPr lvl="1" algn="just"/>
+            <a:r>
+              <a:rPr lang="it-IT" b="1" dirty="0" err="1"/>
               <a:t>Simulating</a:t>
             </a:r>
             <a:r>
@@ -4469,9 +10012,9 @@
             </a:r>
           </a:p>
           <a:p>
-            <a:pPr lvl="1"/>
-            <a:r>
-              <a:rPr lang="it-IT" dirty="0" err="1"/>
+            <a:pPr lvl="1" algn="just"/>
+            <a:r>
+              <a:rPr lang="it-IT" b="1" dirty="0" err="1"/>
               <a:t>Updating</a:t>
             </a:r>
             <a:r>
@@ -4502,6 +10045,142 @@
               <a:rPr lang="it-IT" dirty="0"/>
               <a:t>.</a:t>
             </a:r>
+          </a:p>
+        </p:txBody>
+      </p:sp>
+      <p:pic>
+        <p:nvPicPr>
+          <p:cNvPr id="4" name="Immagine 3">
+            <a:extLst>
+              <a:ext uri="{FF2B5EF4-FFF2-40B4-BE49-F238E27FC236}">
+                <a16:creationId xmlns:a16="http://schemas.microsoft.com/office/drawing/2014/main" id="{95E462A1-5706-43DA-9D31-5946C264230B}"/>
+              </a:ext>
+            </a:extLst>
+          </p:cNvPr>
+          <p:cNvPicPr>
+            <a:picLocks noChangeAspect="1"/>
+          </p:cNvPicPr>
+          <p:nvPr/>
+        </p:nvPicPr>
+        <p:blipFill>
+          <a:blip r:embed="rId2">
+            <a:extLst>
+              <a:ext uri="{28A0092B-C50C-407E-A947-70E740481C1C}">
+                <a14:useLocalDpi xmlns:a14="http://schemas.microsoft.com/office/drawing/2010/main" val="0"/>
+              </a:ext>
+            </a:extLst>
+          </a:blip>
+          <a:stretch>
+            <a:fillRect/>
+          </a:stretch>
+        </p:blipFill>
+        <p:spPr>
+          <a:xfrm>
+            <a:off x="6708646" y="766430"/>
+            <a:ext cx="4876802" cy="2828544"/>
+          </a:xfrm>
+          <a:prstGeom prst="rect">
+            <a:avLst/>
+          </a:prstGeom>
+        </p:spPr>
+      </p:pic>
+      <p:sp>
+        <p:nvSpPr>
+          <p:cNvPr id="11" name="Rettangolo 10">
+            <a:extLst>
+              <a:ext uri="{FF2B5EF4-FFF2-40B4-BE49-F238E27FC236}">
+                <a16:creationId xmlns:a16="http://schemas.microsoft.com/office/drawing/2014/main" id="{E52387BA-CDE4-4ABE-9126-75C7D1889D7C}"/>
+              </a:ext>
+            </a:extLst>
+          </p:cNvPr>
+          <p:cNvSpPr/>
+          <p:nvPr/>
+        </p:nvSpPr>
+        <p:spPr>
+          <a:xfrm>
+            <a:off x="-292608" y="1130396"/>
+            <a:ext cx="6702552" cy="122400"/>
+          </a:xfrm>
+          <a:prstGeom prst="rect">
+            <a:avLst/>
+          </a:prstGeom>
+          <a:solidFill>
+            <a:srgbClr val="C00000"/>
+          </a:solidFill>
+          <a:ln>
+            <a:solidFill>
+              <a:srgbClr val="C00000"/>
+            </a:solidFill>
+          </a:ln>
+        </p:spPr>
+        <p:style>
+          <a:lnRef idx="2">
+            <a:schemeClr val="accent1">
+              <a:shade val="50000"/>
+            </a:schemeClr>
+          </a:lnRef>
+          <a:fillRef idx="1">
+            <a:schemeClr val="accent1"/>
+          </a:fillRef>
+          <a:effectRef idx="0">
+            <a:schemeClr val="accent1"/>
+          </a:effectRef>
+          <a:fontRef idx="minor">
+            <a:schemeClr val="lt1"/>
+          </a:fontRef>
+        </p:style>
+        <p:txBody>
+          <a:bodyPr rtlCol="0" anchor="ctr"/>
+          <a:lstStyle/>
+          <a:p>
+            <a:pPr algn="ctr"/>
+            <a:endParaRPr lang="it-IT"/>
+          </a:p>
+        </p:txBody>
+      </p:sp>
+      <p:sp>
+        <p:nvSpPr>
+          <p:cNvPr id="12" name="Titolo 1">
+            <a:extLst>
+              <a:ext uri="{FF2B5EF4-FFF2-40B4-BE49-F238E27FC236}">
+                <a16:creationId xmlns:a16="http://schemas.microsoft.com/office/drawing/2014/main" id="{48FCF32D-EE91-4F74-B1FC-C3924190E48D}"/>
+              </a:ext>
+            </a:extLst>
+          </p:cNvPr>
+          <p:cNvSpPr>
+            <a:spLocks noGrp="1"/>
+          </p:cNvSpPr>
+          <p:nvPr>
+            <p:ph type="title"/>
+          </p:nvPr>
+        </p:nvSpPr>
+        <p:spPr>
+          <a:xfrm>
+            <a:off x="838200" y="365125"/>
+            <a:ext cx="10515600" cy="1325563"/>
+          </a:xfrm>
+        </p:spPr>
+        <p:txBody>
+          <a:bodyPr/>
+          <a:lstStyle/>
+          <a:p>
+            <a:r>
+              <a:rPr lang="it-IT" b="1" dirty="0"/>
+              <a:t>Monte Carlo </a:t>
+            </a:r>
+            <a:r>
+              <a:rPr lang="it-IT" b="1" dirty="0" err="1"/>
+              <a:t>Tree</a:t>
+            </a:r>
+            <a:r>
+              <a:rPr lang="it-IT" b="1" dirty="0"/>
+              <a:t> </a:t>
+            </a:r>
+            <a:r>
+              <a:rPr lang="it-IT" b="1" dirty="0" err="1"/>
+              <a:t>Search</a:t>
+            </a:r>
+            <a:endParaRPr lang="it-IT" b="1" dirty="0"/>
           </a:p>
         </p:txBody>
       </p:sp>
@@ -4537,6 +10216,60 @@
       </p:grpSpPr>
       <p:sp>
         <p:nvSpPr>
+          <p:cNvPr id="6" name="Rettangolo 5">
+            <a:extLst>
+              <a:ext uri="{FF2B5EF4-FFF2-40B4-BE49-F238E27FC236}">
+                <a16:creationId xmlns:a16="http://schemas.microsoft.com/office/drawing/2014/main" id="{BDE76DBC-DD24-4DD2-AA30-E2F7889A608C}"/>
+              </a:ext>
+            </a:extLst>
+          </p:cNvPr>
+          <p:cNvSpPr/>
+          <p:nvPr/>
+        </p:nvSpPr>
+        <p:spPr>
+          <a:xfrm>
+            <a:off x="-292608" y="1130396"/>
+            <a:ext cx="7159752" cy="122400"/>
+          </a:xfrm>
+          <a:prstGeom prst="rect">
+            <a:avLst/>
+          </a:prstGeom>
+          <a:solidFill>
+            <a:srgbClr val="C00000"/>
+          </a:solidFill>
+          <a:ln>
+            <a:solidFill>
+              <a:srgbClr val="C00000"/>
+            </a:solidFill>
+          </a:ln>
+        </p:spPr>
+        <p:style>
+          <a:lnRef idx="2">
+            <a:schemeClr val="accent1">
+              <a:shade val="50000"/>
+            </a:schemeClr>
+          </a:lnRef>
+          <a:fillRef idx="1">
+            <a:schemeClr val="accent1"/>
+          </a:fillRef>
+          <a:effectRef idx="0">
+            <a:schemeClr val="accent1"/>
+          </a:effectRef>
+          <a:fontRef idx="minor">
+            <a:schemeClr val="lt1"/>
+          </a:fontRef>
+        </p:style>
+        <p:txBody>
+          <a:bodyPr rtlCol="0" anchor="ctr"/>
+          <a:lstStyle/>
+          <a:p>
+            <a:pPr algn="ctr"/>
+            <a:endParaRPr lang="it-IT"/>
+          </a:p>
+        </p:txBody>
+      </p:sp>
+      <p:sp>
+        <p:nvSpPr>
           <p:cNvPr id="2" name="Titolo 1">
             <a:extLst>
               <a:ext uri="{FF2B5EF4-FFF2-40B4-BE49-F238E27FC236}">
@@ -4557,11 +10290,11 @@
           <a:lstStyle/>
           <a:p>
             <a:r>
-              <a:rPr lang="it-IT" dirty="0" err="1"/>
+              <a:rPr lang="it-IT" b="1" dirty="0" err="1"/>
               <a:t>Heuristic</a:t>
             </a:r>
             <a:r>
-              <a:rPr lang="it-IT" dirty="0"/>
+              <a:rPr lang="it-IT" b="1" dirty="0"/>
               <a:t> &amp; Multithreading</a:t>
             </a:r>
           </a:p>
@@ -4996,7 +10729,12 @@
             <p:ph type="ctrTitle"/>
           </p:nvPr>
         </p:nvSpPr>
-        <p:spPr/>
+        <p:spPr>
+          <a:xfrm>
+            <a:off x="-963168" y="262827"/>
+            <a:ext cx="9144000" cy="2387600"/>
+          </a:xfrm>
+        </p:spPr>
         <p:txBody>
           <a:bodyPr/>
           <a:lstStyle/>
@@ -5016,31 +10754,42 @@
           </a:p>
         </p:txBody>
       </p:sp>
-      <p:sp>
-        <p:nvSpPr>
-          <p:cNvPr id="7" name="Sottotitolo 6">
+      <p:pic>
+        <p:nvPicPr>
+          <p:cNvPr id="9" name="Immagine 8">
             <a:extLst>
               <a:ext uri="{FF2B5EF4-FFF2-40B4-BE49-F238E27FC236}">
-                <a16:creationId xmlns:a16="http://schemas.microsoft.com/office/drawing/2014/main" id="{43253000-2550-492E-90D5-CF929C1F70CC}"/>
+                <a16:creationId xmlns:a16="http://schemas.microsoft.com/office/drawing/2014/main" id="{31BC6D03-7BC4-4EBF-BCB2-003A7372B78E}"/>
               </a:ext>
             </a:extLst>
           </p:cNvPr>
-          <p:cNvSpPr>
-            <a:spLocks noGrp="1"/>
-          </p:cNvSpPr>
-          <p:nvPr>
-            <p:ph type="subTitle" idx="1"/>
-          </p:nvPr>
-        </p:nvSpPr>
-        <p:spPr/>
-        <p:txBody>
-          <a:bodyPr/>
-          <a:lstStyle/>
-          <a:p>
-            <a:endParaRPr lang="it-IT"/>
-          </a:p>
-        </p:txBody>
-      </p:sp>
+          <p:cNvPicPr>
+            <a:picLocks noChangeAspect="1"/>
+          </p:cNvPicPr>
+          <p:nvPr/>
+        </p:nvPicPr>
+        <p:blipFill>
+          <a:blip r:embed="rId2">
+            <a:extLst>
+              <a:ext uri="{28A0092B-C50C-407E-A947-70E740481C1C}">
+                <a14:useLocalDpi xmlns:a14="http://schemas.microsoft.com/office/drawing/2010/main" val="0"/>
+              </a:ext>
+            </a:extLst>
+          </a:blip>
+          <a:stretch>
+            <a:fillRect/>
+          </a:stretch>
+        </p:blipFill>
+        <p:spPr>
+          <a:xfrm>
+            <a:off x="7277639" y="866331"/>
+            <a:ext cx="2793730" cy="5550408"/>
+          </a:xfrm>
+          <a:prstGeom prst="rect">
+            <a:avLst/>
+          </a:prstGeom>
+        </p:spPr>
+      </p:pic>
     </p:spTree>
     <p:extLst>
       <p:ext uri="{BB962C8B-B14F-4D97-AF65-F5344CB8AC3E}">
